--- a/Курсовая.pptx
+++ b/Курсовая.pptx
@@ -8,12 +8,14 @@
     <p:sldId id="256" r:id="rId2"/>
     <p:sldId id="257" r:id="rId3"/>
     <p:sldId id="258" r:id="rId4"/>
-    <p:sldId id="259" r:id="rId5"/>
-    <p:sldId id="260" r:id="rId6"/>
-    <p:sldId id="261" r:id="rId7"/>
-    <p:sldId id="262" r:id="rId8"/>
-    <p:sldId id="264" r:id="rId9"/>
-    <p:sldId id="263" r:id="rId10"/>
+    <p:sldId id="265" r:id="rId5"/>
+    <p:sldId id="266" r:id="rId6"/>
+    <p:sldId id="259" r:id="rId7"/>
+    <p:sldId id="260" r:id="rId8"/>
+    <p:sldId id="261" r:id="rId9"/>
+    <p:sldId id="262" r:id="rId10"/>
+    <p:sldId id="264" r:id="rId11"/>
+    <p:sldId id="263" r:id="rId12"/>
   </p:sldIdLst>
   <p:sldSz cx="12192000" cy="6858000"/>
   <p:notesSz cx="6858000" cy="9144000"/>
@@ -3661,6 +3663,440 @@
   <p:clrMapOvr>
     <a:masterClrMapping/>
   </p:clrMapOvr>
+  <p:transition spd="slow">
+    <p:wipe/>
+  </p:transition>
+</p:sld>
+</file>
+
+<file path=ppt/slides/slide10.xml><?xml version="1.0" encoding="utf-8"?>
+<p:sld xmlns:a="http://schemas.openxmlformats.org/drawingml/2006/main" xmlns:r="http://schemas.openxmlformats.org/officeDocument/2006/relationships" xmlns:p="http://schemas.openxmlformats.org/presentationml/2006/main">
+  <p:cSld>
+    <p:spTree>
+      <p:nvGrpSpPr>
+        <p:cNvPr id="1" name=""/>
+        <p:cNvGrpSpPr/>
+        <p:nvPr/>
+      </p:nvGrpSpPr>
+      <p:grpSpPr>
+        <a:xfrm>
+          <a:off x="0" y="0"/>
+          <a:ext cx="0" cy="0"/>
+          <a:chOff x="0" y="0"/>
+          <a:chExt cx="0" cy="0"/>
+        </a:xfrm>
+      </p:grpSpPr>
+      <p:sp>
+        <p:nvSpPr>
+          <p:cNvPr id="2" name="Заголовок 1">
+            <a:extLst>
+              <a:ext uri="{FF2B5EF4-FFF2-40B4-BE49-F238E27FC236}">
+                <a16:creationId xmlns:a16="http://schemas.microsoft.com/office/drawing/2014/main" id="{90CE06F5-2B3D-48FD-B7B7-C5619967F23F}"/>
+              </a:ext>
+            </a:extLst>
+          </p:cNvPr>
+          <p:cNvSpPr>
+            <a:spLocks noGrp="1"/>
+          </p:cNvSpPr>
+          <p:nvPr>
+            <p:ph type="title"/>
+          </p:nvPr>
+        </p:nvSpPr>
+        <p:spPr>
+          <a:xfrm>
+            <a:off x="838200" y="745724"/>
+            <a:ext cx="10515600" cy="646331"/>
+          </a:xfrm>
+        </p:spPr>
+        <p:txBody>
+          <a:bodyPr>
+            <a:normAutofit/>
+          </a:bodyPr>
+          <a:lstStyle/>
+          <a:p>
+            <a:pPr algn="ctr">
+              <a:spcBef>
+                <a:spcPct val="50000"/>
+              </a:spcBef>
+            </a:pPr>
+            <a:r>
+              <a:rPr lang="ru-RU" altLang="ru-RU" sz="3200" b="1" dirty="0">
+                <a:latin typeface="Times New Roman" panose="02020603050405020304" pitchFamily="18" charset="0"/>
+              </a:rPr>
+              <a:t>Проблемы</a:t>
+            </a:r>
+          </a:p>
+        </p:txBody>
+      </p:sp>
+      <p:sp>
+        <p:nvSpPr>
+          <p:cNvPr id="3" name="Объект 2">
+            <a:extLst>
+              <a:ext uri="{FF2B5EF4-FFF2-40B4-BE49-F238E27FC236}">
+                <a16:creationId xmlns:a16="http://schemas.microsoft.com/office/drawing/2014/main" id="{36545B0B-DC57-417A-9683-61B17F016B84}"/>
+              </a:ext>
+            </a:extLst>
+          </p:cNvPr>
+          <p:cNvSpPr>
+            <a:spLocks noGrp="1"/>
+          </p:cNvSpPr>
+          <p:nvPr>
+            <p:ph idx="1"/>
+          </p:nvPr>
+        </p:nvSpPr>
+        <p:spPr>
+          <a:xfrm>
+            <a:off x="838200" y="1491447"/>
+            <a:ext cx="10515600" cy="4685515"/>
+          </a:xfrm>
+        </p:spPr>
+        <p:txBody>
+          <a:bodyPr>
+            <a:normAutofit/>
+          </a:bodyPr>
+          <a:lstStyle/>
+          <a:p>
+            <a:pPr marL="0" indent="0">
+              <a:buNone/>
+            </a:pPr>
+            <a:r>
+              <a:rPr lang="ru-RU" dirty="0">
+                <a:latin typeface="Times New Roman" panose="02020603050405020304" pitchFamily="18" charset="0"/>
+                <a:cs typeface="Times New Roman" panose="02020603050405020304" pitchFamily="18" charset="0"/>
+              </a:rPr>
+              <a:t>	Скорость получения данных от сервера.</a:t>
+            </a:r>
+          </a:p>
+          <a:p>
+            <a:pPr marL="0" indent="0">
+              <a:buNone/>
+            </a:pPr>
+            <a:r>
+              <a:rPr lang="ru-RU" dirty="0">
+                <a:latin typeface="Times New Roman" panose="02020603050405020304" pitchFamily="18" charset="0"/>
+                <a:cs typeface="Times New Roman" panose="02020603050405020304" pitchFamily="18" charset="0"/>
+              </a:rPr>
+              <a:t>	Сохранение в </a:t>
+            </a:r>
+            <a:r>
+              <a:rPr lang="en-US" dirty="0">
+                <a:latin typeface="Times New Roman" panose="02020603050405020304" pitchFamily="18" charset="0"/>
+                <a:cs typeface="Times New Roman" panose="02020603050405020304" pitchFamily="18" charset="0"/>
+              </a:rPr>
+              <a:t>PDF </a:t>
+            </a:r>
+            <a:r>
+              <a:rPr lang="ru-RU" dirty="0">
+                <a:latin typeface="Times New Roman" panose="02020603050405020304" pitchFamily="18" charset="0"/>
+                <a:cs typeface="Times New Roman" panose="02020603050405020304" pitchFamily="18" charset="0"/>
+              </a:rPr>
+              <a:t>файл</a:t>
+            </a:r>
+            <a:endParaRPr lang="en-US" dirty="0">
+              <a:latin typeface="Times New Roman" panose="02020603050405020304" pitchFamily="18" charset="0"/>
+              <a:cs typeface="Times New Roman" panose="02020603050405020304" pitchFamily="18" charset="0"/>
+            </a:endParaRPr>
+          </a:p>
+        </p:txBody>
+      </p:sp>
+      <p:sp>
+        <p:nvSpPr>
+          <p:cNvPr id="4" name="Прямоугольник 3">
+            <a:extLst>
+              <a:ext uri="{FF2B5EF4-FFF2-40B4-BE49-F238E27FC236}">
+                <a16:creationId xmlns:a16="http://schemas.microsoft.com/office/drawing/2014/main" id="{BED8B304-AD86-43F9-A4D1-3527F07B62D0}"/>
+              </a:ext>
+            </a:extLst>
+          </p:cNvPr>
+          <p:cNvSpPr/>
+          <p:nvPr/>
+        </p:nvSpPr>
+        <p:spPr>
+          <a:xfrm>
+            <a:off x="838200" y="0"/>
+            <a:ext cx="10515600" cy="646331"/>
+          </a:xfrm>
+          <a:prstGeom prst="rect">
+            <a:avLst/>
+          </a:prstGeom>
+        </p:spPr>
+        <p:txBody>
+          <a:bodyPr wrap="square">
+            <a:spAutoFit/>
+          </a:bodyPr>
+          <a:lstStyle/>
+          <a:p>
+            <a:pPr algn="ctr"/>
+            <a:r>
+              <a:rPr lang="ru-RU" altLang="ru-RU" b="1" dirty="0">
+                <a:solidFill>
+                  <a:schemeClr val="tx2"/>
+                </a:solidFill>
+                <a:latin typeface="Times New Roman" panose="02020603050405020304" pitchFamily="18" charset="0"/>
+              </a:rPr>
+              <a:t>РАЗРАБОТКА ПРОГРАММНОЙ СИСТЕМЫ ВСТРАИВАНИЯ ЦИФРОВОГО ВОДЯНОГО ЗНАКА В ЦИФРОВОЕ ИЗОБРАЖЕНИЕ </a:t>
+            </a:r>
+            <a:endParaRPr lang="ru-RU" dirty="0"/>
+          </a:p>
+        </p:txBody>
+      </p:sp>
+      <p:pic>
+        <p:nvPicPr>
+          <p:cNvPr id="11" name="Рисунок 10">
+            <a:extLst>
+              <a:ext uri="{FF2B5EF4-FFF2-40B4-BE49-F238E27FC236}">
+                <a16:creationId xmlns:a16="http://schemas.microsoft.com/office/drawing/2014/main" id="{7E1D9CC9-96AE-4829-911E-F006A2DDB885}"/>
+              </a:ext>
+            </a:extLst>
+          </p:cNvPr>
+          <p:cNvPicPr>
+            <a:picLocks noChangeAspect="1"/>
+          </p:cNvPicPr>
+          <p:nvPr/>
+        </p:nvPicPr>
+        <p:blipFill>
+          <a:blip r:embed="rId2">
+            <a:extLst>
+              <a:ext uri="{28A0092B-C50C-407E-A947-70E740481C1C}">
+                <a14:useLocalDpi xmlns:a14="http://schemas.microsoft.com/office/drawing/2010/main" val="0"/>
+              </a:ext>
+            </a:extLst>
+          </a:blip>
+          <a:stretch>
+            <a:fillRect/>
+          </a:stretch>
+        </p:blipFill>
+        <p:spPr>
+          <a:xfrm>
+            <a:off x="6108700" y="4638167"/>
+            <a:ext cx="5892800" cy="2029333"/>
+          </a:xfrm>
+          <a:prstGeom prst="rect">
+            <a:avLst/>
+          </a:prstGeom>
+        </p:spPr>
+      </p:pic>
+    </p:spTree>
+    <p:extLst>
+      <p:ext uri="{BB962C8B-B14F-4D97-AF65-F5344CB8AC3E}">
+        <p14:creationId xmlns:p14="http://schemas.microsoft.com/office/powerpoint/2010/main" val="3327162357"/>
+      </p:ext>
+    </p:extLst>
+  </p:cSld>
+  <p:clrMapOvr>
+    <a:masterClrMapping/>
+  </p:clrMapOvr>
+  <p:transition spd="slow">
+    <p:wipe/>
+  </p:transition>
+</p:sld>
+</file>
+
+<file path=ppt/slides/slide11.xml><?xml version="1.0" encoding="utf-8"?>
+<p:sld xmlns:a="http://schemas.openxmlformats.org/drawingml/2006/main" xmlns:r="http://schemas.openxmlformats.org/officeDocument/2006/relationships" xmlns:p="http://schemas.openxmlformats.org/presentationml/2006/main">
+  <p:cSld>
+    <p:spTree>
+      <p:nvGrpSpPr>
+        <p:cNvPr id="1" name=""/>
+        <p:cNvGrpSpPr/>
+        <p:nvPr/>
+      </p:nvGrpSpPr>
+      <p:grpSpPr>
+        <a:xfrm>
+          <a:off x="0" y="0"/>
+          <a:ext cx="0" cy="0"/>
+          <a:chOff x="0" y="0"/>
+          <a:chExt cx="0" cy="0"/>
+        </a:xfrm>
+      </p:grpSpPr>
+      <p:sp>
+        <p:nvSpPr>
+          <p:cNvPr id="2" name="Заголовок 1">
+            <a:extLst>
+              <a:ext uri="{FF2B5EF4-FFF2-40B4-BE49-F238E27FC236}">
+                <a16:creationId xmlns:a16="http://schemas.microsoft.com/office/drawing/2014/main" id="{90CE06F5-2B3D-48FD-B7B7-C5619967F23F}"/>
+              </a:ext>
+            </a:extLst>
+          </p:cNvPr>
+          <p:cNvSpPr>
+            <a:spLocks noGrp="1"/>
+          </p:cNvSpPr>
+          <p:nvPr>
+            <p:ph type="title"/>
+          </p:nvPr>
+        </p:nvSpPr>
+        <p:spPr>
+          <a:xfrm>
+            <a:off x="838200" y="745724"/>
+            <a:ext cx="10515600" cy="646331"/>
+          </a:xfrm>
+        </p:spPr>
+        <p:txBody>
+          <a:bodyPr>
+            <a:normAutofit/>
+          </a:bodyPr>
+          <a:lstStyle/>
+          <a:p>
+            <a:pPr algn="ctr">
+              <a:spcBef>
+                <a:spcPct val="50000"/>
+              </a:spcBef>
+            </a:pPr>
+            <a:r>
+              <a:rPr lang="ru-RU" altLang="ru-RU" sz="3200" b="1" dirty="0">
+                <a:latin typeface="Times New Roman" panose="02020603050405020304" pitchFamily="18" charset="0"/>
+              </a:rPr>
+              <a:t>Перспективы развития</a:t>
+            </a:r>
+          </a:p>
+        </p:txBody>
+      </p:sp>
+      <p:sp>
+        <p:nvSpPr>
+          <p:cNvPr id="3" name="Объект 2">
+            <a:extLst>
+              <a:ext uri="{FF2B5EF4-FFF2-40B4-BE49-F238E27FC236}">
+                <a16:creationId xmlns:a16="http://schemas.microsoft.com/office/drawing/2014/main" id="{36545B0B-DC57-417A-9683-61B17F016B84}"/>
+              </a:ext>
+            </a:extLst>
+          </p:cNvPr>
+          <p:cNvSpPr>
+            <a:spLocks noGrp="1"/>
+          </p:cNvSpPr>
+          <p:nvPr>
+            <p:ph idx="1"/>
+          </p:nvPr>
+        </p:nvSpPr>
+        <p:spPr>
+          <a:xfrm>
+            <a:off x="838200" y="1491447"/>
+            <a:ext cx="10515600" cy="4685515"/>
+          </a:xfrm>
+        </p:spPr>
+        <p:txBody>
+          <a:bodyPr>
+            <a:normAutofit/>
+          </a:bodyPr>
+          <a:lstStyle/>
+          <a:p>
+            <a:pPr marL="0" indent="0">
+              <a:buNone/>
+            </a:pPr>
+            <a:r>
+              <a:rPr lang="ru-RU" dirty="0">
+                <a:latin typeface="Times New Roman" panose="02020603050405020304" pitchFamily="18" charset="0"/>
+                <a:cs typeface="Times New Roman" panose="02020603050405020304" pitchFamily="18" charset="0"/>
+              </a:rPr>
+              <a:t>	Изменить интерфейс программы</a:t>
+            </a:r>
+            <a:endParaRPr lang="en-US" dirty="0">
+              <a:latin typeface="Times New Roman" panose="02020603050405020304" pitchFamily="18" charset="0"/>
+              <a:cs typeface="Times New Roman" panose="02020603050405020304" pitchFamily="18" charset="0"/>
+            </a:endParaRPr>
+          </a:p>
+          <a:p>
+            <a:pPr marL="0" indent="0">
+              <a:buNone/>
+            </a:pPr>
+            <a:r>
+              <a:rPr lang="ru-RU" dirty="0">
+                <a:latin typeface="Times New Roman" panose="02020603050405020304" pitchFamily="18" charset="0"/>
+                <a:cs typeface="Times New Roman" panose="02020603050405020304" pitchFamily="18" charset="0"/>
+              </a:rPr>
+              <a:t>	Работать над оптимизацией программы</a:t>
+            </a:r>
+          </a:p>
+        </p:txBody>
+      </p:sp>
+      <p:sp>
+        <p:nvSpPr>
+          <p:cNvPr id="4" name="Прямоугольник 3">
+            <a:extLst>
+              <a:ext uri="{FF2B5EF4-FFF2-40B4-BE49-F238E27FC236}">
+                <a16:creationId xmlns:a16="http://schemas.microsoft.com/office/drawing/2014/main" id="{BED8B304-AD86-43F9-A4D1-3527F07B62D0}"/>
+              </a:ext>
+            </a:extLst>
+          </p:cNvPr>
+          <p:cNvSpPr/>
+          <p:nvPr/>
+        </p:nvSpPr>
+        <p:spPr>
+          <a:xfrm>
+            <a:off x="838200" y="0"/>
+            <a:ext cx="10515600" cy="646331"/>
+          </a:xfrm>
+          <a:prstGeom prst="rect">
+            <a:avLst/>
+          </a:prstGeom>
+        </p:spPr>
+        <p:txBody>
+          <a:bodyPr wrap="square">
+            <a:spAutoFit/>
+          </a:bodyPr>
+          <a:lstStyle/>
+          <a:p>
+            <a:pPr algn="ctr"/>
+            <a:r>
+              <a:rPr lang="ru-RU" altLang="ru-RU" b="1" dirty="0">
+                <a:solidFill>
+                  <a:schemeClr val="tx2"/>
+                </a:solidFill>
+                <a:latin typeface="Times New Roman" panose="02020603050405020304" pitchFamily="18" charset="0"/>
+              </a:rPr>
+              <a:t>РАЗРАБОТКА ПРОГРАММНОЙ СИСТЕМЫ ВСТРАИВАНИЯ ЦИФРОВОГО ВОДЯНОГО ЗНАКА В ЦИФРОВОЕ ИЗОБРАЖЕНИЕ </a:t>
+            </a:r>
+            <a:endParaRPr lang="ru-RU" dirty="0"/>
+          </a:p>
+        </p:txBody>
+      </p:sp>
+      <p:pic>
+        <p:nvPicPr>
+          <p:cNvPr id="6" name="Рисунок 5">
+            <a:extLst>
+              <a:ext uri="{FF2B5EF4-FFF2-40B4-BE49-F238E27FC236}">
+                <a16:creationId xmlns:a16="http://schemas.microsoft.com/office/drawing/2014/main" id="{27DCEB4E-8B70-49BC-B0AF-71228755E250}"/>
+              </a:ext>
+            </a:extLst>
+          </p:cNvPr>
+          <p:cNvPicPr>
+            <a:picLocks noChangeAspect="1"/>
+          </p:cNvPicPr>
+          <p:nvPr/>
+        </p:nvPicPr>
+        <p:blipFill rotWithShape="1">
+          <a:blip r:embed="rId2">
+            <a:extLst>
+              <a:ext uri="{28A0092B-C50C-407E-A947-70E740481C1C}">
+                <a14:useLocalDpi xmlns:a14="http://schemas.microsoft.com/office/drawing/2010/main" val="0"/>
+              </a:ext>
+            </a:extLst>
+          </a:blip>
+          <a:srcRect l="24199" t="19847" r="21298" b="22411"/>
+          <a:stretch/>
+        </p:blipFill>
+        <p:spPr>
+          <a:xfrm>
+            <a:off x="9499600" y="4013229"/>
+            <a:ext cx="2565400" cy="2717771"/>
+          </a:xfrm>
+          <a:prstGeom prst="rect">
+            <a:avLst/>
+          </a:prstGeom>
+        </p:spPr>
+      </p:pic>
+    </p:spTree>
+    <p:extLst>
+      <p:ext uri="{BB962C8B-B14F-4D97-AF65-F5344CB8AC3E}">
+        <p14:creationId xmlns:p14="http://schemas.microsoft.com/office/powerpoint/2010/main" val="1019301726"/>
+      </p:ext>
+    </p:extLst>
+  </p:cSld>
+  <p:clrMapOvr>
+    <a:masterClrMapping/>
+  </p:clrMapOvr>
+  <p:transition spd="slow">
+    <p:wipe/>
+  </p:transition>
 </p:sld>
 </file>
 
@@ -3892,6 +4328,9 @@
   <p:clrMapOvr>
     <a:masterClrMapping/>
   </p:clrMapOvr>
+  <p:transition spd="slow">
+    <p:wipe/>
+  </p:transition>
 </p:sld>
 </file>
 
@@ -3990,7 +4429,21 @@
                 <a:latin typeface="Times New Roman" panose="02020603050405020304" pitchFamily="18" charset="0"/>
                 <a:cs typeface="Times New Roman" panose="02020603050405020304" pitchFamily="18" charset="0"/>
               </a:rPr>
-              <a:t>	Продажа билетов в кинотеатре — это процесс реализации билетов на киносеансы, который может осуществляться как непосредственно в кинотеатре, так и дистанционным способом с использованием интернета.</a:t>
+              <a:t>	Продажа билетов в кинотеатре — это процесс реализации билетов на киносеансы, который</a:t>
+            </a:r>
+            <a:r>
+              <a:rPr lang="en-US" dirty="0">
+                <a:latin typeface="Times New Roman" panose="02020603050405020304" pitchFamily="18" charset="0"/>
+                <a:cs typeface="Times New Roman" panose="02020603050405020304" pitchFamily="18" charset="0"/>
+              </a:rPr>
+              <a:t> </a:t>
+            </a:r>
+            <a:r>
+              <a:rPr lang="ru-RU" dirty="0">
+                <a:latin typeface="Times New Roman" panose="02020603050405020304" pitchFamily="18" charset="0"/>
+                <a:cs typeface="Times New Roman" panose="02020603050405020304" pitchFamily="18" charset="0"/>
+              </a:rPr>
+              <a:t>может осуществляться как непосредственно в кинотеатре, так и дистанционным способом с использованием интернета.</a:t>
             </a:r>
           </a:p>
         </p:txBody>
@@ -4093,10 +4546,305 @@
   <p:clrMapOvr>
     <a:masterClrMapping/>
   </p:clrMapOvr>
+  <p:transition spd="slow">
+    <p:wipe/>
+  </p:transition>
 </p:sld>
 </file>
 
 <file path=ppt/slides/slide4.xml><?xml version="1.0" encoding="utf-8"?>
+<p:sld xmlns:a="http://schemas.openxmlformats.org/drawingml/2006/main" xmlns:r="http://schemas.openxmlformats.org/officeDocument/2006/relationships" xmlns:p="http://schemas.openxmlformats.org/presentationml/2006/main">
+  <p:cSld>
+    <p:spTree>
+      <p:nvGrpSpPr>
+        <p:cNvPr id="1" name=""/>
+        <p:cNvGrpSpPr/>
+        <p:nvPr/>
+      </p:nvGrpSpPr>
+      <p:grpSpPr>
+        <a:xfrm>
+          <a:off x="0" y="0"/>
+          <a:ext cx="0" cy="0"/>
+          <a:chOff x="0" y="0"/>
+          <a:chExt cx="0" cy="0"/>
+        </a:xfrm>
+      </p:grpSpPr>
+      <p:sp>
+        <p:nvSpPr>
+          <p:cNvPr id="2" name="Заголовок 1">
+            <a:extLst>
+              <a:ext uri="{FF2B5EF4-FFF2-40B4-BE49-F238E27FC236}">
+                <a16:creationId xmlns:a16="http://schemas.microsoft.com/office/drawing/2014/main" id="{90CE06F5-2B3D-48FD-B7B7-C5619967F23F}"/>
+              </a:ext>
+            </a:extLst>
+          </p:cNvPr>
+          <p:cNvSpPr>
+            <a:spLocks noGrp="1"/>
+          </p:cNvSpPr>
+          <p:nvPr>
+            <p:ph type="title"/>
+          </p:nvPr>
+        </p:nvSpPr>
+        <p:spPr>
+          <a:xfrm>
+            <a:off x="838200" y="745724"/>
+            <a:ext cx="10515600" cy="646331"/>
+          </a:xfrm>
+        </p:spPr>
+        <p:txBody>
+          <a:bodyPr>
+            <a:normAutofit/>
+          </a:bodyPr>
+          <a:lstStyle/>
+          <a:p>
+            <a:pPr algn="ctr">
+              <a:spcBef>
+                <a:spcPct val="50000"/>
+              </a:spcBef>
+            </a:pPr>
+            <a:r>
+              <a:rPr lang="ru-RU" altLang="ru-RU" sz="3200" b="1" dirty="0">
+                <a:latin typeface="Times New Roman" panose="02020603050405020304" pitchFamily="18" charset="0"/>
+              </a:rPr>
+              <a:t>Анализ предметной области</a:t>
+            </a:r>
+          </a:p>
+        </p:txBody>
+      </p:sp>
+      <p:sp>
+        <p:nvSpPr>
+          <p:cNvPr id="4" name="Прямоугольник 3">
+            <a:extLst>
+              <a:ext uri="{FF2B5EF4-FFF2-40B4-BE49-F238E27FC236}">
+                <a16:creationId xmlns:a16="http://schemas.microsoft.com/office/drawing/2014/main" id="{BED8B304-AD86-43F9-A4D1-3527F07B62D0}"/>
+              </a:ext>
+            </a:extLst>
+          </p:cNvPr>
+          <p:cNvSpPr/>
+          <p:nvPr/>
+        </p:nvSpPr>
+        <p:spPr>
+          <a:xfrm>
+            <a:off x="838200" y="0"/>
+            <a:ext cx="10515600" cy="646331"/>
+          </a:xfrm>
+          <a:prstGeom prst="rect">
+            <a:avLst/>
+          </a:prstGeom>
+        </p:spPr>
+        <p:txBody>
+          <a:bodyPr wrap="square">
+            <a:spAutoFit/>
+          </a:bodyPr>
+          <a:lstStyle/>
+          <a:p>
+            <a:pPr algn="ctr"/>
+            <a:r>
+              <a:rPr lang="ru-RU" altLang="ru-RU" b="1" dirty="0">
+                <a:solidFill>
+                  <a:schemeClr val="tx2"/>
+                </a:solidFill>
+                <a:latin typeface="Times New Roman" panose="02020603050405020304" pitchFamily="18" charset="0"/>
+              </a:rPr>
+              <a:t>РАЗРАБОТКА ПРОГРАММНОЙ СИСТЕМЫ ВСТРАИВАНИЯ ЦИФРОВОГО ВОДЯНОГО ЗНАКА В ЦИФРОВОЕ ИЗОБРАЖЕНИЕ </a:t>
+            </a:r>
+            <a:endParaRPr lang="ru-RU" dirty="0"/>
+          </a:p>
+        </p:txBody>
+      </p:sp>
+      <p:pic>
+        <p:nvPicPr>
+          <p:cNvPr id="9" name="Рисунок 8">
+            <a:extLst>
+              <a:ext uri="{FF2B5EF4-FFF2-40B4-BE49-F238E27FC236}">
+                <a16:creationId xmlns:a16="http://schemas.microsoft.com/office/drawing/2014/main" id="{E54BE5EF-02A8-4D43-8064-437D8944730B}"/>
+              </a:ext>
+            </a:extLst>
+          </p:cNvPr>
+          <p:cNvPicPr>
+            <a:picLocks noChangeAspect="1"/>
+          </p:cNvPicPr>
+          <p:nvPr/>
+        </p:nvPicPr>
+        <p:blipFill>
+          <a:blip r:embed="rId2"/>
+          <a:stretch>
+            <a:fillRect/>
+          </a:stretch>
+        </p:blipFill>
+        <p:spPr>
+          <a:xfrm>
+            <a:off x="419100" y="1691847"/>
+            <a:ext cx="11353800" cy="4894417"/>
+          </a:xfrm>
+          <a:prstGeom prst="rect">
+            <a:avLst/>
+          </a:prstGeom>
+        </p:spPr>
+      </p:pic>
+    </p:spTree>
+    <p:extLst>
+      <p:ext uri="{BB962C8B-B14F-4D97-AF65-F5344CB8AC3E}">
+        <p14:creationId xmlns:p14="http://schemas.microsoft.com/office/powerpoint/2010/main" val="3951587349"/>
+      </p:ext>
+    </p:extLst>
+  </p:cSld>
+  <p:clrMapOvr>
+    <a:masterClrMapping/>
+  </p:clrMapOvr>
+  <p:transition spd="slow">
+    <p:wipe/>
+  </p:transition>
+</p:sld>
+</file>
+
+<file path=ppt/slides/slide5.xml><?xml version="1.0" encoding="utf-8"?>
+<p:sld xmlns:a="http://schemas.openxmlformats.org/drawingml/2006/main" xmlns:r="http://schemas.openxmlformats.org/officeDocument/2006/relationships" xmlns:p="http://schemas.openxmlformats.org/presentationml/2006/main">
+  <p:cSld>
+    <p:spTree>
+      <p:nvGrpSpPr>
+        <p:cNvPr id="1" name=""/>
+        <p:cNvGrpSpPr/>
+        <p:nvPr/>
+      </p:nvGrpSpPr>
+      <p:grpSpPr>
+        <a:xfrm>
+          <a:off x="0" y="0"/>
+          <a:ext cx="0" cy="0"/>
+          <a:chOff x="0" y="0"/>
+          <a:chExt cx="0" cy="0"/>
+        </a:xfrm>
+      </p:grpSpPr>
+      <p:sp>
+        <p:nvSpPr>
+          <p:cNvPr id="2" name="Заголовок 1">
+            <a:extLst>
+              <a:ext uri="{FF2B5EF4-FFF2-40B4-BE49-F238E27FC236}">
+                <a16:creationId xmlns:a16="http://schemas.microsoft.com/office/drawing/2014/main" id="{90CE06F5-2B3D-48FD-B7B7-C5619967F23F}"/>
+              </a:ext>
+            </a:extLst>
+          </p:cNvPr>
+          <p:cNvSpPr>
+            <a:spLocks noGrp="1"/>
+          </p:cNvSpPr>
+          <p:nvPr>
+            <p:ph type="title"/>
+          </p:nvPr>
+        </p:nvSpPr>
+        <p:spPr>
+          <a:xfrm>
+            <a:off x="838200" y="745724"/>
+            <a:ext cx="10515600" cy="646331"/>
+          </a:xfrm>
+        </p:spPr>
+        <p:txBody>
+          <a:bodyPr>
+            <a:normAutofit/>
+          </a:bodyPr>
+          <a:lstStyle/>
+          <a:p>
+            <a:pPr algn="ctr">
+              <a:spcBef>
+                <a:spcPct val="50000"/>
+              </a:spcBef>
+            </a:pPr>
+            <a:r>
+              <a:rPr lang="ru-RU" altLang="ru-RU" sz="3200" b="1" dirty="0">
+                <a:latin typeface="Times New Roman" panose="02020603050405020304" pitchFamily="18" charset="0"/>
+              </a:rPr>
+              <a:t>Анализ предметной области</a:t>
+            </a:r>
+          </a:p>
+        </p:txBody>
+      </p:sp>
+      <p:sp>
+        <p:nvSpPr>
+          <p:cNvPr id="4" name="Прямоугольник 3">
+            <a:extLst>
+              <a:ext uri="{FF2B5EF4-FFF2-40B4-BE49-F238E27FC236}">
+                <a16:creationId xmlns:a16="http://schemas.microsoft.com/office/drawing/2014/main" id="{BED8B304-AD86-43F9-A4D1-3527F07B62D0}"/>
+              </a:ext>
+            </a:extLst>
+          </p:cNvPr>
+          <p:cNvSpPr/>
+          <p:nvPr/>
+        </p:nvSpPr>
+        <p:spPr>
+          <a:xfrm>
+            <a:off x="838200" y="0"/>
+            <a:ext cx="10515600" cy="646331"/>
+          </a:xfrm>
+          <a:prstGeom prst="rect">
+            <a:avLst/>
+          </a:prstGeom>
+        </p:spPr>
+        <p:txBody>
+          <a:bodyPr wrap="square">
+            <a:spAutoFit/>
+          </a:bodyPr>
+          <a:lstStyle/>
+          <a:p>
+            <a:pPr algn="ctr"/>
+            <a:r>
+              <a:rPr lang="ru-RU" altLang="ru-RU" b="1" dirty="0">
+                <a:solidFill>
+                  <a:schemeClr val="tx2"/>
+                </a:solidFill>
+                <a:latin typeface="Times New Roman" panose="02020603050405020304" pitchFamily="18" charset="0"/>
+              </a:rPr>
+              <a:t>РАЗРАБОТКА ПРОГРАММНОЙ СИСТЕМЫ ВСТРАИВАНИЯ ЦИФРОВОГО ВОДЯНОГО ЗНАКА В ЦИФРОВОЕ ИЗОБРАЖЕНИЕ </a:t>
+            </a:r>
+            <a:endParaRPr lang="ru-RU" dirty="0"/>
+          </a:p>
+        </p:txBody>
+      </p:sp>
+      <p:pic>
+        <p:nvPicPr>
+          <p:cNvPr id="3" name="Рисунок 2">
+            <a:extLst>
+              <a:ext uri="{FF2B5EF4-FFF2-40B4-BE49-F238E27FC236}">
+                <a16:creationId xmlns:a16="http://schemas.microsoft.com/office/drawing/2014/main" id="{69C365C5-2198-4C33-85F5-51A45364D499}"/>
+              </a:ext>
+            </a:extLst>
+          </p:cNvPr>
+          <p:cNvPicPr>
+            <a:picLocks noChangeAspect="1"/>
+          </p:cNvPicPr>
+          <p:nvPr/>
+        </p:nvPicPr>
+        <p:blipFill>
+          <a:blip r:embed="rId2"/>
+          <a:stretch>
+            <a:fillRect/>
+          </a:stretch>
+        </p:blipFill>
+        <p:spPr>
+          <a:xfrm>
+            <a:off x="1756610" y="1491448"/>
+            <a:ext cx="8678779" cy="5030184"/>
+          </a:xfrm>
+          <a:prstGeom prst="rect">
+            <a:avLst/>
+          </a:prstGeom>
+        </p:spPr>
+      </p:pic>
+    </p:spTree>
+    <p:extLst>
+      <p:ext uri="{BB962C8B-B14F-4D97-AF65-F5344CB8AC3E}">
+        <p14:creationId xmlns:p14="http://schemas.microsoft.com/office/powerpoint/2010/main" val="1804675517"/>
+      </p:ext>
+    </p:extLst>
+  </p:cSld>
+  <p:clrMapOvr>
+    <a:masterClrMapping/>
+  </p:clrMapOvr>
+  <p:transition spd="slow">
+    <p:wipe/>
+  </p:transition>
+</p:sld>
+</file>
+
+<file path=ppt/slides/slide6.xml><?xml version="1.0" encoding="utf-8"?>
 <p:sld xmlns:a="http://schemas.openxmlformats.org/drawingml/2006/main" xmlns:r="http://schemas.openxmlformats.org/officeDocument/2006/relationships" xmlns:p="http://schemas.openxmlformats.org/presentationml/2006/main">
   <p:cSld>
     <p:spTree>
@@ -4595,10 +5343,13 @@
   <p:clrMapOvr>
     <a:masterClrMapping/>
   </p:clrMapOvr>
+  <p:transition spd="slow">
+    <p:wipe/>
+  </p:transition>
 </p:sld>
 </file>
 
-<file path=ppt/slides/slide5.xml><?xml version="1.0" encoding="utf-8"?>
+<file path=ppt/slides/slide7.xml><?xml version="1.0" encoding="utf-8"?>
 <p:sld xmlns:a="http://schemas.openxmlformats.org/drawingml/2006/main" xmlns:r="http://schemas.openxmlformats.org/officeDocument/2006/relationships" xmlns:p="http://schemas.openxmlformats.org/presentationml/2006/main">
   <p:cSld>
     <p:spTree>
@@ -4904,7 +5655,7 @@
             <a:pPr algn="ctr"/>
             <a:r>
               <a:rPr lang="ru-RU" dirty="0"/>
-              <a:t>Печать билета после продажи места в зале</a:t>
+              <a:t>Печать билета после бронирования места в зале</a:t>
             </a:r>
           </a:p>
         </p:txBody>
@@ -4923,7 +5674,7 @@
         </p:nvSpPr>
         <p:spPr>
           <a:xfrm>
-            <a:off x="8582023" y="3428999"/>
+            <a:off x="8582022" y="3428999"/>
             <a:ext cx="3133725" cy="495301"/>
           </a:xfrm>
           <a:prstGeom prst="roundRect">
@@ -4972,7 +5723,7 @@
         </p:nvSpPr>
         <p:spPr>
           <a:xfrm>
-            <a:off x="8582021" y="4261245"/>
+            <a:off x="8582022" y="4261245"/>
             <a:ext cx="3133725" cy="495301"/>
           </a:xfrm>
           <a:prstGeom prst="roundRect">
@@ -5021,7 +5772,7 @@
         </p:nvSpPr>
         <p:spPr>
           <a:xfrm>
-            <a:off x="8582021" y="5093491"/>
+            <a:off x="8582022" y="5093491"/>
             <a:ext cx="3133725" cy="495301"/>
           </a:xfrm>
           <a:prstGeom prst="roundRect">
@@ -5070,7 +5821,7 @@
         </p:nvSpPr>
         <p:spPr>
           <a:xfrm>
-            <a:off x="8582021" y="5925737"/>
+            <a:off x="8582022" y="5925737"/>
             <a:ext cx="3133725" cy="495301"/>
           </a:xfrm>
           <a:prstGeom prst="roundRect">
@@ -5209,8 +5960,8 @@
         </p:nvCxnSpPr>
         <p:spPr>
           <a:xfrm rot="16200000" flipH="1">
-            <a:off x="7805737" y="1085850"/>
-            <a:ext cx="923924" cy="3762373"/>
+            <a:off x="7805737" y="1085851"/>
+            <a:ext cx="923924" cy="3762372"/>
           </a:xfrm>
           <a:prstGeom prst="bentConnector3">
             <a:avLst/>
@@ -5329,15 +6080,14 @@
           </p:cNvPr>
           <p:cNvCxnSpPr>
             <a:cxnSpLocks/>
-            <a:stCxn id="21" idx="2"/>
             <a:endCxn id="22" idx="0"/>
           </p:cNvCxnSpPr>
           <p:nvPr/>
         </p:nvCxnSpPr>
         <p:spPr>
           <a:xfrm rot="5400000">
-            <a:off x="9980413" y="4092771"/>
-            <a:ext cx="336945" cy="2"/>
+            <a:off x="9983710" y="4089477"/>
+            <a:ext cx="336943" cy="6592"/>
           </a:xfrm>
           <a:prstGeom prst="bentConnector3">
             <a:avLst/>
@@ -5379,11 +6129,13 @@
         </p:nvCxnSpPr>
         <p:spPr>
           <a:xfrm rot="5400000">
-            <a:off x="9980412" y="4925018"/>
+            <a:off x="9980413" y="4925018"/>
             <a:ext cx="336945" cy="12700"/>
           </a:xfrm>
           <a:prstGeom prst="bentConnector3">
-            <a:avLst/>
+            <a:avLst>
+              <a:gd name="adj1" fmla="val 50000"/>
+            </a:avLst>
           </a:prstGeom>
           <a:ln>
             <a:tailEnd type="triangle"/>
@@ -5422,7 +6174,7 @@
         </p:nvCxnSpPr>
         <p:spPr>
           <a:xfrm rot="5400000">
-            <a:off x="9980412" y="5757264"/>
+            <a:off x="9980413" y="5757264"/>
             <a:ext cx="336945" cy="12700"/>
           </a:xfrm>
           <a:prstGeom prst="bentConnector3">
@@ -5457,274 +6209,9 @@
   <p:clrMapOvr>
     <a:masterClrMapping/>
   </p:clrMapOvr>
-</p:sld>
-</file>
-
-<file path=ppt/slides/slide6.xml><?xml version="1.0" encoding="utf-8"?>
-<p:sld xmlns:a="http://schemas.openxmlformats.org/drawingml/2006/main" xmlns:r="http://schemas.openxmlformats.org/officeDocument/2006/relationships" xmlns:p="http://schemas.openxmlformats.org/presentationml/2006/main">
-  <p:cSld>
-    <p:spTree>
-      <p:nvGrpSpPr>
-        <p:cNvPr id="1" name=""/>
-        <p:cNvGrpSpPr/>
-        <p:nvPr/>
-      </p:nvGrpSpPr>
-      <p:grpSpPr>
-        <a:xfrm>
-          <a:off x="0" y="0"/>
-          <a:ext cx="0" cy="0"/>
-          <a:chOff x="0" y="0"/>
-          <a:chExt cx="0" cy="0"/>
-        </a:xfrm>
-      </p:grpSpPr>
-      <p:sp>
-        <p:nvSpPr>
-          <p:cNvPr id="2" name="Заголовок 1">
-            <a:extLst>
-              <a:ext uri="{FF2B5EF4-FFF2-40B4-BE49-F238E27FC236}">
-                <a16:creationId xmlns:a16="http://schemas.microsoft.com/office/drawing/2014/main" id="{90CE06F5-2B3D-48FD-B7B7-C5619967F23F}"/>
-              </a:ext>
-            </a:extLst>
-          </p:cNvPr>
-          <p:cNvSpPr>
-            <a:spLocks noGrp="1"/>
-          </p:cNvSpPr>
-          <p:nvPr>
-            <p:ph type="title"/>
-          </p:nvPr>
-        </p:nvSpPr>
-        <p:spPr>
-          <a:xfrm>
-            <a:off x="838200" y="3105835"/>
-            <a:ext cx="10515600" cy="646331"/>
-          </a:xfrm>
-        </p:spPr>
-        <p:txBody>
-          <a:bodyPr>
-            <a:normAutofit/>
-          </a:bodyPr>
-          <a:lstStyle/>
-          <a:p>
-            <a:pPr algn="ctr">
-              <a:spcBef>
-                <a:spcPct val="50000"/>
-              </a:spcBef>
-            </a:pPr>
-            <a:r>
-              <a:rPr lang="ru-RU" altLang="ru-RU" sz="3200" b="1" dirty="0">
-                <a:latin typeface="Times New Roman" panose="02020603050405020304" pitchFamily="18" charset="0"/>
-              </a:rPr>
-              <a:t>Демонстрация программы</a:t>
-            </a:r>
-          </a:p>
-        </p:txBody>
-      </p:sp>
-      <p:sp>
-        <p:nvSpPr>
-          <p:cNvPr id="4" name="Прямоугольник 3">
-            <a:extLst>
-              <a:ext uri="{FF2B5EF4-FFF2-40B4-BE49-F238E27FC236}">
-                <a16:creationId xmlns:a16="http://schemas.microsoft.com/office/drawing/2014/main" id="{BED8B304-AD86-43F9-A4D1-3527F07B62D0}"/>
-              </a:ext>
-            </a:extLst>
-          </p:cNvPr>
-          <p:cNvSpPr/>
-          <p:nvPr/>
-        </p:nvSpPr>
-        <p:spPr>
-          <a:xfrm>
-            <a:off x="838200" y="0"/>
-            <a:ext cx="10515600" cy="646331"/>
-          </a:xfrm>
-          <a:prstGeom prst="rect">
-            <a:avLst/>
-          </a:prstGeom>
-        </p:spPr>
-        <p:txBody>
-          <a:bodyPr wrap="square">
-            <a:spAutoFit/>
-          </a:bodyPr>
-          <a:lstStyle/>
-          <a:p>
-            <a:pPr algn="ctr"/>
-            <a:r>
-              <a:rPr lang="ru-RU" altLang="ru-RU" b="1" dirty="0">
-                <a:solidFill>
-                  <a:schemeClr val="tx2"/>
-                </a:solidFill>
-                <a:latin typeface="Times New Roman" panose="02020603050405020304" pitchFamily="18" charset="0"/>
-              </a:rPr>
-              <a:t>РАЗРАБОТКА ПРОГРАММНОЙ СИСТЕМЫ ВСТРАИВАНИЯ ЦИФРОВОГО ВОДЯНОГО ЗНАКА В ЦИФРОВОЕ ИЗОБРАЖЕНИЕ </a:t>
-            </a:r>
-            <a:endParaRPr lang="ru-RU" dirty="0"/>
-          </a:p>
-        </p:txBody>
-      </p:sp>
-    </p:spTree>
-    <p:extLst>
-      <p:ext uri="{BB962C8B-B14F-4D97-AF65-F5344CB8AC3E}">
-        <p14:creationId xmlns:p14="http://schemas.microsoft.com/office/powerpoint/2010/main" val="3128226134"/>
-      </p:ext>
-    </p:extLst>
-  </p:cSld>
-  <p:clrMapOvr>
-    <a:masterClrMapping/>
-  </p:clrMapOvr>
-</p:sld>
-</file>
-
-<file path=ppt/slides/slide7.xml><?xml version="1.0" encoding="utf-8"?>
-<p:sld xmlns:a="http://schemas.openxmlformats.org/drawingml/2006/main" xmlns:r="http://schemas.openxmlformats.org/officeDocument/2006/relationships" xmlns:p="http://schemas.openxmlformats.org/presentationml/2006/main">
-  <p:cSld>
-    <p:spTree>
-      <p:nvGrpSpPr>
-        <p:cNvPr id="1" name=""/>
-        <p:cNvGrpSpPr/>
-        <p:nvPr/>
-      </p:nvGrpSpPr>
-      <p:grpSpPr>
-        <a:xfrm>
-          <a:off x="0" y="0"/>
-          <a:ext cx="0" cy="0"/>
-          <a:chOff x="0" y="0"/>
-          <a:chExt cx="0" cy="0"/>
-        </a:xfrm>
-      </p:grpSpPr>
-      <p:sp>
-        <p:nvSpPr>
-          <p:cNvPr id="2" name="Заголовок 1">
-            <a:extLst>
-              <a:ext uri="{FF2B5EF4-FFF2-40B4-BE49-F238E27FC236}">
-                <a16:creationId xmlns:a16="http://schemas.microsoft.com/office/drawing/2014/main" id="{90CE06F5-2B3D-48FD-B7B7-C5619967F23F}"/>
-              </a:ext>
-            </a:extLst>
-          </p:cNvPr>
-          <p:cNvSpPr>
-            <a:spLocks noGrp="1"/>
-          </p:cNvSpPr>
-          <p:nvPr>
-            <p:ph type="title"/>
-          </p:nvPr>
-        </p:nvSpPr>
-        <p:spPr>
-          <a:xfrm>
-            <a:off x="838200" y="745724"/>
-            <a:ext cx="10515600" cy="646331"/>
-          </a:xfrm>
-        </p:spPr>
-        <p:txBody>
-          <a:bodyPr>
-            <a:normAutofit/>
-          </a:bodyPr>
-          <a:lstStyle/>
-          <a:p>
-            <a:pPr algn="ctr">
-              <a:spcBef>
-                <a:spcPct val="50000"/>
-              </a:spcBef>
-            </a:pPr>
-            <a:r>
-              <a:rPr lang="ru-RU" altLang="ru-RU" sz="3200" b="1" dirty="0">
-                <a:latin typeface="Times New Roman" panose="02020603050405020304" pitchFamily="18" charset="0"/>
-              </a:rPr>
-              <a:t>Основное окно</a:t>
-            </a:r>
-            <a:r>
-              <a:rPr lang="en-US" altLang="ru-RU" sz="3200" b="1" dirty="0">
-                <a:latin typeface="Times New Roman" panose="02020603050405020304" pitchFamily="18" charset="0"/>
-              </a:rPr>
-              <a:t> </a:t>
-            </a:r>
-            <a:r>
-              <a:rPr lang="ru-RU" altLang="ru-RU" sz="3200" b="1" dirty="0">
-                <a:latin typeface="Times New Roman" panose="02020603050405020304" pitchFamily="18" charset="0"/>
-              </a:rPr>
-              <a:t>кассира</a:t>
-            </a:r>
-          </a:p>
-        </p:txBody>
-      </p:sp>
-      <p:sp>
-        <p:nvSpPr>
-          <p:cNvPr id="4" name="Прямоугольник 3">
-            <a:extLst>
-              <a:ext uri="{FF2B5EF4-FFF2-40B4-BE49-F238E27FC236}">
-                <a16:creationId xmlns:a16="http://schemas.microsoft.com/office/drawing/2014/main" id="{BED8B304-AD86-43F9-A4D1-3527F07B62D0}"/>
-              </a:ext>
-            </a:extLst>
-          </p:cNvPr>
-          <p:cNvSpPr/>
-          <p:nvPr/>
-        </p:nvSpPr>
-        <p:spPr>
-          <a:xfrm>
-            <a:off x="838200" y="0"/>
-            <a:ext cx="10515600" cy="646331"/>
-          </a:xfrm>
-          <a:prstGeom prst="rect">
-            <a:avLst/>
-          </a:prstGeom>
-        </p:spPr>
-        <p:txBody>
-          <a:bodyPr wrap="square">
-            <a:spAutoFit/>
-          </a:bodyPr>
-          <a:lstStyle/>
-          <a:p>
-            <a:pPr algn="ctr"/>
-            <a:r>
-              <a:rPr lang="ru-RU" altLang="ru-RU" b="1" dirty="0">
-                <a:solidFill>
-                  <a:schemeClr val="tx2"/>
-                </a:solidFill>
-                <a:latin typeface="Times New Roman" panose="02020603050405020304" pitchFamily="18" charset="0"/>
-              </a:rPr>
-              <a:t>РАЗРАБОТКА ПРОГРАММНОЙ СИСТЕМЫ ВСТРАИВАНИЯ ЦИФРОВОГО ВОДЯНОГО ЗНАКА В ЦИФРОВОЕ ИЗОБРАЖЕНИЕ </a:t>
-            </a:r>
-            <a:endParaRPr lang="ru-RU" dirty="0"/>
-          </a:p>
-        </p:txBody>
-      </p:sp>
-      <p:pic>
-        <p:nvPicPr>
-          <p:cNvPr id="7" name="Рисунок 6">
-            <a:extLst>
-              <a:ext uri="{FF2B5EF4-FFF2-40B4-BE49-F238E27FC236}">
-                <a16:creationId xmlns:a16="http://schemas.microsoft.com/office/drawing/2014/main" id="{9F204BDF-0B76-4CD8-ADD6-E34435850DE5}"/>
-              </a:ext>
-            </a:extLst>
-          </p:cNvPr>
-          <p:cNvPicPr>
-            <a:picLocks noChangeAspect="1"/>
-          </p:cNvPicPr>
-          <p:nvPr/>
-        </p:nvPicPr>
-        <p:blipFill>
-          <a:blip r:embed="rId2"/>
-          <a:stretch>
-            <a:fillRect/>
-          </a:stretch>
-        </p:blipFill>
-        <p:spPr>
-          <a:xfrm>
-            <a:off x="2206773" y="2035345"/>
-            <a:ext cx="7778453" cy="4076931"/>
-          </a:xfrm>
-          <a:prstGeom prst="rect">
-            <a:avLst/>
-          </a:prstGeom>
-        </p:spPr>
-      </p:pic>
-    </p:spTree>
-    <p:extLst>
-      <p:ext uri="{BB962C8B-B14F-4D97-AF65-F5344CB8AC3E}">
-        <p14:creationId xmlns:p14="http://schemas.microsoft.com/office/powerpoint/2010/main" val="1393351762"/>
-      </p:ext>
-    </p:extLst>
-  </p:cSld>
-  <p:clrMapOvr>
-    <a:masterClrMapping/>
-  </p:clrMapOvr>
+  <p:transition spd="slow">
+    <p:wipe/>
+  </p:transition>
 </p:sld>
 </file>
 
@@ -5763,7 +6250,7 @@
         </p:nvSpPr>
         <p:spPr>
           <a:xfrm>
-            <a:off x="838200" y="745724"/>
+            <a:off x="838200" y="3105835"/>
             <a:ext cx="10515600" cy="646331"/>
           </a:xfrm>
         </p:spPr>
@@ -5782,53 +6269,8 @@
               <a:rPr lang="ru-RU" altLang="ru-RU" sz="3200" b="1" dirty="0">
                 <a:latin typeface="Times New Roman" panose="02020603050405020304" pitchFamily="18" charset="0"/>
               </a:rPr>
-              <a:t>Проблемы</a:t>
-            </a:r>
-          </a:p>
-        </p:txBody>
-      </p:sp>
-      <p:sp>
-        <p:nvSpPr>
-          <p:cNvPr id="3" name="Объект 2">
-            <a:extLst>
-              <a:ext uri="{FF2B5EF4-FFF2-40B4-BE49-F238E27FC236}">
-                <a16:creationId xmlns:a16="http://schemas.microsoft.com/office/drawing/2014/main" id="{36545B0B-DC57-417A-9683-61B17F016B84}"/>
-              </a:ext>
-            </a:extLst>
-          </p:cNvPr>
-          <p:cNvSpPr>
-            <a:spLocks noGrp="1"/>
-          </p:cNvSpPr>
-          <p:nvPr>
-            <p:ph idx="1"/>
-          </p:nvPr>
-        </p:nvSpPr>
-        <p:spPr>
-          <a:xfrm>
-            <a:off x="838200" y="1491447"/>
-            <a:ext cx="10515600" cy="4685515"/>
-          </a:xfrm>
-        </p:spPr>
-        <p:txBody>
-          <a:bodyPr>
-            <a:normAutofit/>
-          </a:bodyPr>
-          <a:lstStyle/>
-          <a:p>
-            <a:pPr marL="0" indent="0">
-              <a:buNone/>
-            </a:pPr>
-            <a:r>
-              <a:rPr lang="ru-RU" dirty="0">
-                <a:latin typeface="Times New Roman" panose="02020603050405020304" pitchFamily="18" charset="0"/>
-                <a:cs typeface="Times New Roman" panose="02020603050405020304" pitchFamily="18" charset="0"/>
-              </a:rPr>
-              <a:t>Тут пока ничего нету, но может быть будет в дальнейшем</a:t>
-            </a:r>
-            <a:endParaRPr lang="en-US" dirty="0">
-              <a:latin typeface="Times New Roman" panose="02020603050405020304" pitchFamily="18" charset="0"/>
-              <a:cs typeface="Times New Roman" panose="02020603050405020304" pitchFamily="18" charset="0"/>
-            </a:endParaRPr>
+              <a:t>Демонстрация программы</a:t>
+            </a:r>
           </a:p>
         </p:txBody>
       </p:sp>
@@ -5873,52 +6315,19 @@
           </a:p>
         </p:txBody>
       </p:sp>
-      <p:pic>
-        <p:nvPicPr>
-          <p:cNvPr id="11" name="Рисунок 10">
-            <a:extLst>
-              <a:ext uri="{FF2B5EF4-FFF2-40B4-BE49-F238E27FC236}">
-                <a16:creationId xmlns:a16="http://schemas.microsoft.com/office/drawing/2014/main" id="{7E1D9CC9-96AE-4829-911E-F006A2DDB885}"/>
-              </a:ext>
-            </a:extLst>
-          </p:cNvPr>
-          <p:cNvPicPr>
-            <a:picLocks noChangeAspect="1"/>
-          </p:cNvPicPr>
-          <p:nvPr/>
-        </p:nvPicPr>
-        <p:blipFill>
-          <a:blip r:embed="rId2">
-            <a:extLst>
-              <a:ext uri="{28A0092B-C50C-407E-A947-70E740481C1C}">
-                <a14:useLocalDpi xmlns:a14="http://schemas.microsoft.com/office/drawing/2010/main" val="0"/>
-              </a:ext>
-            </a:extLst>
-          </a:blip>
-          <a:stretch>
-            <a:fillRect/>
-          </a:stretch>
-        </p:blipFill>
-        <p:spPr>
-          <a:xfrm>
-            <a:off x="6108700" y="4638167"/>
-            <a:ext cx="5892800" cy="2029333"/>
-          </a:xfrm>
-          <a:prstGeom prst="rect">
-            <a:avLst/>
-          </a:prstGeom>
-        </p:spPr>
-      </p:pic>
     </p:spTree>
     <p:extLst>
       <p:ext uri="{BB962C8B-B14F-4D97-AF65-F5344CB8AC3E}">
-        <p14:creationId xmlns:p14="http://schemas.microsoft.com/office/powerpoint/2010/main" val="3327162357"/>
+        <p14:creationId xmlns:p14="http://schemas.microsoft.com/office/powerpoint/2010/main" val="3128226134"/>
       </p:ext>
     </p:extLst>
   </p:cSld>
   <p:clrMapOvr>
     <a:masterClrMapping/>
   </p:clrMapOvr>
+  <p:transition spd="slow">
+    <p:wipe/>
+  </p:transition>
 </p:sld>
 </file>
 
@@ -5976,64 +6385,19 @@
               <a:rPr lang="ru-RU" altLang="ru-RU" sz="3200" b="1" dirty="0">
                 <a:latin typeface="Times New Roman" panose="02020603050405020304" pitchFamily="18" charset="0"/>
               </a:rPr>
-              <a:t>Перспективы развития</a:t>
-            </a:r>
-          </a:p>
-        </p:txBody>
-      </p:sp>
-      <p:sp>
-        <p:nvSpPr>
-          <p:cNvPr id="3" name="Объект 2">
-            <a:extLst>
-              <a:ext uri="{FF2B5EF4-FFF2-40B4-BE49-F238E27FC236}">
-                <a16:creationId xmlns:a16="http://schemas.microsoft.com/office/drawing/2014/main" id="{36545B0B-DC57-417A-9683-61B17F016B84}"/>
-              </a:ext>
-            </a:extLst>
-          </p:cNvPr>
-          <p:cNvSpPr>
-            <a:spLocks noGrp="1"/>
-          </p:cNvSpPr>
-          <p:nvPr>
-            <p:ph idx="1"/>
-          </p:nvPr>
-        </p:nvSpPr>
-        <p:spPr>
-          <a:xfrm>
-            <a:off x="838200" y="1491447"/>
-            <a:ext cx="10515600" cy="4685515"/>
-          </a:xfrm>
-        </p:spPr>
-        <p:txBody>
-          <a:bodyPr>
-            <a:normAutofit/>
-          </a:bodyPr>
-          <a:lstStyle/>
-          <a:p>
-            <a:pPr marL="0" indent="0">
-              <a:buNone/>
-            </a:pPr>
-            <a:r>
-              <a:rPr lang="ru-RU" dirty="0">
+              <a:t>Основное окно</a:t>
+            </a:r>
+            <a:r>
+              <a:rPr lang="en-US" altLang="ru-RU" sz="3200" b="1" dirty="0">
                 <a:latin typeface="Times New Roman" panose="02020603050405020304" pitchFamily="18" charset="0"/>
-                <a:cs typeface="Times New Roman" panose="02020603050405020304" pitchFamily="18" charset="0"/>
               </a:rPr>
-              <a:t>Изменить интерфейс программы</a:t>
-            </a:r>
-            <a:endParaRPr lang="en-US" dirty="0">
-              <a:latin typeface="Times New Roman" panose="02020603050405020304" pitchFamily="18" charset="0"/>
-              <a:cs typeface="Times New Roman" panose="02020603050405020304" pitchFamily="18" charset="0"/>
-            </a:endParaRPr>
-          </a:p>
-          <a:p>
-            <a:pPr marL="0" indent="0">
-              <a:buNone/>
-            </a:pPr>
-            <a:r>
-              <a:rPr lang="ru-RU" dirty="0">
+              <a:t> </a:t>
+            </a:r>
+            <a:r>
+              <a:rPr lang="ru-RU" altLang="ru-RU" sz="3200" b="1" dirty="0">
                 <a:latin typeface="Times New Roman" panose="02020603050405020304" pitchFamily="18" charset="0"/>
-                <a:cs typeface="Times New Roman" panose="02020603050405020304" pitchFamily="18" charset="0"/>
               </a:rPr>
-              <a:t>Работа над оптимизацией программы</a:t>
+              <a:t>кассира</a:t>
             </a:r>
           </a:p>
         </p:txBody>
@@ -6081,10 +6445,10 @@
       </p:sp>
       <p:pic>
         <p:nvPicPr>
-          <p:cNvPr id="6" name="Рисунок 5">
-            <a:extLst>
-              <a:ext uri="{FF2B5EF4-FFF2-40B4-BE49-F238E27FC236}">
-                <a16:creationId xmlns:a16="http://schemas.microsoft.com/office/drawing/2014/main" id="{27DCEB4E-8B70-49BC-B0AF-71228755E250}"/>
+          <p:cNvPr id="7" name="Рисунок 6">
+            <a:extLst>
+              <a:ext uri="{FF2B5EF4-FFF2-40B4-BE49-F238E27FC236}">
+                <a16:creationId xmlns:a16="http://schemas.microsoft.com/office/drawing/2014/main" id="{9F204BDF-0B76-4CD8-ADD6-E34435850DE5}"/>
               </a:ext>
             </a:extLst>
           </p:cNvPr>
@@ -6093,21 +6457,16 @@
           </p:cNvPicPr>
           <p:nvPr/>
         </p:nvPicPr>
-        <p:blipFill rotWithShape="1">
-          <a:blip r:embed="rId2">
-            <a:extLst>
-              <a:ext uri="{28A0092B-C50C-407E-A947-70E740481C1C}">
-                <a14:useLocalDpi xmlns:a14="http://schemas.microsoft.com/office/drawing/2010/main" val="0"/>
-              </a:ext>
-            </a:extLst>
-          </a:blip>
-          <a:srcRect l="24199" t="19847" r="21298" b="22411"/>
-          <a:stretch/>
+        <p:blipFill>
+          <a:blip r:embed="rId2"/>
+          <a:stretch>
+            <a:fillRect/>
+          </a:stretch>
         </p:blipFill>
         <p:spPr>
           <a:xfrm>
-            <a:off x="9499600" y="4013229"/>
-            <a:ext cx="2565400" cy="2717771"/>
+            <a:off x="2206773" y="2035345"/>
+            <a:ext cx="7778453" cy="4076931"/>
           </a:xfrm>
           <a:prstGeom prst="rect">
             <a:avLst/>
@@ -6117,13 +6476,16 @@
     </p:spTree>
     <p:extLst>
       <p:ext uri="{BB962C8B-B14F-4D97-AF65-F5344CB8AC3E}">
-        <p14:creationId xmlns:p14="http://schemas.microsoft.com/office/powerpoint/2010/main" val="1019301726"/>
+        <p14:creationId xmlns:p14="http://schemas.microsoft.com/office/powerpoint/2010/main" val="1393351762"/>
       </p:ext>
     </p:extLst>
   </p:cSld>
   <p:clrMapOvr>
     <a:masterClrMapping/>
   </p:clrMapOvr>
+  <p:transition spd="slow">
+    <p:wipe/>
+  </p:transition>
 </p:sld>
 </file>
 

--- a/Курсовая.pptx
+++ b/Курсовая.pptx
@@ -4,16 +4,19 @@
   <p:sldMasterIdLst>
     <p:sldMasterId id="2147483648" r:id="rId1"/>
   </p:sldMasterIdLst>
+  <p:notesMasterIdLst>
+    <p:notesMasterId r:id="rId13"/>
+  </p:notesMasterIdLst>
   <p:sldIdLst>
     <p:sldId id="256" r:id="rId2"/>
     <p:sldId id="257" r:id="rId3"/>
     <p:sldId id="258" r:id="rId4"/>
     <p:sldId id="265" r:id="rId5"/>
     <p:sldId id="266" r:id="rId6"/>
-    <p:sldId id="259" r:id="rId7"/>
-    <p:sldId id="260" r:id="rId8"/>
-    <p:sldId id="261" r:id="rId9"/>
-    <p:sldId id="262" r:id="rId10"/>
+    <p:sldId id="267" r:id="rId7"/>
+    <p:sldId id="259" r:id="rId8"/>
+    <p:sldId id="268" r:id="rId9"/>
+    <p:sldId id="261" r:id="rId10"/>
     <p:sldId id="264" r:id="rId11"/>
     <p:sldId id="263" r:id="rId12"/>
   </p:sldIdLst>
@@ -122,6 +125,4113 @@
 </p:presentation>
 </file>
 
+<file path=ppt/diagrams/colors1.xml><?xml version="1.0" encoding="utf-8"?>
+<dgm:colorsDef xmlns:dgm="http://schemas.openxmlformats.org/drawingml/2006/diagram" xmlns:a="http://schemas.openxmlformats.org/drawingml/2006/main" uniqueId="urn:microsoft.com/office/officeart/2005/8/colors/accent1_2">
+  <dgm:title val=""/>
+  <dgm:desc val=""/>
+  <dgm:catLst>
+    <dgm:cat type="accent1" pri="11200"/>
+  </dgm:catLst>
+  <dgm:styleLbl name="node0">
+    <dgm:fillClrLst meth="repeat">
+      <a:schemeClr val="accent1"/>
+    </dgm:fillClrLst>
+    <dgm:linClrLst meth="repeat">
+      <a:schemeClr val="lt1"/>
+    </dgm:linClrLst>
+    <dgm:effectClrLst/>
+    <dgm:txLinClrLst/>
+    <dgm:txFillClrLst/>
+    <dgm:txEffectClrLst/>
+  </dgm:styleLbl>
+  <dgm:styleLbl name="alignNode1">
+    <dgm:fillClrLst meth="repeat">
+      <a:schemeClr val="accent1"/>
+    </dgm:fillClrLst>
+    <dgm:linClrLst meth="repeat">
+      <a:schemeClr val="accent1"/>
+    </dgm:linClrLst>
+    <dgm:effectClrLst/>
+    <dgm:txLinClrLst/>
+    <dgm:txFillClrLst/>
+    <dgm:txEffectClrLst/>
+  </dgm:styleLbl>
+  <dgm:styleLbl name="node1">
+    <dgm:fillClrLst meth="repeat">
+      <a:schemeClr val="accent1"/>
+    </dgm:fillClrLst>
+    <dgm:linClrLst meth="repeat">
+      <a:schemeClr val="lt1"/>
+    </dgm:linClrLst>
+    <dgm:effectClrLst/>
+    <dgm:txLinClrLst/>
+    <dgm:txFillClrLst/>
+    <dgm:txEffectClrLst/>
+  </dgm:styleLbl>
+  <dgm:styleLbl name="lnNode1">
+    <dgm:fillClrLst meth="repeat">
+      <a:schemeClr val="accent1"/>
+    </dgm:fillClrLst>
+    <dgm:linClrLst meth="repeat">
+      <a:schemeClr val="lt1"/>
+    </dgm:linClrLst>
+    <dgm:effectClrLst/>
+    <dgm:txLinClrLst/>
+    <dgm:txFillClrLst/>
+    <dgm:txEffectClrLst/>
+  </dgm:styleLbl>
+  <dgm:styleLbl name="vennNode1">
+    <dgm:fillClrLst meth="repeat">
+      <a:schemeClr val="accent1">
+        <a:alpha val="50000"/>
+      </a:schemeClr>
+    </dgm:fillClrLst>
+    <dgm:linClrLst meth="repeat">
+      <a:schemeClr val="lt1"/>
+    </dgm:linClrLst>
+    <dgm:effectClrLst/>
+    <dgm:txLinClrLst/>
+    <dgm:txFillClrLst/>
+    <dgm:txEffectClrLst/>
+  </dgm:styleLbl>
+  <dgm:styleLbl name="node2">
+    <dgm:fillClrLst meth="repeat">
+      <a:schemeClr val="accent1"/>
+    </dgm:fillClrLst>
+    <dgm:linClrLst meth="repeat">
+      <a:schemeClr val="lt1"/>
+    </dgm:linClrLst>
+    <dgm:effectClrLst/>
+    <dgm:txLinClrLst/>
+    <dgm:txFillClrLst/>
+    <dgm:txEffectClrLst/>
+  </dgm:styleLbl>
+  <dgm:styleLbl name="node3">
+    <dgm:fillClrLst meth="repeat">
+      <a:schemeClr val="accent1"/>
+    </dgm:fillClrLst>
+    <dgm:linClrLst meth="repeat">
+      <a:schemeClr val="lt1"/>
+    </dgm:linClrLst>
+    <dgm:effectClrLst/>
+    <dgm:txLinClrLst/>
+    <dgm:txFillClrLst/>
+    <dgm:txEffectClrLst/>
+  </dgm:styleLbl>
+  <dgm:styleLbl name="node4">
+    <dgm:fillClrLst meth="repeat">
+      <a:schemeClr val="accent1"/>
+    </dgm:fillClrLst>
+    <dgm:linClrLst meth="repeat">
+      <a:schemeClr val="lt1"/>
+    </dgm:linClrLst>
+    <dgm:effectClrLst/>
+    <dgm:txLinClrLst/>
+    <dgm:txFillClrLst/>
+    <dgm:txEffectClrLst/>
+  </dgm:styleLbl>
+  <dgm:styleLbl name="fgImgPlace1">
+    <dgm:fillClrLst meth="repeat">
+      <a:schemeClr val="accent1">
+        <a:tint val="50000"/>
+      </a:schemeClr>
+    </dgm:fillClrLst>
+    <dgm:linClrLst meth="repeat">
+      <a:schemeClr val="lt1"/>
+    </dgm:linClrLst>
+    <dgm:effectClrLst/>
+    <dgm:txLinClrLst/>
+    <dgm:txFillClrLst meth="repeat">
+      <a:schemeClr val="lt1"/>
+    </dgm:txFillClrLst>
+    <dgm:txEffectClrLst/>
+  </dgm:styleLbl>
+  <dgm:styleLbl name="alignImgPlace1">
+    <dgm:fillClrLst meth="repeat">
+      <a:schemeClr val="accent1">
+        <a:tint val="50000"/>
+      </a:schemeClr>
+    </dgm:fillClrLst>
+    <dgm:linClrLst meth="repeat">
+      <a:schemeClr val="lt1"/>
+    </dgm:linClrLst>
+    <dgm:effectClrLst/>
+    <dgm:txLinClrLst/>
+    <dgm:txFillClrLst meth="repeat">
+      <a:schemeClr val="lt1"/>
+    </dgm:txFillClrLst>
+    <dgm:txEffectClrLst/>
+  </dgm:styleLbl>
+  <dgm:styleLbl name="bgImgPlace1">
+    <dgm:fillClrLst meth="repeat">
+      <a:schemeClr val="accent1">
+        <a:tint val="50000"/>
+      </a:schemeClr>
+    </dgm:fillClrLst>
+    <dgm:linClrLst meth="repeat">
+      <a:schemeClr val="lt1"/>
+    </dgm:linClrLst>
+    <dgm:effectClrLst/>
+    <dgm:txLinClrLst/>
+    <dgm:txFillClrLst meth="repeat">
+      <a:schemeClr val="lt1"/>
+    </dgm:txFillClrLst>
+    <dgm:txEffectClrLst/>
+  </dgm:styleLbl>
+  <dgm:styleLbl name="sibTrans2D1">
+    <dgm:fillClrLst meth="repeat">
+      <a:schemeClr val="accent1">
+        <a:tint val="60000"/>
+      </a:schemeClr>
+    </dgm:fillClrLst>
+    <dgm:linClrLst meth="repeat">
+      <a:schemeClr val="accent1">
+        <a:tint val="60000"/>
+      </a:schemeClr>
+    </dgm:linClrLst>
+    <dgm:effectClrLst/>
+    <dgm:txLinClrLst/>
+    <dgm:txFillClrLst/>
+    <dgm:txEffectClrLst/>
+  </dgm:styleLbl>
+  <dgm:styleLbl name="fgSibTrans2D1">
+    <dgm:fillClrLst meth="repeat">
+      <a:schemeClr val="accent1">
+        <a:tint val="60000"/>
+      </a:schemeClr>
+    </dgm:fillClrLst>
+    <dgm:linClrLst meth="repeat">
+      <a:schemeClr val="accent1">
+        <a:tint val="60000"/>
+      </a:schemeClr>
+    </dgm:linClrLst>
+    <dgm:effectClrLst/>
+    <dgm:txLinClrLst/>
+    <dgm:txFillClrLst/>
+    <dgm:txEffectClrLst/>
+  </dgm:styleLbl>
+  <dgm:styleLbl name="bgSibTrans2D1">
+    <dgm:fillClrLst meth="repeat">
+      <a:schemeClr val="accent1">
+        <a:tint val="60000"/>
+      </a:schemeClr>
+    </dgm:fillClrLst>
+    <dgm:linClrLst meth="repeat">
+      <a:schemeClr val="accent1">
+        <a:tint val="60000"/>
+      </a:schemeClr>
+    </dgm:linClrLst>
+    <dgm:effectClrLst/>
+    <dgm:txLinClrLst/>
+    <dgm:txFillClrLst/>
+    <dgm:txEffectClrLst/>
+  </dgm:styleLbl>
+  <dgm:styleLbl name="sibTrans1D1">
+    <dgm:fillClrLst meth="repeat">
+      <a:schemeClr val="accent1"/>
+    </dgm:fillClrLst>
+    <dgm:linClrLst meth="repeat">
+      <a:schemeClr val="accent1"/>
+    </dgm:linClrLst>
+    <dgm:effectClrLst/>
+    <dgm:txLinClrLst/>
+    <dgm:txFillClrLst meth="repeat">
+      <a:schemeClr val="tx1"/>
+    </dgm:txFillClrLst>
+    <dgm:txEffectClrLst/>
+  </dgm:styleLbl>
+  <dgm:styleLbl name="callout">
+    <dgm:fillClrLst meth="repeat">
+      <a:schemeClr val="accent1"/>
+    </dgm:fillClrLst>
+    <dgm:linClrLst meth="repeat">
+      <a:schemeClr val="accent1">
+        <a:tint val="50000"/>
+      </a:schemeClr>
+    </dgm:linClrLst>
+    <dgm:effectClrLst/>
+    <dgm:txLinClrLst/>
+    <dgm:txFillClrLst meth="repeat">
+      <a:schemeClr val="tx1"/>
+    </dgm:txFillClrLst>
+    <dgm:txEffectClrLst/>
+  </dgm:styleLbl>
+  <dgm:styleLbl name="asst0">
+    <dgm:fillClrLst meth="repeat">
+      <a:schemeClr val="accent1"/>
+    </dgm:fillClrLst>
+    <dgm:linClrLst meth="repeat">
+      <a:schemeClr val="lt1"/>
+    </dgm:linClrLst>
+    <dgm:effectClrLst/>
+    <dgm:txLinClrLst/>
+    <dgm:txFillClrLst/>
+    <dgm:txEffectClrLst/>
+  </dgm:styleLbl>
+  <dgm:styleLbl name="asst1">
+    <dgm:fillClrLst meth="repeat">
+      <a:schemeClr val="accent1"/>
+    </dgm:fillClrLst>
+    <dgm:linClrLst meth="repeat">
+      <a:schemeClr val="lt1"/>
+    </dgm:linClrLst>
+    <dgm:effectClrLst/>
+    <dgm:txLinClrLst/>
+    <dgm:txFillClrLst/>
+    <dgm:txEffectClrLst/>
+  </dgm:styleLbl>
+  <dgm:styleLbl name="asst2">
+    <dgm:fillClrLst meth="repeat">
+      <a:schemeClr val="accent1"/>
+    </dgm:fillClrLst>
+    <dgm:linClrLst meth="repeat">
+      <a:schemeClr val="lt1"/>
+    </dgm:linClrLst>
+    <dgm:effectClrLst/>
+    <dgm:txLinClrLst/>
+    <dgm:txFillClrLst/>
+    <dgm:txEffectClrLst/>
+  </dgm:styleLbl>
+  <dgm:styleLbl name="asst3">
+    <dgm:fillClrLst meth="repeat">
+      <a:schemeClr val="accent1"/>
+    </dgm:fillClrLst>
+    <dgm:linClrLst meth="repeat">
+      <a:schemeClr val="lt1"/>
+    </dgm:linClrLst>
+    <dgm:effectClrLst/>
+    <dgm:txLinClrLst/>
+    <dgm:txFillClrLst/>
+    <dgm:txEffectClrLst/>
+  </dgm:styleLbl>
+  <dgm:styleLbl name="asst4">
+    <dgm:fillClrLst meth="repeat">
+      <a:schemeClr val="accent1"/>
+    </dgm:fillClrLst>
+    <dgm:linClrLst meth="repeat">
+      <a:schemeClr val="lt1"/>
+    </dgm:linClrLst>
+    <dgm:effectClrLst/>
+    <dgm:txLinClrLst/>
+    <dgm:txFillClrLst/>
+    <dgm:txEffectClrLst/>
+  </dgm:styleLbl>
+  <dgm:styleLbl name="parChTrans2D1">
+    <dgm:fillClrLst meth="repeat">
+      <a:schemeClr val="accent1">
+        <a:tint val="60000"/>
+      </a:schemeClr>
+    </dgm:fillClrLst>
+    <dgm:linClrLst meth="repeat">
+      <a:schemeClr val="accent1">
+        <a:tint val="60000"/>
+      </a:schemeClr>
+    </dgm:linClrLst>
+    <dgm:effectClrLst/>
+    <dgm:txLinClrLst/>
+    <dgm:txFillClrLst meth="repeat">
+      <a:schemeClr val="lt1"/>
+    </dgm:txFillClrLst>
+    <dgm:txEffectClrLst/>
+  </dgm:styleLbl>
+  <dgm:styleLbl name="parChTrans2D2">
+    <dgm:fillClrLst meth="repeat">
+      <a:schemeClr val="accent1"/>
+    </dgm:fillClrLst>
+    <dgm:linClrLst meth="repeat">
+      <a:schemeClr val="accent1"/>
+    </dgm:linClrLst>
+    <dgm:effectClrLst/>
+    <dgm:txLinClrLst/>
+    <dgm:txFillClrLst meth="repeat">
+      <a:schemeClr val="lt1"/>
+    </dgm:txFillClrLst>
+    <dgm:txEffectClrLst/>
+  </dgm:styleLbl>
+  <dgm:styleLbl name="parChTrans2D3">
+    <dgm:fillClrLst meth="repeat">
+      <a:schemeClr val="accent1"/>
+    </dgm:fillClrLst>
+    <dgm:linClrLst meth="repeat">
+      <a:schemeClr val="accent1"/>
+    </dgm:linClrLst>
+    <dgm:effectClrLst/>
+    <dgm:txLinClrLst/>
+    <dgm:txFillClrLst meth="repeat">
+      <a:schemeClr val="lt1"/>
+    </dgm:txFillClrLst>
+    <dgm:txEffectClrLst/>
+  </dgm:styleLbl>
+  <dgm:styleLbl name="parChTrans2D4">
+    <dgm:fillClrLst meth="repeat">
+      <a:schemeClr val="accent1"/>
+    </dgm:fillClrLst>
+    <dgm:linClrLst meth="repeat">
+      <a:schemeClr val="accent1"/>
+    </dgm:linClrLst>
+    <dgm:effectClrLst/>
+    <dgm:txLinClrLst/>
+    <dgm:txFillClrLst meth="repeat">
+      <a:schemeClr val="lt1"/>
+    </dgm:txFillClrLst>
+    <dgm:txEffectClrLst/>
+  </dgm:styleLbl>
+  <dgm:styleLbl name="parChTrans1D1">
+    <dgm:fillClrLst meth="repeat">
+      <a:schemeClr val="accent1"/>
+    </dgm:fillClrLst>
+    <dgm:linClrLst meth="repeat">
+      <a:schemeClr val="accent1">
+        <a:shade val="60000"/>
+      </a:schemeClr>
+    </dgm:linClrLst>
+    <dgm:effectClrLst/>
+    <dgm:txLinClrLst/>
+    <dgm:txFillClrLst meth="repeat">
+      <a:schemeClr val="tx1"/>
+    </dgm:txFillClrLst>
+    <dgm:txEffectClrLst/>
+  </dgm:styleLbl>
+  <dgm:styleLbl name="parChTrans1D2">
+    <dgm:fillClrLst meth="repeat">
+      <a:schemeClr val="accent1"/>
+    </dgm:fillClrLst>
+    <dgm:linClrLst meth="repeat">
+      <a:schemeClr val="accent1">
+        <a:shade val="60000"/>
+      </a:schemeClr>
+    </dgm:linClrLst>
+    <dgm:effectClrLst/>
+    <dgm:txLinClrLst/>
+    <dgm:txFillClrLst meth="repeat">
+      <a:schemeClr val="tx1"/>
+    </dgm:txFillClrLst>
+    <dgm:txEffectClrLst/>
+  </dgm:styleLbl>
+  <dgm:styleLbl name="parChTrans1D3">
+    <dgm:fillClrLst meth="repeat">
+      <a:schemeClr val="accent1"/>
+    </dgm:fillClrLst>
+    <dgm:linClrLst meth="repeat">
+      <a:schemeClr val="accent1">
+        <a:shade val="80000"/>
+      </a:schemeClr>
+    </dgm:linClrLst>
+    <dgm:effectClrLst/>
+    <dgm:txLinClrLst/>
+    <dgm:txFillClrLst meth="repeat">
+      <a:schemeClr val="tx1"/>
+    </dgm:txFillClrLst>
+    <dgm:txEffectClrLst/>
+  </dgm:styleLbl>
+  <dgm:styleLbl name="parChTrans1D4">
+    <dgm:fillClrLst meth="repeat">
+      <a:schemeClr val="accent1"/>
+    </dgm:fillClrLst>
+    <dgm:linClrLst meth="repeat">
+      <a:schemeClr val="accent1">
+        <a:shade val="80000"/>
+      </a:schemeClr>
+    </dgm:linClrLst>
+    <dgm:effectClrLst/>
+    <dgm:txLinClrLst/>
+    <dgm:txFillClrLst meth="repeat">
+      <a:schemeClr val="tx1"/>
+    </dgm:txFillClrLst>
+    <dgm:txEffectClrLst/>
+  </dgm:styleLbl>
+  <dgm:styleLbl name="fgAcc1">
+    <dgm:fillClrLst meth="repeat">
+      <a:schemeClr val="lt1">
+        <a:alpha val="90000"/>
+      </a:schemeClr>
+    </dgm:fillClrLst>
+    <dgm:linClrLst meth="repeat">
+      <a:schemeClr val="accent1"/>
+    </dgm:linClrLst>
+    <dgm:effectClrLst/>
+    <dgm:txLinClrLst/>
+    <dgm:txFillClrLst meth="repeat">
+      <a:schemeClr val="dk1"/>
+    </dgm:txFillClrLst>
+    <dgm:txEffectClrLst/>
+  </dgm:styleLbl>
+  <dgm:styleLbl name="conFgAcc1">
+    <dgm:fillClrLst meth="repeat">
+      <a:schemeClr val="lt1">
+        <a:alpha val="90000"/>
+      </a:schemeClr>
+    </dgm:fillClrLst>
+    <dgm:linClrLst meth="repeat">
+      <a:schemeClr val="accent1"/>
+    </dgm:linClrLst>
+    <dgm:effectClrLst/>
+    <dgm:txLinClrLst/>
+    <dgm:txFillClrLst meth="repeat">
+      <a:schemeClr val="dk1"/>
+    </dgm:txFillClrLst>
+    <dgm:txEffectClrLst/>
+  </dgm:styleLbl>
+  <dgm:styleLbl name="alignAcc1">
+    <dgm:fillClrLst meth="repeat">
+      <a:schemeClr val="lt1">
+        <a:alpha val="90000"/>
+      </a:schemeClr>
+    </dgm:fillClrLst>
+    <dgm:linClrLst meth="repeat">
+      <a:schemeClr val="accent1"/>
+    </dgm:linClrLst>
+    <dgm:effectClrLst/>
+    <dgm:txLinClrLst/>
+    <dgm:txFillClrLst meth="repeat">
+      <a:schemeClr val="dk1"/>
+    </dgm:txFillClrLst>
+    <dgm:txEffectClrLst/>
+  </dgm:styleLbl>
+  <dgm:styleLbl name="trAlignAcc1">
+    <dgm:fillClrLst meth="repeat">
+      <a:schemeClr val="lt1">
+        <a:alpha val="40000"/>
+      </a:schemeClr>
+    </dgm:fillClrLst>
+    <dgm:linClrLst meth="repeat">
+      <a:schemeClr val="accent1"/>
+    </dgm:linClrLst>
+    <dgm:effectClrLst/>
+    <dgm:txLinClrLst/>
+    <dgm:txFillClrLst meth="repeat">
+      <a:schemeClr val="dk1"/>
+    </dgm:txFillClrLst>
+    <dgm:txEffectClrLst/>
+  </dgm:styleLbl>
+  <dgm:styleLbl name="bgAcc1">
+    <dgm:fillClrLst meth="repeat">
+      <a:schemeClr val="lt1">
+        <a:alpha val="90000"/>
+      </a:schemeClr>
+    </dgm:fillClrLst>
+    <dgm:linClrLst meth="repeat">
+      <a:schemeClr val="accent1"/>
+    </dgm:linClrLst>
+    <dgm:effectClrLst/>
+    <dgm:txLinClrLst/>
+    <dgm:txFillClrLst meth="repeat">
+      <a:schemeClr val="dk1"/>
+    </dgm:txFillClrLst>
+    <dgm:txEffectClrLst/>
+  </dgm:styleLbl>
+  <dgm:styleLbl name="solidFgAcc1">
+    <dgm:fillClrLst meth="repeat">
+      <a:schemeClr val="lt1"/>
+    </dgm:fillClrLst>
+    <dgm:linClrLst meth="repeat">
+      <a:schemeClr val="accent1"/>
+    </dgm:linClrLst>
+    <dgm:effectClrLst/>
+    <dgm:txLinClrLst/>
+    <dgm:txFillClrLst meth="repeat">
+      <a:schemeClr val="dk1"/>
+    </dgm:txFillClrLst>
+    <dgm:txEffectClrLst/>
+  </dgm:styleLbl>
+  <dgm:styleLbl name="solidAlignAcc1">
+    <dgm:fillClrLst meth="repeat">
+      <a:schemeClr val="lt1"/>
+    </dgm:fillClrLst>
+    <dgm:linClrLst meth="repeat">
+      <a:schemeClr val="accent1"/>
+    </dgm:linClrLst>
+    <dgm:effectClrLst/>
+    <dgm:txLinClrLst/>
+    <dgm:txFillClrLst meth="repeat">
+      <a:schemeClr val="dk1"/>
+    </dgm:txFillClrLst>
+    <dgm:txEffectClrLst/>
+  </dgm:styleLbl>
+  <dgm:styleLbl name="solidBgAcc1">
+    <dgm:fillClrLst meth="repeat">
+      <a:schemeClr val="lt1"/>
+    </dgm:fillClrLst>
+    <dgm:linClrLst meth="repeat">
+      <a:schemeClr val="accent1"/>
+    </dgm:linClrLst>
+    <dgm:effectClrLst/>
+    <dgm:txLinClrLst/>
+    <dgm:txFillClrLst meth="repeat">
+      <a:schemeClr val="dk1"/>
+    </dgm:txFillClrLst>
+    <dgm:txEffectClrLst/>
+  </dgm:styleLbl>
+  <dgm:styleLbl name="fgAccFollowNode1">
+    <dgm:fillClrLst meth="repeat">
+      <a:schemeClr val="accent1">
+        <a:alpha val="90000"/>
+        <a:tint val="40000"/>
+      </a:schemeClr>
+    </dgm:fillClrLst>
+    <dgm:linClrLst meth="repeat">
+      <a:schemeClr val="accent1">
+        <a:alpha val="90000"/>
+        <a:tint val="40000"/>
+      </a:schemeClr>
+    </dgm:linClrLst>
+    <dgm:effectClrLst/>
+    <dgm:txLinClrLst/>
+    <dgm:txFillClrLst meth="repeat">
+      <a:schemeClr val="dk1"/>
+    </dgm:txFillClrLst>
+    <dgm:txEffectClrLst/>
+  </dgm:styleLbl>
+  <dgm:styleLbl name="alignAccFollowNode1">
+    <dgm:fillClrLst meth="repeat">
+      <a:schemeClr val="accent1">
+        <a:alpha val="90000"/>
+        <a:tint val="40000"/>
+      </a:schemeClr>
+    </dgm:fillClrLst>
+    <dgm:linClrLst meth="repeat">
+      <a:schemeClr val="accent1">
+        <a:alpha val="90000"/>
+        <a:tint val="40000"/>
+      </a:schemeClr>
+    </dgm:linClrLst>
+    <dgm:effectClrLst/>
+    <dgm:txLinClrLst/>
+    <dgm:txFillClrLst meth="repeat">
+      <a:schemeClr val="dk1"/>
+    </dgm:txFillClrLst>
+    <dgm:txEffectClrLst/>
+  </dgm:styleLbl>
+  <dgm:styleLbl name="bgAccFollowNode1">
+    <dgm:fillClrLst meth="repeat">
+      <a:schemeClr val="accent1">
+        <a:alpha val="90000"/>
+        <a:tint val="40000"/>
+      </a:schemeClr>
+    </dgm:fillClrLst>
+    <dgm:linClrLst meth="repeat">
+      <a:schemeClr val="accent1">
+        <a:alpha val="90000"/>
+        <a:tint val="40000"/>
+      </a:schemeClr>
+    </dgm:linClrLst>
+    <dgm:effectClrLst/>
+    <dgm:txLinClrLst/>
+    <dgm:txFillClrLst meth="repeat">
+      <a:schemeClr val="dk1"/>
+    </dgm:txFillClrLst>
+    <dgm:txEffectClrLst/>
+  </dgm:styleLbl>
+  <dgm:styleLbl name="fgAcc0">
+    <dgm:fillClrLst meth="repeat">
+      <a:schemeClr val="lt1">
+        <a:alpha val="90000"/>
+      </a:schemeClr>
+    </dgm:fillClrLst>
+    <dgm:linClrLst meth="repeat">
+      <a:schemeClr val="accent1"/>
+    </dgm:linClrLst>
+    <dgm:effectClrLst/>
+    <dgm:txLinClrLst/>
+    <dgm:txFillClrLst meth="repeat">
+      <a:schemeClr val="dk1"/>
+    </dgm:txFillClrLst>
+    <dgm:txEffectClrLst/>
+  </dgm:styleLbl>
+  <dgm:styleLbl name="fgAcc2">
+    <dgm:fillClrLst meth="repeat">
+      <a:schemeClr val="lt1">
+        <a:alpha val="90000"/>
+      </a:schemeClr>
+    </dgm:fillClrLst>
+    <dgm:linClrLst meth="repeat">
+      <a:schemeClr val="accent1"/>
+    </dgm:linClrLst>
+    <dgm:effectClrLst/>
+    <dgm:txLinClrLst/>
+    <dgm:txFillClrLst meth="repeat">
+      <a:schemeClr val="dk1"/>
+    </dgm:txFillClrLst>
+    <dgm:txEffectClrLst/>
+  </dgm:styleLbl>
+  <dgm:styleLbl name="fgAcc3">
+    <dgm:fillClrLst meth="repeat">
+      <a:schemeClr val="lt1">
+        <a:alpha val="90000"/>
+      </a:schemeClr>
+    </dgm:fillClrLst>
+    <dgm:linClrLst meth="repeat">
+      <a:schemeClr val="accent1"/>
+    </dgm:linClrLst>
+    <dgm:effectClrLst/>
+    <dgm:txLinClrLst/>
+    <dgm:txFillClrLst meth="repeat">
+      <a:schemeClr val="dk1"/>
+    </dgm:txFillClrLst>
+    <dgm:txEffectClrLst/>
+  </dgm:styleLbl>
+  <dgm:styleLbl name="fgAcc4">
+    <dgm:fillClrLst meth="repeat">
+      <a:schemeClr val="lt1">
+        <a:alpha val="90000"/>
+      </a:schemeClr>
+    </dgm:fillClrLst>
+    <dgm:linClrLst meth="repeat">
+      <a:schemeClr val="accent1"/>
+    </dgm:linClrLst>
+    <dgm:effectClrLst/>
+    <dgm:txLinClrLst/>
+    <dgm:txFillClrLst meth="repeat">
+      <a:schemeClr val="dk1"/>
+    </dgm:txFillClrLst>
+    <dgm:txEffectClrLst/>
+  </dgm:styleLbl>
+  <dgm:styleLbl name="bgShp">
+    <dgm:fillClrLst meth="repeat">
+      <a:schemeClr val="accent1">
+        <a:tint val="40000"/>
+      </a:schemeClr>
+    </dgm:fillClrLst>
+    <dgm:linClrLst meth="repeat">
+      <a:schemeClr val="accent1"/>
+    </dgm:linClrLst>
+    <dgm:effectClrLst/>
+    <dgm:txLinClrLst/>
+    <dgm:txFillClrLst meth="repeat">
+      <a:schemeClr val="dk1"/>
+    </dgm:txFillClrLst>
+    <dgm:txEffectClrLst/>
+  </dgm:styleLbl>
+  <dgm:styleLbl name="dkBgShp">
+    <dgm:fillClrLst meth="repeat">
+      <a:schemeClr val="accent1">
+        <a:shade val="80000"/>
+      </a:schemeClr>
+    </dgm:fillClrLst>
+    <dgm:linClrLst meth="repeat">
+      <a:schemeClr val="accent1"/>
+    </dgm:linClrLst>
+    <dgm:effectClrLst/>
+    <dgm:txLinClrLst/>
+    <dgm:txFillClrLst meth="repeat">
+      <a:schemeClr val="lt1"/>
+    </dgm:txFillClrLst>
+    <dgm:txEffectClrLst/>
+  </dgm:styleLbl>
+  <dgm:styleLbl name="trBgShp">
+    <dgm:fillClrLst meth="repeat">
+      <a:schemeClr val="accent1">
+        <a:tint val="50000"/>
+        <a:alpha val="40000"/>
+      </a:schemeClr>
+    </dgm:fillClrLst>
+    <dgm:linClrLst meth="repeat">
+      <a:schemeClr val="accent1"/>
+    </dgm:linClrLst>
+    <dgm:effectClrLst/>
+    <dgm:txLinClrLst/>
+    <dgm:txFillClrLst meth="repeat">
+      <a:schemeClr val="lt1"/>
+    </dgm:txFillClrLst>
+    <dgm:txEffectClrLst/>
+  </dgm:styleLbl>
+  <dgm:styleLbl name="fgShp">
+    <dgm:fillClrLst meth="repeat">
+      <a:schemeClr val="accent1">
+        <a:tint val="60000"/>
+      </a:schemeClr>
+    </dgm:fillClrLst>
+    <dgm:linClrLst meth="repeat">
+      <a:schemeClr val="lt1"/>
+    </dgm:linClrLst>
+    <dgm:effectClrLst/>
+    <dgm:txLinClrLst/>
+    <dgm:txFillClrLst meth="repeat">
+      <a:schemeClr val="dk1"/>
+    </dgm:txFillClrLst>
+    <dgm:txEffectClrLst/>
+  </dgm:styleLbl>
+  <dgm:styleLbl name="revTx">
+    <dgm:fillClrLst meth="repeat">
+      <a:schemeClr val="lt1">
+        <a:alpha val="0"/>
+      </a:schemeClr>
+    </dgm:fillClrLst>
+    <dgm:linClrLst meth="repeat">
+      <a:schemeClr val="dk1">
+        <a:alpha val="0"/>
+      </a:schemeClr>
+    </dgm:linClrLst>
+    <dgm:effectClrLst/>
+    <dgm:txLinClrLst/>
+    <dgm:txFillClrLst meth="repeat">
+      <a:schemeClr val="tx1"/>
+    </dgm:txFillClrLst>
+    <dgm:txEffectClrLst/>
+  </dgm:styleLbl>
+</dgm:colorsDef>
+</file>
+
+<file path=ppt/diagrams/data1.xml><?xml version="1.0" encoding="utf-8"?>
+<dgm:dataModel xmlns:dgm="http://schemas.openxmlformats.org/drawingml/2006/diagram" xmlns:a="http://schemas.openxmlformats.org/drawingml/2006/main">
+  <dgm:ptLst>
+    <dgm:pt modelId="{E8C2E1D9-8D3D-466F-A3BA-47762D777AAC}" type="doc">
+      <dgm:prSet loTypeId="urn:microsoft.com/office/officeart/2005/8/layout/default" loCatId="list" qsTypeId="urn:microsoft.com/office/officeart/2005/8/quickstyle/simple5" qsCatId="simple" csTypeId="urn:microsoft.com/office/officeart/2005/8/colors/accent1_2" csCatId="accent1" phldr="1"/>
+      <dgm:spPr/>
+      <dgm:t>
+        <a:bodyPr/>
+        <a:lstStyle/>
+        <a:p>
+          <a:endParaRPr lang="ru-RU"/>
+        </a:p>
+      </dgm:t>
+    </dgm:pt>
+    <dgm:pt modelId="{BA555D1A-58C7-47CF-8DAA-379492CEC6E3}">
+      <dgm:prSet phldrT="[Текст]" custT="1"/>
+      <dgm:spPr/>
+      <dgm:t>
+        <a:bodyPr/>
+        <a:lstStyle/>
+        <a:p>
+          <a:r>
+            <a:rPr lang="ru-RU" sz="1600" dirty="0">
+              <a:latin typeface="Times New Roman" panose="02020603050405020304" pitchFamily="18" charset="0"/>
+              <a:cs typeface="Times New Roman" panose="02020603050405020304" pitchFamily="18" charset="0"/>
+            </a:rPr>
+            <a:t>Управление сотрудниками</a:t>
+          </a:r>
+        </a:p>
+      </dgm:t>
+    </dgm:pt>
+    <dgm:pt modelId="{C11DE89B-C2F2-440B-9C22-B66535BECAD5}" type="parTrans" cxnId="{DB2E44F0-0B20-4852-9695-C0C145ECFA9D}">
+      <dgm:prSet/>
+      <dgm:spPr/>
+      <dgm:t>
+        <a:bodyPr/>
+        <a:lstStyle/>
+        <a:p>
+          <a:endParaRPr lang="ru-RU"/>
+        </a:p>
+      </dgm:t>
+    </dgm:pt>
+    <dgm:pt modelId="{9F12D29D-5C0D-48FA-8CF1-24AC5F72B852}" type="sibTrans" cxnId="{DB2E44F0-0B20-4852-9695-C0C145ECFA9D}">
+      <dgm:prSet/>
+      <dgm:spPr/>
+      <dgm:t>
+        <a:bodyPr/>
+        <a:lstStyle/>
+        <a:p>
+          <a:endParaRPr lang="ru-RU"/>
+        </a:p>
+      </dgm:t>
+    </dgm:pt>
+    <dgm:pt modelId="{71922E4B-31A2-4529-8FED-AF4B0280C852}">
+      <dgm:prSet phldrT="[Текст]" custT="1"/>
+      <dgm:spPr/>
+      <dgm:t>
+        <a:bodyPr/>
+        <a:lstStyle/>
+        <a:p>
+          <a:r>
+            <a:rPr lang="ru-RU" sz="1600" dirty="0">
+              <a:latin typeface="Times New Roman" panose="02020603050405020304" pitchFamily="18" charset="0"/>
+              <a:cs typeface="Times New Roman" panose="02020603050405020304" pitchFamily="18" charset="0"/>
+            </a:rPr>
+            <a:t>Управление фильмами</a:t>
+          </a:r>
+        </a:p>
+      </dgm:t>
+    </dgm:pt>
+    <dgm:pt modelId="{A2D718FB-21B0-4A73-8CD2-863BE7250CF4}" type="parTrans" cxnId="{41271B7A-F9C1-410D-ADE4-41B3B309C776}">
+      <dgm:prSet/>
+      <dgm:spPr/>
+      <dgm:t>
+        <a:bodyPr/>
+        <a:lstStyle/>
+        <a:p>
+          <a:endParaRPr lang="ru-RU"/>
+        </a:p>
+      </dgm:t>
+    </dgm:pt>
+    <dgm:pt modelId="{2CABDF4C-2757-48A8-BA63-7D185C526BF2}" type="sibTrans" cxnId="{41271B7A-F9C1-410D-ADE4-41B3B309C776}">
+      <dgm:prSet/>
+      <dgm:spPr/>
+      <dgm:t>
+        <a:bodyPr/>
+        <a:lstStyle/>
+        <a:p>
+          <a:endParaRPr lang="ru-RU"/>
+        </a:p>
+      </dgm:t>
+    </dgm:pt>
+    <dgm:pt modelId="{D6DE9080-AB75-47FD-B297-B890B407B89A}">
+      <dgm:prSet phldrT="[Текст]" custT="1"/>
+      <dgm:spPr/>
+      <dgm:t>
+        <a:bodyPr/>
+        <a:lstStyle/>
+        <a:p>
+          <a:r>
+            <a:rPr lang="ru-RU" sz="1600" dirty="0">
+              <a:latin typeface="Times New Roman" panose="02020603050405020304" pitchFamily="18" charset="0"/>
+              <a:cs typeface="Times New Roman" panose="02020603050405020304" pitchFamily="18" charset="0"/>
+            </a:rPr>
+            <a:t>Управление сеансами</a:t>
+          </a:r>
+        </a:p>
+      </dgm:t>
+    </dgm:pt>
+    <dgm:pt modelId="{46F2588E-839B-46A3-9A9A-961A37EB623C}" type="parTrans" cxnId="{C22C541E-154C-4B54-AD67-B05ED8E3DCF9}">
+      <dgm:prSet/>
+      <dgm:spPr/>
+      <dgm:t>
+        <a:bodyPr/>
+        <a:lstStyle/>
+        <a:p>
+          <a:endParaRPr lang="ru-RU"/>
+        </a:p>
+      </dgm:t>
+    </dgm:pt>
+    <dgm:pt modelId="{B1ACBF61-6863-47F0-A479-5B23D3E4645F}" type="sibTrans" cxnId="{C22C541E-154C-4B54-AD67-B05ED8E3DCF9}">
+      <dgm:prSet/>
+      <dgm:spPr/>
+      <dgm:t>
+        <a:bodyPr/>
+        <a:lstStyle/>
+        <a:p>
+          <a:endParaRPr lang="ru-RU"/>
+        </a:p>
+      </dgm:t>
+    </dgm:pt>
+    <dgm:pt modelId="{478B7416-4142-4281-9B5D-C63CFD77B575}">
+      <dgm:prSet phldrT="[Текст]" custT="1"/>
+      <dgm:spPr/>
+      <dgm:t>
+        <a:bodyPr/>
+        <a:lstStyle/>
+        <a:p>
+          <a:r>
+            <a:rPr lang="ru-RU" sz="1600" dirty="0">
+              <a:latin typeface="Times New Roman" panose="02020603050405020304" pitchFamily="18" charset="0"/>
+              <a:cs typeface="Times New Roman" panose="02020603050405020304" pitchFamily="18" charset="0"/>
+            </a:rPr>
+            <a:t>Настройка конфигурации зала</a:t>
+          </a:r>
+        </a:p>
+      </dgm:t>
+    </dgm:pt>
+    <dgm:pt modelId="{F5F75B0E-362B-49B3-9DAD-17C8E26D02BB}" type="parTrans" cxnId="{9223C2FD-4EC5-4EE0-8FFC-2E0C3CDBA60F}">
+      <dgm:prSet/>
+      <dgm:spPr/>
+      <dgm:t>
+        <a:bodyPr/>
+        <a:lstStyle/>
+        <a:p>
+          <a:endParaRPr lang="ru-RU"/>
+        </a:p>
+      </dgm:t>
+    </dgm:pt>
+    <dgm:pt modelId="{A0F98A70-C29A-4AD3-8A1D-8EAD32128BE8}" type="sibTrans" cxnId="{9223C2FD-4EC5-4EE0-8FFC-2E0C3CDBA60F}">
+      <dgm:prSet/>
+      <dgm:spPr/>
+      <dgm:t>
+        <a:bodyPr/>
+        <a:lstStyle/>
+        <a:p>
+          <a:endParaRPr lang="ru-RU"/>
+        </a:p>
+      </dgm:t>
+    </dgm:pt>
+    <dgm:pt modelId="{BE4D0A06-3A2C-4184-918F-5E6CF2AB05E5}">
+      <dgm:prSet phldrT="[Текст]" custT="1"/>
+      <dgm:spPr/>
+      <dgm:t>
+        <a:bodyPr/>
+        <a:lstStyle/>
+        <a:p>
+          <a:r>
+            <a:rPr lang="ru-RU" sz="1600" dirty="0">
+              <a:latin typeface="Times New Roman" panose="02020603050405020304" pitchFamily="18" charset="0"/>
+              <a:cs typeface="Times New Roman" panose="02020603050405020304" pitchFamily="18" charset="0"/>
+            </a:rPr>
+            <a:t>Расчет количества проданных билетов на фильмы</a:t>
+          </a:r>
+        </a:p>
+      </dgm:t>
+    </dgm:pt>
+    <dgm:pt modelId="{415C9FCC-485D-49A6-8ACC-8335ED261CB7}" type="parTrans" cxnId="{E426E488-297B-4161-B7ED-721D50FBD6AC}">
+      <dgm:prSet/>
+      <dgm:spPr/>
+      <dgm:t>
+        <a:bodyPr/>
+        <a:lstStyle/>
+        <a:p>
+          <a:endParaRPr lang="ru-RU"/>
+        </a:p>
+      </dgm:t>
+    </dgm:pt>
+    <dgm:pt modelId="{95A13D4D-170D-42FC-A1CA-3322940AEEE2}" type="sibTrans" cxnId="{E426E488-297B-4161-B7ED-721D50FBD6AC}">
+      <dgm:prSet/>
+      <dgm:spPr/>
+      <dgm:t>
+        <a:bodyPr/>
+        <a:lstStyle/>
+        <a:p>
+          <a:endParaRPr lang="ru-RU"/>
+        </a:p>
+      </dgm:t>
+    </dgm:pt>
+    <dgm:pt modelId="{3E43A5F7-C76D-4B3A-B071-C0ABDC465A45}">
+      <dgm:prSet phldrT="[Текст]" custT="1"/>
+      <dgm:spPr/>
+      <dgm:t>
+        <a:bodyPr/>
+        <a:lstStyle/>
+        <a:p>
+          <a:r>
+            <a:rPr lang="ru-RU" sz="1600" dirty="0">
+              <a:latin typeface="Times New Roman" panose="02020603050405020304" pitchFamily="18" charset="0"/>
+              <a:cs typeface="Times New Roman" panose="02020603050405020304" pitchFamily="18" charset="0"/>
+            </a:rPr>
+            <a:t>Расчет количества проданных билетов на сеансы выбранного фильма</a:t>
+          </a:r>
+        </a:p>
+      </dgm:t>
+    </dgm:pt>
+    <dgm:pt modelId="{0EB94C82-D024-47C5-AAD2-FA6E5318920E}" type="parTrans" cxnId="{734D121E-4824-432F-B2DB-7BDB638244D0}">
+      <dgm:prSet/>
+      <dgm:spPr/>
+      <dgm:t>
+        <a:bodyPr/>
+        <a:lstStyle/>
+        <a:p>
+          <a:endParaRPr lang="ru-RU"/>
+        </a:p>
+      </dgm:t>
+    </dgm:pt>
+    <dgm:pt modelId="{393B9E20-88B3-4993-82DC-00A269EB4962}" type="sibTrans" cxnId="{734D121E-4824-432F-B2DB-7BDB638244D0}">
+      <dgm:prSet/>
+      <dgm:spPr/>
+      <dgm:t>
+        <a:bodyPr/>
+        <a:lstStyle/>
+        <a:p>
+          <a:endParaRPr lang="ru-RU"/>
+        </a:p>
+      </dgm:t>
+    </dgm:pt>
+    <dgm:pt modelId="{6AF1E3CA-B270-4445-B090-29A1DCEC66C1}">
+      <dgm:prSet phldrT="[Текст]" custT="1"/>
+      <dgm:spPr/>
+      <dgm:t>
+        <a:bodyPr/>
+        <a:lstStyle/>
+        <a:p>
+          <a:r>
+            <a:rPr lang="ru-RU" sz="1600" dirty="0">
+              <a:latin typeface="Times New Roman" panose="02020603050405020304" pitchFamily="18" charset="0"/>
+              <a:cs typeface="Times New Roman" panose="02020603050405020304" pitchFamily="18" charset="0"/>
+            </a:rPr>
+            <a:t>Продажа билетов на выбранный сеанс фильма</a:t>
+          </a:r>
+        </a:p>
+      </dgm:t>
+    </dgm:pt>
+    <dgm:pt modelId="{419A904A-D0B4-43E3-8B09-F15F271E56A7}" type="parTrans" cxnId="{B0A71BEB-872F-4B3C-86A5-BFA43A7943B0}">
+      <dgm:prSet/>
+      <dgm:spPr/>
+      <dgm:t>
+        <a:bodyPr/>
+        <a:lstStyle/>
+        <a:p>
+          <a:endParaRPr lang="ru-RU"/>
+        </a:p>
+      </dgm:t>
+    </dgm:pt>
+    <dgm:pt modelId="{3C4E558E-AB09-4C60-88A2-6409FFC14854}" type="sibTrans" cxnId="{B0A71BEB-872F-4B3C-86A5-BFA43A7943B0}">
+      <dgm:prSet/>
+      <dgm:spPr/>
+      <dgm:t>
+        <a:bodyPr/>
+        <a:lstStyle/>
+        <a:p>
+          <a:endParaRPr lang="ru-RU"/>
+        </a:p>
+      </dgm:t>
+    </dgm:pt>
+    <dgm:pt modelId="{9B2F0898-B7C7-4E1F-9FA2-45353DA04700}">
+      <dgm:prSet phldrT="[Текст]" custT="1"/>
+      <dgm:spPr/>
+      <dgm:t>
+        <a:bodyPr/>
+        <a:lstStyle/>
+        <a:p>
+          <a:r>
+            <a:rPr lang="ru-RU" sz="1600" dirty="0">
+              <a:latin typeface="Times New Roman" panose="02020603050405020304" pitchFamily="18" charset="0"/>
+              <a:cs typeface="Times New Roman" panose="02020603050405020304" pitchFamily="18" charset="0"/>
+            </a:rPr>
+            <a:t>Сохранение отчета по количеству проданных билетов на фильмы в файл формата </a:t>
+          </a:r>
+          <a:r>
+            <a:rPr lang="ru-RU" sz="1600" dirty="0" err="1">
+              <a:latin typeface="Times New Roman" panose="02020603050405020304" pitchFamily="18" charset="0"/>
+              <a:cs typeface="Times New Roman" panose="02020603050405020304" pitchFamily="18" charset="0"/>
+            </a:rPr>
+            <a:t>pdf</a:t>
+          </a:r>
+          <a:endParaRPr lang="ru-RU" sz="1600" dirty="0">
+            <a:latin typeface="Times New Roman" panose="02020603050405020304" pitchFamily="18" charset="0"/>
+            <a:cs typeface="Times New Roman" panose="02020603050405020304" pitchFamily="18" charset="0"/>
+          </a:endParaRPr>
+        </a:p>
+      </dgm:t>
+    </dgm:pt>
+    <dgm:pt modelId="{045D58A5-4124-4C2C-8CAF-7FBE79AFE1B9}" type="parTrans" cxnId="{315672B3-D552-4FC4-B407-1519AB6A687D}">
+      <dgm:prSet/>
+      <dgm:spPr/>
+      <dgm:t>
+        <a:bodyPr/>
+        <a:lstStyle/>
+        <a:p>
+          <a:endParaRPr lang="ru-RU"/>
+        </a:p>
+      </dgm:t>
+    </dgm:pt>
+    <dgm:pt modelId="{6C7B406B-C161-403E-86A6-D8145ACD7E09}" type="sibTrans" cxnId="{315672B3-D552-4FC4-B407-1519AB6A687D}">
+      <dgm:prSet/>
+      <dgm:spPr/>
+      <dgm:t>
+        <a:bodyPr/>
+        <a:lstStyle/>
+        <a:p>
+          <a:endParaRPr lang="ru-RU"/>
+        </a:p>
+      </dgm:t>
+    </dgm:pt>
+    <dgm:pt modelId="{45EEE2A1-6104-437E-B24B-1AEF271AE5A1}">
+      <dgm:prSet phldrT="[Текст]" custT="1"/>
+      <dgm:spPr/>
+      <dgm:t>
+        <a:bodyPr/>
+        <a:lstStyle/>
+        <a:p>
+          <a:r>
+            <a:rPr lang="ru-RU" sz="1600" dirty="0">
+              <a:latin typeface="Times New Roman" panose="02020603050405020304" pitchFamily="18" charset="0"/>
+              <a:cs typeface="Times New Roman" panose="02020603050405020304" pitchFamily="18" charset="0"/>
+            </a:rPr>
+            <a:t>Сохранение отчета по количеству проданных билетов на сеансы выбранного фильма в файл формата </a:t>
+          </a:r>
+          <a:r>
+            <a:rPr lang="ru-RU" sz="1600" dirty="0" err="1">
+              <a:latin typeface="Times New Roman" panose="02020603050405020304" pitchFamily="18" charset="0"/>
+              <a:cs typeface="Times New Roman" panose="02020603050405020304" pitchFamily="18" charset="0"/>
+            </a:rPr>
+            <a:t>pdf</a:t>
+          </a:r>
+          <a:endParaRPr lang="ru-RU" sz="1600" dirty="0">
+            <a:latin typeface="Times New Roman" panose="02020603050405020304" pitchFamily="18" charset="0"/>
+            <a:cs typeface="Times New Roman" panose="02020603050405020304" pitchFamily="18" charset="0"/>
+          </a:endParaRPr>
+        </a:p>
+      </dgm:t>
+    </dgm:pt>
+    <dgm:pt modelId="{A8F1CF0D-AB11-4B2B-8D3D-2A92E9E9EA2D}" type="parTrans" cxnId="{D85ADA6C-C8AC-419C-9374-867D968F358F}">
+      <dgm:prSet/>
+      <dgm:spPr/>
+      <dgm:t>
+        <a:bodyPr/>
+        <a:lstStyle/>
+        <a:p>
+          <a:endParaRPr lang="ru-RU"/>
+        </a:p>
+      </dgm:t>
+    </dgm:pt>
+    <dgm:pt modelId="{A1869F42-BD2E-4281-84FA-57AFCD8AC125}" type="sibTrans" cxnId="{D85ADA6C-C8AC-419C-9374-867D968F358F}">
+      <dgm:prSet/>
+      <dgm:spPr/>
+      <dgm:t>
+        <a:bodyPr/>
+        <a:lstStyle/>
+        <a:p>
+          <a:endParaRPr lang="ru-RU"/>
+        </a:p>
+      </dgm:t>
+    </dgm:pt>
+    <dgm:pt modelId="{768714CA-52E0-42B8-A556-49F3BBFA629B}">
+      <dgm:prSet phldrT="[Текст]" custT="1"/>
+      <dgm:spPr/>
+      <dgm:t>
+        <a:bodyPr/>
+        <a:lstStyle/>
+        <a:p>
+          <a:r>
+            <a:rPr lang="ru-RU" sz="1600" dirty="0">
+              <a:latin typeface="Times New Roman" panose="02020603050405020304" pitchFamily="18" charset="0"/>
+              <a:cs typeface="Times New Roman" panose="02020603050405020304" pitchFamily="18" charset="0"/>
+            </a:rPr>
+            <a:t>Открытие </a:t>
+          </a:r>
+          <a:r>
+            <a:rPr lang="ru-RU" sz="1600" dirty="0" err="1">
+              <a:latin typeface="Times New Roman" panose="02020603050405020304" pitchFamily="18" charset="0"/>
+              <a:cs typeface="Times New Roman" panose="02020603050405020304" pitchFamily="18" charset="0"/>
+            </a:rPr>
+            <a:t>pdf</a:t>
+          </a:r>
+          <a:r>
+            <a:rPr lang="ru-RU" sz="1600" dirty="0">
+              <a:latin typeface="Times New Roman" panose="02020603050405020304" pitchFamily="18" charset="0"/>
+              <a:cs typeface="Times New Roman" panose="02020603050405020304" pitchFamily="18" charset="0"/>
+            </a:rPr>
+            <a:t> файла проданного билета для его печати или сохранения</a:t>
+          </a:r>
+        </a:p>
+      </dgm:t>
+    </dgm:pt>
+    <dgm:pt modelId="{D1BA89CF-EE42-4544-A465-B4004CCC3472}" type="parTrans" cxnId="{F89F6348-DA6E-45BB-8841-A7874E85D53C}">
+      <dgm:prSet/>
+      <dgm:spPr/>
+      <dgm:t>
+        <a:bodyPr/>
+        <a:lstStyle/>
+        <a:p>
+          <a:endParaRPr lang="ru-RU"/>
+        </a:p>
+      </dgm:t>
+    </dgm:pt>
+    <dgm:pt modelId="{751C4DA3-2E13-4C43-9A3E-4B72F746ABF5}" type="sibTrans" cxnId="{F89F6348-DA6E-45BB-8841-A7874E85D53C}">
+      <dgm:prSet/>
+      <dgm:spPr/>
+      <dgm:t>
+        <a:bodyPr/>
+        <a:lstStyle/>
+        <a:p>
+          <a:endParaRPr lang="ru-RU"/>
+        </a:p>
+      </dgm:t>
+    </dgm:pt>
+    <dgm:pt modelId="{BA389C30-B495-4777-9614-618169285CAC}" type="pres">
+      <dgm:prSet presAssocID="{E8C2E1D9-8D3D-466F-A3BA-47762D777AAC}" presName="diagram" presStyleCnt="0">
+        <dgm:presLayoutVars>
+          <dgm:dir/>
+          <dgm:resizeHandles val="exact"/>
+        </dgm:presLayoutVars>
+      </dgm:prSet>
+      <dgm:spPr/>
+    </dgm:pt>
+    <dgm:pt modelId="{2BCAA049-7333-4160-838D-A7F236F2BF26}" type="pres">
+      <dgm:prSet presAssocID="{BA555D1A-58C7-47CF-8DAA-379492CEC6E3}" presName="node" presStyleLbl="node1" presStyleIdx="0" presStyleCnt="10">
+        <dgm:presLayoutVars>
+          <dgm:bulletEnabled val="1"/>
+        </dgm:presLayoutVars>
+      </dgm:prSet>
+      <dgm:spPr/>
+    </dgm:pt>
+    <dgm:pt modelId="{643031B7-8AB9-44E7-A1A1-5AD5CBF9DD03}" type="pres">
+      <dgm:prSet presAssocID="{9F12D29D-5C0D-48FA-8CF1-24AC5F72B852}" presName="sibTrans" presStyleCnt="0"/>
+      <dgm:spPr/>
+    </dgm:pt>
+    <dgm:pt modelId="{3E643897-B904-498F-9E70-952EAEFF2934}" type="pres">
+      <dgm:prSet presAssocID="{71922E4B-31A2-4529-8FED-AF4B0280C852}" presName="node" presStyleLbl="node1" presStyleIdx="1" presStyleCnt="10">
+        <dgm:presLayoutVars>
+          <dgm:bulletEnabled val="1"/>
+        </dgm:presLayoutVars>
+      </dgm:prSet>
+      <dgm:spPr/>
+    </dgm:pt>
+    <dgm:pt modelId="{50A06FF3-B6A3-4BA3-B042-AECF893673AF}" type="pres">
+      <dgm:prSet presAssocID="{2CABDF4C-2757-48A8-BA63-7D185C526BF2}" presName="sibTrans" presStyleCnt="0"/>
+      <dgm:spPr/>
+    </dgm:pt>
+    <dgm:pt modelId="{F0E36345-6408-46AA-9EA5-8CDEF0FDEFCB}" type="pres">
+      <dgm:prSet presAssocID="{D6DE9080-AB75-47FD-B297-B890B407B89A}" presName="node" presStyleLbl="node1" presStyleIdx="2" presStyleCnt="10">
+        <dgm:presLayoutVars>
+          <dgm:bulletEnabled val="1"/>
+        </dgm:presLayoutVars>
+      </dgm:prSet>
+      <dgm:spPr/>
+    </dgm:pt>
+    <dgm:pt modelId="{AED6165D-B673-452A-A6C4-4DFF63246A0B}" type="pres">
+      <dgm:prSet presAssocID="{B1ACBF61-6863-47F0-A479-5B23D3E4645F}" presName="sibTrans" presStyleCnt="0"/>
+      <dgm:spPr/>
+    </dgm:pt>
+    <dgm:pt modelId="{B5EADD8B-6733-484F-8359-FA2800923AE4}" type="pres">
+      <dgm:prSet presAssocID="{478B7416-4142-4281-9B5D-C63CFD77B575}" presName="node" presStyleLbl="node1" presStyleIdx="3" presStyleCnt="10">
+        <dgm:presLayoutVars>
+          <dgm:bulletEnabled val="1"/>
+        </dgm:presLayoutVars>
+      </dgm:prSet>
+      <dgm:spPr/>
+    </dgm:pt>
+    <dgm:pt modelId="{7D434A57-C783-43B5-9972-FCE288932EFB}" type="pres">
+      <dgm:prSet presAssocID="{A0F98A70-C29A-4AD3-8A1D-8EAD32128BE8}" presName="sibTrans" presStyleCnt="0"/>
+      <dgm:spPr/>
+    </dgm:pt>
+    <dgm:pt modelId="{BEBA29B7-53DC-43CB-97E2-86346260FD98}" type="pres">
+      <dgm:prSet presAssocID="{BE4D0A06-3A2C-4184-918F-5E6CF2AB05E5}" presName="node" presStyleLbl="node1" presStyleIdx="4" presStyleCnt="10">
+        <dgm:presLayoutVars>
+          <dgm:bulletEnabled val="1"/>
+        </dgm:presLayoutVars>
+      </dgm:prSet>
+      <dgm:spPr/>
+    </dgm:pt>
+    <dgm:pt modelId="{2B87E8FF-D9A9-4727-BBD7-E12EC9046DB1}" type="pres">
+      <dgm:prSet presAssocID="{95A13D4D-170D-42FC-A1CA-3322940AEEE2}" presName="sibTrans" presStyleCnt="0"/>
+      <dgm:spPr/>
+    </dgm:pt>
+    <dgm:pt modelId="{8B41C4D5-C65E-44E4-921D-6D81AA983EE9}" type="pres">
+      <dgm:prSet presAssocID="{3E43A5F7-C76D-4B3A-B071-C0ABDC465A45}" presName="node" presStyleLbl="node1" presStyleIdx="5" presStyleCnt="10">
+        <dgm:presLayoutVars>
+          <dgm:bulletEnabled val="1"/>
+        </dgm:presLayoutVars>
+      </dgm:prSet>
+      <dgm:spPr/>
+    </dgm:pt>
+    <dgm:pt modelId="{91A1B573-C6B5-43F3-A470-851AAB5F5543}" type="pres">
+      <dgm:prSet presAssocID="{393B9E20-88B3-4993-82DC-00A269EB4962}" presName="sibTrans" presStyleCnt="0"/>
+      <dgm:spPr/>
+    </dgm:pt>
+    <dgm:pt modelId="{05F42AF9-4940-485E-90BC-AD5085B1334C}" type="pres">
+      <dgm:prSet presAssocID="{9B2F0898-B7C7-4E1F-9FA2-45353DA04700}" presName="node" presStyleLbl="node1" presStyleIdx="6" presStyleCnt="10">
+        <dgm:presLayoutVars>
+          <dgm:bulletEnabled val="1"/>
+        </dgm:presLayoutVars>
+      </dgm:prSet>
+      <dgm:spPr/>
+    </dgm:pt>
+    <dgm:pt modelId="{34F8EAB9-B41E-434B-ADB4-2BEE92C64594}" type="pres">
+      <dgm:prSet presAssocID="{6C7B406B-C161-403E-86A6-D8145ACD7E09}" presName="sibTrans" presStyleCnt="0"/>
+      <dgm:spPr/>
+    </dgm:pt>
+    <dgm:pt modelId="{317A812B-A469-470B-B0DC-760E85A05728}" type="pres">
+      <dgm:prSet presAssocID="{45EEE2A1-6104-437E-B24B-1AEF271AE5A1}" presName="node" presStyleLbl="node1" presStyleIdx="7" presStyleCnt="10">
+        <dgm:presLayoutVars>
+          <dgm:bulletEnabled val="1"/>
+        </dgm:presLayoutVars>
+      </dgm:prSet>
+      <dgm:spPr/>
+    </dgm:pt>
+    <dgm:pt modelId="{562B56BC-A079-442B-9949-5A35F0CE74C1}" type="pres">
+      <dgm:prSet presAssocID="{A1869F42-BD2E-4281-84FA-57AFCD8AC125}" presName="sibTrans" presStyleCnt="0"/>
+      <dgm:spPr/>
+    </dgm:pt>
+    <dgm:pt modelId="{74240595-8BA1-4822-B595-2CCD6CAAE6F1}" type="pres">
+      <dgm:prSet presAssocID="{6AF1E3CA-B270-4445-B090-29A1DCEC66C1}" presName="node" presStyleLbl="node1" presStyleIdx="8" presStyleCnt="10">
+        <dgm:presLayoutVars>
+          <dgm:bulletEnabled val="1"/>
+        </dgm:presLayoutVars>
+      </dgm:prSet>
+      <dgm:spPr/>
+    </dgm:pt>
+    <dgm:pt modelId="{4A36C741-B538-4FA1-BEFE-2637DD7194A6}" type="pres">
+      <dgm:prSet presAssocID="{3C4E558E-AB09-4C60-88A2-6409FFC14854}" presName="sibTrans" presStyleCnt="0"/>
+      <dgm:spPr/>
+    </dgm:pt>
+    <dgm:pt modelId="{FED377D3-BF2E-445E-8A6F-1697F7757437}" type="pres">
+      <dgm:prSet presAssocID="{768714CA-52E0-42B8-A556-49F3BBFA629B}" presName="node" presStyleLbl="node1" presStyleIdx="9" presStyleCnt="10">
+        <dgm:presLayoutVars>
+          <dgm:bulletEnabled val="1"/>
+        </dgm:presLayoutVars>
+      </dgm:prSet>
+      <dgm:spPr/>
+    </dgm:pt>
+  </dgm:ptLst>
+  <dgm:cxnLst>
+    <dgm:cxn modelId="{5F78BC0C-4F23-43DC-A3F1-6BBFE26F855A}" type="presOf" srcId="{D6DE9080-AB75-47FD-B297-B890B407B89A}" destId="{F0E36345-6408-46AA-9EA5-8CDEF0FDEFCB}" srcOrd="0" destOrd="0" presId="urn:microsoft.com/office/officeart/2005/8/layout/default"/>
+    <dgm:cxn modelId="{52A3D510-9C81-49C1-9551-CDACD5DEEDB4}" type="presOf" srcId="{768714CA-52E0-42B8-A556-49F3BBFA629B}" destId="{FED377D3-BF2E-445E-8A6F-1697F7757437}" srcOrd="0" destOrd="0" presId="urn:microsoft.com/office/officeart/2005/8/layout/default"/>
+    <dgm:cxn modelId="{734D121E-4824-432F-B2DB-7BDB638244D0}" srcId="{E8C2E1D9-8D3D-466F-A3BA-47762D777AAC}" destId="{3E43A5F7-C76D-4B3A-B071-C0ABDC465A45}" srcOrd="5" destOrd="0" parTransId="{0EB94C82-D024-47C5-AAD2-FA6E5318920E}" sibTransId="{393B9E20-88B3-4993-82DC-00A269EB4962}"/>
+    <dgm:cxn modelId="{C22C541E-154C-4B54-AD67-B05ED8E3DCF9}" srcId="{E8C2E1D9-8D3D-466F-A3BA-47762D777AAC}" destId="{D6DE9080-AB75-47FD-B297-B890B407B89A}" srcOrd="2" destOrd="0" parTransId="{46F2588E-839B-46A3-9A9A-961A37EB623C}" sibTransId="{B1ACBF61-6863-47F0-A479-5B23D3E4645F}"/>
+    <dgm:cxn modelId="{435F7722-3966-4E3D-88F6-19C0B8727539}" type="presOf" srcId="{BA555D1A-58C7-47CF-8DAA-379492CEC6E3}" destId="{2BCAA049-7333-4160-838D-A7F236F2BF26}" srcOrd="0" destOrd="0" presId="urn:microsoft.com/office/officeart/2005/8/layout/default"/>
+    <dgm:cxn modelId="{F89F6348-DA6E-45BB-8841-A7874E85D53C}" srcId="{E8C2E1D9-8D3D-466F-A3BA-47762D777AAC}" destId="{768714CA-52E0-42B8-A556-49F3BBFA629B}" srcOrd="9" destOrd="0" parTransId="{D1BA89CF-EE42-4544-A465-B4004CCC3472}" sibTransId="{751C4DA3-2E13-4C43-9A3E-4B72F746ABF5}"/>
+    <dgm:cxn modelId="{1F8F1B69-84A4-448E-8986-D789E968F97D}" type="presOf" srcId="{3E43A5F7-C76D-4B3A-B071-C0ABDC465A45}" destId="{8B41C4D5-C65E-44E4-921D-6D81AA983EE9}" srcOrd="0" destOrd="0" presId="urn:microsoft.com/office/officeart/2005/8/layout/default"/>
+    <dgm:cxn modelId="{D85ADA6C-C8AC-419C-9374-867D968F358F}" srcId="{E8C2E1D9-8D3D-466F-A3BA-47762D777AAC}" destId="{45EEE2A1-6104-437E-B24B-1AEF271AE5A1}" srcOrd="7" destOrd="0" parTransId="{A8F1CF0D-AB11-4B2B-8D3D-2A92E9E9EA2D}" sibTransId="{A1869F42-BD2E-4281-84FA-57AFCD8AC125}"/>
+    <dgm:cxn modelId="{B1E1BF57-32D3-4DEB-99F3-A5B7E018AC94}" type="presOf" srcId="{E8C2E1D9-8D3D-466F-A3BA-47762D777AAC}" destId="{BA389C30-B495-4777-9614-618169285CAC}" srcOrd="0" destOrd="0" presId="urn:microsoft.com/office/officeart/2005/8/layout/default"/>
+    <dgm:cxn modelId="{41271B7A-F9C1-410D-ADE4-41B3B309C776}" srcId="{E8C2E1D9-8D3D-466F-A3BA-47762D777AAC}" destId="{71922E4B-31A2-4529-8FED-AF4B0280C852}" srcOrd="1" destOrd="0" parTransId="{A2D718FB-21B0-4A73-8CD2-863BE7250CF4}" sibTransId="{2CABDF4C-2757-48A8-BA63-7D185C526BF2}"/>
+    <dgm:cxn modelId="{C9F3265A-0AE3-4C1E-BE96-34B634DDA9EA}" type="presOf" srcId="{71922E4B-31A2-4529-8FED-AF4B0280C852}" destId="{3E643897-B904-498F-9E70-952EAEFF2934}" srcOrd="0" destOrd="0" presId="urn:microsoft.com/office/officeart/2005/8/layout/default"/>
+    <dgm:cxn modelId="{05B6787B-F663-42C7-B9F9-809DD98D160F}" type="presOf" srcId="{BE4D0A06-3A2C-4184-918F-5E6CF2AB05E5}" destId="{BEBA29B7-53DC-43CB-97E2-86346260FD98}" srcOrd="0" destOrd="0" presId="urn:microsoft.com/office/officeart/2005/8/layout/default"/>
+    <dgm:cxn modelId="{E426E488-297B-4161-B7ED-721D50FBD6AC}" srcId="{E8C2E1D9-8D3D-466F-A3BA-47762D777AAC}" destId="{BE4D0A06-3A2C-4184-918F-5E6CF2AB05E5}" srcOrd="4" destOrd="0" parTransId="{415C9FCC-485D-49A6-8ACC-8335ED261CB7}" sibTransId="{95A13D4D-170D-42FC-A1CA-3322940AEEE2}"/>
+    <dgm:cxn modelId="{9686209D-F9BB-4DD1-82A0-12F71C509743}" type="presOf" srcId="{6AF1E3CA-B270-4445-B090-29A1DCEC66C1}" destId="{74240595-8BA1-4822-B595-2CCD6CAAE6F1}" srcOrd="0" destOrd="0" presId="urn:microsoft.com/office/officeart/2005/8/layout/default"/>
+    <dgm:cxn modelId="{315672B3-D552-4FC4-B407-1519AB6A687D}" srcId="{E8C2E1D9-8D3D-466F-A3BA-47762D777AAC}" destId="{9B2F0898-B7C7-4E1F-9FA2-45353DA04700}" srcOrd="6" destOrd="0" parTransId="{045D58A5-4124-4C2C-8CAF-7FBE79AFE1B9}" sibTransId="{6C7B406B-C161-403E-86A6-D8145ACD7E09}"/>
+    <dgm:cxn modelId="{C642ECD1-F52C-47AA-928D-41081DBF9509}" type="presOf" srcId="{45EEE2A1-6104-437E-B24B-1AEF271AE5A1}" destId="{317A812B-A469-470B-B0DC-760E85A05728}" srcOrd="0" destOrd="0" presId="urn:microsoft.com/office/officeart/2005/8/layout/default"/>
+    <dgm:cxn modelId="{3C4A7DD3-7A24-4AC2-9B02-FC4CB4C2B33F}" type="presOf" srcId="{478B7416-4142-4281-9B5D-C63CFD77B575}" destId="{B5EADD8B-6733-484F-8359-FA2800923AE4}" srcOrd="0" destOrd="0" presId="urn:microsoft.com/office/officeart/2005/8/layout/default"/>
+    <dgm:cxn modelId="{B0A71BEB-872F-4B3C-86A5-BFA43A7943B0}" srcId="{E8C2E1D9-8D3D-466F-A3BA-47762D777AAC}" destId="{6AF1E3CA-B270-4445-B090-29A1DCEC66C1}" srcOrd="8" destOrd="0" parTransId="{419A904A-D0B4-43E3-8B09-F15F271E56A7}" sibTransId="{3C4E558E-AB09-4C60-88A2-6409FFC14854}"/>
+    <dgm:cxn modelId="{3354F2EF-3AD8-465B-86D1-BE78BED90A5B}" type="presOf" srcId="{9B2F0898-B7C7-4E1F-9FA2-45353DA04700}" destId="{05F42AF9-4940-485E-90BC-AD5085B1334C}" srcOrd="0" destOrd="0" presId="urn:microsoft.com/office/officeart/2005/8/layout/default"/>
+    <dgm:cxn modelId="{DB2E44F0-0B20-4852-9695-C0C145ECFA9D}" srcId="{E8C2E1D9-8D3D-466F-A3BA-47762D777AAC}" destId="{BA555D1A-58C7-47CF-8DAA-379492CEC6E3}" srcOrd="0" destOrd="0" parTransId="{C11DE89B-C2F2-440B-9C22-B66535BECAD5}" sibTransId="{9F12D29D-5C0D-48FA-8CF1-24AC5F72B852}"/>
+    <dgm:cxn modelId="{9223C2FD-4EC5-4EE0-8FFC-2E0C3CDBA60F}" srcId="{E8C2E1D9-8D3D-466F-A3BA-47762D777AAC}" destId="{478B7416-4142-4281-9B5D-C63CFD77B575}" srcOrd="3" destOrd="0" parTransId="{F5F75B0E-362B-49B3-9DAD-17C8E26D02BB}" sibTransId="{A0F98A70-C29A-4AD3-8A1D-8EAD32128BE8}"/>
+    <dgm:cxn modelId="{E5731D77-BA79-496D-9685-186EB9437C97}" type="presParOf" srcId="{BA389C30-B495-4777-9614-618169285CAC}" destId="{2BCAA049-7333-4160-838D-A7F236F2BF26}" srcOrd="0" destOrd="0" presId="urn:microsoft.com/office/officeart/2005/8/layout/default"/>
+    <dgm:cxn modelId="{210B8AF1-B11C-4A1A-BE39-986F551FE282}" type="presParOf" srcId="{BA389C30-B495-4777-9614-618169285CAC}" destId="{643031B7-8AB9-44E7-A1A1-5AD5CBF9DD03}" srcOrd="1" destOrd="0" presId="urn:microsoft.com/office/officeart/2005/8/layout/default"/>
+    <dgm:cxn modelId="{FF7E604C-B854-4B89-8E0B-6EE36DE8C6E4}" type="presParOf" srcId="{BA389C30-B495-4777-9614-618169285CAC}" destId="{3E643897-B904-498F-9E70-952EAEFF2934}" srcOrd="2" destOrd="0" presId="urn:microsoft.com/office/officeart/2005/8/layout/default"/>
+    <dgm:cxn modelId="{B620AF46-3114-4D1A-82A5-643C6442034C}" type="presParOf" srcId="{BA389C30-B495-4777-9614-618169285CAC}" destId="{50A06FF3-B6A3-4BA3-B042-AECF893673AF}" srcOrd="3" destOrd="0" presId="urn:microsoft.com/office/officeart/2005/8/layout/default"/>
+    <dgm:cxn modelId="{11104311-5C4C-4242-8C99-4798230CA481}" type="presParOf" srcId="{BA389C30-B495-4777-9614-618169285CAC}" destId="{F0E36345-6408-46AA-9EA5-8CDEF0FDEFCB}" srcOrd="4" destOrd="0" presId="urn:microsoft.com/office/officeart/2005/8/layout/default"/>
+    <dgm:cxn modelId="{368570BD-0B1B-47E9-B511-FB2BDACFEA62}" type="presParOf" srcId="{BA389C30-B495-4777-9614-618169285CAC}" destId="{AED6165D-B673-452A-A6C4-4DFF63246A0B}" srcOrd="5" destOrd="0" presId="urn:microsoft.com/office/officeart/2005/8/layout/default"/>
+    <dgm:cxn modelId="{D1FB7968-0860-4E77-BE04-8CDBDF8A401F}" type="presParOf" srcId="{BA389C30-B495-4777-9614-618169285CAC}" destId="{B5EADD8B-6733-484F-8359-FA2800923AE4}" srcOrd="6" destOrd="0" presId="urn:microsoft.com/office/officeart/2005/8/layout/default"/>
+    <dgm:cxn modelId="{C09E89DF-53A5-4D6E-B77A-469B759B95E1}" type="presParOf" srcId="{BA389C30-B495-4777-9614-618169285CAC}" destId="{7D434A57-C783-43B5-9972-FCE288932EFB}" srcOrd="7" destOrd="0" presId="urn:microsoft.com/office/officeart/2005/8/layout/default"/>
+    <dgm:cxn modelId="{FEBDEC57-6BDB-40A1-8096-210F9098AE89}" type="presParOf" srcId="{BA389C30-B495-4777-9614-618169285CAC}" destId="{BEBA29B7-53DC-43CB-97E2-86346260FD98}" srcOrd="8" destOrd="0" presId="urn:microsoft.com/office/officeart/2005/8/layout/default"/>
+    <dgm:cxn modelId="{8A165838-7E26-43BE-BFF1-49B1CF9B204E}" type="presParOf" srcId="{BA389C30-B495-4777-9614-618169285CAC}" destId="{2B87E8FF-D9A9-4727-BBD7-E12EC9046DB1}" srcOrd="9" destOrd="0" presId="urn:microsoft.com/office/officeart/2005/8/layout/default"/>
+    <dgm:cxn modelId="{71F7445D-B7FD-43F3-BC82-A02BB7C1364B}" type="presParOf" srcId="{BA389C30-B495-4777-9614-618169285CAC}" destId="{8B41C4D5-C65E-44E4-921D-6D81AA983EE9}" srcOrd="10" destOrd="0" presId="urn:microsoft.com/office/officeart/2005/8/layout/default"/>
+    <dgm:cxn modelId="{9521FD07-30E7-49C7-829B-70A6EB96E349}" type="presParOf" srcId="{BA389C30-B495-4777-9614-618169285CAC}" destId="{91A1B573-C6B5-43F3-A470-851AAB5F5543}" srcOrd="11" destOrd="0" presId="urn:microsoft.com/office/officeart/2005/8/layout/default"/>
+    <dgm:cxn modelId="{025C7AC9-D8DC-47CB-9261-470C64C8E3BC}" type="presParOf" srcId="{BA389C30-B495-4777-9614-618169285CAC}" destId="{05F42AF9-4940-485E-90BC-AD5085B1334C}" srcOrd="12" destOrd="0" presId="urn:microsoft.com/office/officeart/2005/8/layout/default"/>
+    <dgm:cxn modelId="{402584D6-891F-40AD-99D6-E70AE7E3DA0A}" type="presParOf" srcId="{BA389C30-B495-4777-9614-618169285CAC}" destId="{34F8EAB9-B41E-434B-ADB4-2BEE92C64594}" srcOrd="13" destOrd="0" presId="urn:microsoft.com/office/officeart/2005/8/layout/default"/>
+    <dgm:cxn modelId="{DCEEB18E-9C19-456F-8688-EEEE0B8B25B1}" type="presParOf" srcId="{BA389C30-B495-4777-9614-618169285CAC}" destId="{317A812B-A469-470B-B0DC-760E85A05728}" srcOrd="14" destOrd="0" presId="urn:microsoft.com/office/officeart/2005/8/layout/default"/>
+    <dgm:cxn modelId="{88552ED6-8FBD-43E1-B613-E9DF111D1EFF}" type="presParOf" srcId="{BA389C30-B495-4777-9614-618169285CAC}" destId="{562B56BC-A079-442B-9949-5A35F0CE74C1}" srcOrd="15" destOrd="0" presId="urn:microsoft.com/office/officeart/2005/8/layout/default"/>
+    <dgm:cxn modelId="{039434EA-E3E4-488F-AFE4-7E9FC32B80FA}" type="presParOf" srcId="{BA389C30-B495-4777-9614-618169285CAC}" destId="{74240595-8BA1-4822-B595-2CCD6CAAE6F1}" srcOrd="16" destOrd="0" presId="urn:microsoft.com/office/officeart/2005/8/layout/default"/>
+    <dgm:cxn modelId="{39C753C9-EA47-4F71-94CD-D9D9F8526B66}" type="presParOf" srcId="{BA389C30-B495-4777-9614-618169285CAC}" destId="{4A36C741-B538-4FA1-BEFE-2637DD7194A6}" srcOrd="17" destOrd="0" presId="urn:microsoft.com/office/officeart/2005/8/layout/default"/>
+    <dgm:cxn modelId="{8DA495A6-69B7-4E6A-8D94-B24FE242BC2E}" type="presParOf" srcId="{BA389C30-B495-4777-9614-618169285CAC}" destId="{FED377D3-BF2E-445E-8A6F-1697F7757437}" srcOrd="18" destOrd="0" presId="urn:microsoft.com/office/officeart/2005/8/layout/default"/>
+  </dgm:cxnLst>
+  <dgm:bg/>
+  <dgm:whole/>
+  <dgm:extLst>
+    <a:ext uri="http://schemas.microsoft.com/office/drawing/2008/diagram">
+      <dsp:dataModelExt xmlns:dsp="http://schemas.microsoft.com/office/drawing/2008/diagram" relId="rId6" minVer="http://schemas.openxmlformats.org/drawingml/2006/diagram"/>
+    </a:ext>
+  </dgm:extLst>
+</dgm:dataModel>
+</file>
+
+<file path=ppt/diagrams/drawing1.xml><?xml version="1.0" encoding="utf-8"?>
+<dsp:drawing xmlns:dgm="http://schemas.openxmlformats.org/drawingml/2006/diagram" xmlns:dsp="http://schemas.microsoft.com/office/drawing/2008/diagram" xmlns:a="http://schemas.openxmlformats.org/drawingml/2006/main">
+  <dsp:spTree>
+    <dsp:nvGrpSpPr>
+      <dsp:cNvPr id="0" name=""/>
+      <dsp:cNvGrpSpPr/>
+    </dsp:nvGrpSpPr>
+    <dsp:grpSpPr/>
+    <dsp:sp modelId="{2BCAA049-7333-4160-838D-A7F236F2BF26}">
+      <dsp:nvSpPr>
+        <dsp:cNvPr id="0" name=""/>
+        <dsp:cNvSpPr/>
+      </dsp:nvSpPr>
+      <dsp:spPr>
+        <a:xfrm>
+          <a:off x="3080" y="86820"/>
+          <a:ext cx="2444055" cy="1466433"/>
+        </a:xfrm>
+        <a:prstGeom prst="rect">
+          <a:avLst/>
+        </a:prstGeom>
+        <a:gradFill rotWithShape="0">
+          <a:gsLst>
+            <a:gs pos="0">
+              <a:schemeClr val="accent1">
+                <a:hueOff val="0"/>
+                <a:satOff val="0"/>
+                <a:lumOff val="0"/>
+                <a:alphaOff val="0"/>
+                <a:satMod val="103000"/>
+                <a:lumMod val="102000"/>
+                <a:tint val="94000"/>
+              </a:schemeClr>
+            </a:gs>
+            <a:gs pos="50000">
+              <a:schemeClr val="accent1">
+                <a:hueOff val="0"/>
+                <a:satOff val="0"/>
+                <a:lumOff val="0"/>
+                <a:alphaOff val="0"/>
+                <a:satMod val="110000"/>
+                <a:lumMod val="100000"/>
+                <a:shade val="100000"/>
+              </a:schemeClr>
+            </a:gs>
+            <a:gs pos="100000">
+              <a:schemeClr val="accent1">
+                <a:hueOff val="0"/>
+                <a:satOff val="0"/>
+                <a:lumOff val="0"/>
+                <a:alphaOff val="0"/>
+                <a:lumMod val="99000"/>
+                <a:satMod val="120000"/>
+                <a:shade val="78000"/>
+              </a:schemeClr>
+            </a:gs>
+          </a:gsLst>
+          <a:lin ang="5400000" scaled="0"/>
+        </a:gradFill>
+        <a:ln>
+          <a:noFill/>
+        </a:ln>
+        <a:effectLst>
+          <a:outerShdw blurRad="57150" dist="19050" dir="5400000" algn="ctr" rotWithShape="0">
+            <a:srgbClr val="000000">
+              <a:alpha val="63000"/>
+            </a:srgbClr>
+          </a:outerShdw>
+        </a:effectLst>
+      </dsp:spPr>
+      <dsp:style>
+        <a:lnRef idx="0">
+          <a:scrgbClr r="0" g="0" b="0"/>
+        </a:lnRef>
+        <a:fillRef idx="3">
+          <a:scrgbClr r="0" g="0" b="0"/>
+        </a:fillRef>
+        <a:effectRef idx="3">
+          <a:scrgbClr r="0" g="0" b="0"/>
+        </a:effectRef>
+        <a:fontRef idx="minor">
+          <a:schemeClr val="lt1"/>
+        </a:fontRef>
+      </dsp:style>
+      <dsp:txBody>
+        <a:bodyPr spcFirstLastPara="0" vert="horz" wrap="square" lIns="60960" tIns="60960" rIns="60960" bIns="60960" numCol="1" spcCol="1270" anchor="ctr" anchorCtr="0">
+          <a:noAutofit/>
+        </a:bodyPr>
+        <a:lstStyle/>
+        <a:p>
+          <a:pPr marL="0" lvl="0" indent="0" algn="ctr" defTabSz="711200">
+            <a:lnSpc>
+              <a:spcPct val="90000"/>
+            </a:lnSpc>
+            <a:spcBef>
+              <a:spcPct val="0"/>
+            </a:spcBef>
+            <a:spcAft>
+              <a:spcPct val="35000"/>
+            </a:spcAft>
+            <a:buNone/>
+          </a:pPr>
+          <a:r>
+            <a:rPr lang="ru-RU" sz="1600" kern="1200" dirty="0">
+              <a:latin typeface="Times New Roman" panose="02020603050405020304" pitchFamily="18" charset="0"/>
+              <a:cs typeface="Times New Roman" panose="02020603050405020304" pitchFamily="18" charset="0"/>
+            </a:rPr>
+            <a:t>Управление сотрудниками</a:t>
+          </a:r>
+        </a:p>
+      </dsp:txBody>
+      <dsp:txXfrm>
+        <a:off x="3080" y="86820"/>
+        <a:ext cx="2444055" cy="1466433"/>
+      </dsp:txXfrm>
+    </dsp:sp>
+    <dsp:sp modelId="{3E643897-B904-498F-9E70-952EAEFF2934}">
+      <dsp:nvSpPr>
+        <dsp:cNvPr id="0" name=""/>
+        <dsp:cNvSpPr/>
+      </dsp:nvSpPr>
+      <dsp:spPr>
+        <a:xfrm>
+          <a:off x="2691541" y="86820"/>
+          <a:ext cx="2444055" cy="1466433"/>
+        </a:xfrm>
+        <a:prstGeom prst="rect">
+          <a:avLst/>
+        </a:prstGeom>
+        <a:gradFill rotWithShape="0">
+          <a:gsLst>
+            <a:gs pos="0">
+              <a:schemeClr val="accent1">
+                <a:hueOff val="0"/>
+                <a:satOff val="0"/>
+                <a:lumOff val="0"/>
+                <a:alphaOff val="0"/>
+                <a:satMod val="103000"/>
+                <a:lumMod val="102000"/>
+                <a:tint val="94000"/>
+              </a:schemeClr>
+            </a:gs>
+            <a:gs pos="50000">
+              <a:schemeClr val="accent1">
+                <a:hueOff val="0"/>
+                <a:satOff val="0"/>
+                <a:lumOff val="0"/>
+                <a:alphaOff val="0"/>
+                <a:satMod val="110000"/>
+                <a:lumMod val="100000"/>
+                <a:shade val="100000"/>
+              </a:schemeClr>
+            </a:gs>
+            <a:gs pos="100000">
+              <a:schemeClr val="accent1">
+                <a:hueOff val="0"/>
+                <a:satOff val="0"/>
+                <a:lumOff val="0"/>
+                <a:alphaOff val="0"/>
+                <a:lumMod val="99000"/>
+                <a:satMod val="120000"/>
+                <a:shade val="78000"/>
+              </a:schemeClr>
+            </a:gs>
+          </a:gsLst>
+          <a:lin ang="5400000" scaled="0"/>
+        </a:gradFill>
+        <a:ln>
+          <a:noFill/>
+        </a:ln>
+        <a:effectLst>
+          <a:outerShdw blurRad="57150" dist="19050" dir="5400000" algn="ctr" rotWithShape="0">
+            <a:srgbClr val="000000">
+              <a:alpha val="63000"/>
+            </a:srgbClr>
+          </a:outerShdw>
+        </a:effectLst>
+      </dsp:spPr>
+      <dsp:style>
+        <a:lnRef idx="0">
+          <a:scrgbClr r="0" g="0" b="0"/>
+        </a:lnRef>
+        <a:fillRef idx="3">
+          <a:scrgbClr r="0" g="0" b="0"/>
+        </a:fillRef>
+        <a:effectRef idx="3">
+          <a:scrgbClr r="0" g="0" b="0"/>
+        </a:effectRef>
+        <a:fontRef idx="minor">
+          <a:schemeClr val="lt1"/>
+        </a:fontRef>
+      </dsp:style>
+      <dsp:txBody>
+        <a:bodyPr spcFirstLastPara="0" vert="horz" wrap="square" lIns="60960" tIns="60960" rIns="60960" bIns="60960" numCol="1" spcCol="1270" anchor="ctr" anchorCtr="0">
+          <a:noAutofit/>
+        </a:bodyPr>
+        <a:lstStyle/>
+        <a:p>
+          <a:pPr marL="0" lvl="0" indent="0" algn="ctr" defTabSz="711200">
+            <a:lnSpc>
+              <a:spcPct val="90000"/>
+            </a:lnSpc>
+            <a:spcBef>
+              <a:spcPct val="0"/>
+            </a:spcBef>
+            <a:spcAft>
+              <a:spcPct val="35000"/>
+            </a:spcAft>
+            <a:buNone/>
+          </a:pPr>
+          <a:r>
+            <a:rPr lang="ru-RU" sz="1600" kern="1200" dirty="0">
+              <a:latin typeface="Times New Roman" panose="02020603050405020304" pitchFamily="18" charset="0"/>
+              <a:cs typeface="Times New Roman" panose="02020603050405020304" pitchFamily="18" charset="0"/>
+            </a:rPr>
+            <a:t>Управление фильмами</a:t>
+          </a:r>
+        </a:p>
+      </dsp:txBody>
+      <dsp:txXfrm>
+        <a:off x="2691541" y="86820"/>
+        <a:ext cx="2444055" cy="1466433"/>
+      </dsp:txXfrm>
+    </dsp:sp>
+    <dsp:sp modelId="{F0E36345-6408-46AA-9EA5-8CDEF0FDEFCB}">
+      <dsp:nvSpPr>
+        <dsp:cNvPr id="0" name=""/>
+        <dsp:cNvSpPr/>
+      </dsp:nvSpPr>
+      <dsp:spPr>
+        <a:xfrm>
+          <a:off x="5380002" y="86820"/>
+          <a:ext cx="2444055" cy="1466433"/>
+        </a:xfrm>
+        <a:prstGeom prst="rect">
+          <a:avLst/>
+        </a:prstGeom>
+        <a:gradFill rotWithShape="0">
+          <a:gsLst>
+            <a:gs pos="0">
+              <a:schemeClr val="accent1">
+                <a:hueOff val="0"/>
+                <a:satOff val="0"/>
+                <a:lumOff val="0"/>
+                <a:alphaOff val="0"/>
+                <a:satMod val="103000"/>
+                <a:lumMod val="102000"/>
+                <a:tint val="94000"/>
+              </a:schemeClr>
+            </a:gs>
+            <a:gs pos="50000">
+              <a:schemeClr val="accent1">
+                <a:hueOff val="0"/>
+                <a:satOff val="0"/>
+                <a:lumOff val="0"/>
+                <a:alphaOff val="0"/>
+                <a:satMod val="110000"/>
+                <a:lumMod val="100000"/>
+                <a:shade val="100000"/>
+              </a:schemeClr>
+            </a:gs>
+            <a:gs pos="100000">
+              <a:schemeClr val="accent1">
+                <a:hueOff val="0"/>
+                <a:satOff val="0"/>
+                <a:lumOff val="0"/>
+                <a:alphaOff val="0"/>
+                <a:lumMod val="99000"/>
+                <a:satMod val="120000"/>
+                <a:shade val="78000"/>
+              </a:schemeClr>
+            </a:gs>
+          </a:gsLst>
+          <a:lin ang="5400000" scaled="0"/>
+        </a:gradFill>
+        <a:ln>
+          <a:noFill/>
+        </a:ln>
+        <a:effectLst>
+          <a:outerShdw blurRad="57150" dist="19050" dir="5400000" algn="ctr" rotWithShape="0">
+            <a:srgbClr val="000000">
+              <a:alpha val="63000"/>
+            </a:srgbClr>
+          </a:outerShdw>
+        </a:effectLst>
+      </dsp:spPr>
+      <dsp:style>
+        <a:lnRef idx="0">
+          <a:scrgbClr r="0" g="0" b="0"/>
+        </a:lnRef>
+        <a:fillRef idx="3">
+          <a:scrgbClr r="0" g="0" b="0"/>
+        </a:fillRef>
+        <a:effectRef idx="3">
+          <a:scrgbClr r="0" g="0" b="0"/>
+        </a:effectRef>
+        <a:fontRef idx="minor">
+          <a:schemeClr val="lt1"/>
+        </a:fontRef>
+      </dsp:style>
+      <dsp:txBody>
+        <a:bodyPr spcFirstLastPara="0" vert="horz" wrap="square" lIns="60960" tIns="60960" rIns="60960" bIns="60960" numCol="1" spcCol="1270" anchor="ctr" anchorCtr="0">
+          <a:noAutofit/>
+        </a:bodyPr>
+        <a:lstStyle/>
+        <a:p>
+          <a:pPr marL="0" lvl="0" indent="0" algn="ctr" defTabSz="711200">
+            <a:lnSpc>
+              <a:spcPct val="90000"/>
+            </a:lnSpc>
+            <a:spcBef>
+              <a:spcPct val="0"/>
+            </a:spcBef>
+            <a:spcAft>
+              <a:spcPct val="35000"/>
+            </a:spcAft>
+            <a:buNone/>
+          </a:pPr>
+          <a:r>
+            <a:rPr lang="ru-RU" sz="1600" kern="1200" dirty="0">
+              <a:latin typeface="Times New Roman" panose="02020603050405020304" pitchFamily="18" charset="0"/>
+              <a:cs typeface="Times New Roman" panose="02020603050405020304" pitchFamily="18" charset="0"/>
+            </a:rPr>
+            <a:t>Управление сеансами</a:t>
+          </a:r>
+        </a:p>
+      </dsp:txBody>
+      <dsp:txXfrm>
+        <a:off x="5380002" y="86820"/>
+        <a:ext cx="2444055" cy="1466433"/>
+      </dsp:txXfrm>
+    </dsp:sp>
+    <dsp:sp modelId="{B5EADD8B-6733-484F-8359-FA2800923AE4}">
+      <dsp:nvSpPr>
+        <dsp:cNvPr id="0" name=""/>
+        <dsp:cNvSpPr/>
+      </dsp:nvSpPr>
+      <dsp:spPr>
+        <a:xfrm>
+          <a:off x="8068463" y="86820"/>
+          <a:ext cx="2444055" cy="1466433"/>
+        </a:xfrm>
+        <a:prstGeom prst="rect">
+          <a:avLst/>
+        </a:prstGeom>
+        <a:gradFill rotWithShape="0">
+          <a:gsLst>
+            <a:gs pos="0">
+              <a:schemeClr val="accent1">
+                <a:hueOff val="0"/>
+                <a:satOff val="0"/>
+                <a:lumOff val="0"/>
+                <a:alphaOff val="0"/>
+                <a:satMod val="103000"/>
+                <a:lumMod val="102000"/>
+                <a:tint val="94000"/>
+              </a:schemeClr>
+            </a:gs>
+            <a:gs pos="50000">
+              <a:schemeClr val="accent1">
+                <a:hueOff val="0"/>
+                <a:satOff val="0"/>
+                <a:lumOff val="0"/>
+                <a:alphaOff val="0"/>
+                <a:satMod val="110000"/>
+                <a:lumMod val="100000"/>
+                <a:shade val="100000"/>
+              </a:schemeClr>
+            </a:gs>
+            <a:gs pos="100000">
+              <a:schemeClr val="accent1">
+                <a:hueOff val="0"/>
+                <a:satOff val="0"/>
+                <a:lumOff val="0"/>
+                <a:alphaOff val="0"/>
+                <a:lumMod val="99000"/>
+                <a:satMod val="120000"/>
+                <a:shade val="78000"/>
+              </a:schemeClr>
+            </a:gs>
+          </a:gsLst>
+          <a:lin ang="5400000" scaled="0"/>
+        </a:gradFill>
+        <a:ln>
+          <a:noFill/>
+        </a:ln>
+        <a:effectLst>
+          <a:outerShdw blurRad="57150" dist="19050" dir="5400000" algn="ctr" rotWithShape="0">
+            <a:srgbClr val="000000">
+              <a:alpha val="63000"/>
+            </a:srgbClr>
+          </a:outerShdw>
+        </a:effectLst>
+      </dsp:spPr>
+      <dsp:style>
+        <a:lnRef idx="0">
+          <a:scrgbClr r="0" g="0" b="0"/>
+        </a:lnRef>
+        <a:fillRef idx="3">
+          <a:scrgbClr r="0" g="0" b="0"/>
+        </a:fillRef>
+        <a:effectRef idx="3">
+          <a:scrgbClr r="0" g="0" b="0"/>
+        </a:effectRef>
+        <a:fontRef idx="minor">
+          <a:schemeClr val="lt1"/>
+        </a:fontRef>
+      </dsp:style>
+      <dsp:txBody>
+        <a:bodyPr spcFirstLastPara="0" vert="horz" wrap="square" lIns="60960" tIns="60960" rIns="60960" bIns="60960" numCol="1" spcCol="1270" anchor="ctr" anchorCtr="0">
+          <a:noAutofit/>
+        </a:bodyPr>
+        <a:lstStyle/>
+        <a:p>
+          <a:pPr marL="0" lvl="0" indent="0" algn="ctr" defTabSz="711200">
+            <a:lnSpc>
+              <a:spcPct val="90000"/>
+            </a:lnSpc>
+            <a:spcBef>
+              <a:spcPct val="0"/>
+            </a:spcBef>
+            <a:spcAft>
+              <a:spcPct val="35000"/>
+            </a:spcAft>
+            <a:buNone/>
+          </a:pPr>
+          <a:r>
+            <a:rPr lang="ru-RU" sz="1600" kern="1200" dirty="0">
+              <a:latin typeface="Times New Roman" panose="02020603050405020304" pitchFamily="18" charset="0"/>
+              <a:cs typeface="Times New Roman" panose="02020603050405020304" pitchFamily="18" charset="0"/>
+            </a:rPr>
+            <a:t>Настройка конфигурации зала</a:t>
+          </a:r>
+        </a:p>
+      </dsp:txBody>
+      <dsp:txXfrm>
+        <a:off x="8068463" y="86820"/>
+        <a:ext cx="2444055" cy="1466433"/>
+      </dsp:txXfrm>
+    </dsp:sp>
+    <dsp:sp modelId="{BEBA29B7-53DC-43CB-97E2-86346260FD98}">
+      <dsp:nvSpPr>
+        <dsp:cNvPr id="0" name=""/>
+        <dsp:cNvSpPr/>
+      </dsp:nvSpPr>
+      <dsp:spPr>
+        <a:xfrm>
+          <a:off x="3080" y="1797659"/>
+          <a:ext cx="2444055" cy="1466433"/>
+        </a:xfrm>
+        <a:prstGeom prst="rect">
+          <a:avLst/>
+        </a:prstGeom>
+        <a:gradFill rotWithShape="0">
+          <a:gsLst>
+            <a:gs pos="0">
+              <a:schemeClr val="accent1">
+                <a:hueOff val="0"/>
+                <a:satOff val="0"/>
+                <a:lumOff val="0"/>
+                <a:alphaOff val="0"/>
+                <a:satMod val="103000"/>
+                <a:lumMod val="102000"/>
+                <a:tint val="94000"/>
+              </a:schemeClr>
+            </a:gs>
+            <a:gs pos="50000">
+              <a:schemeClr val="accent1">
+                <a:hueOff val="0"/>
+                <a:satOff val="0"/>
+                <a:lumOff val="0"/>
+                <a:alphaOff val="0"/>
+                <a:satMod val="110000"/>
+                <a:lumMod val="100000"/>
+                <a:shade val="100000"/>
+              </a:schemeClr>
+            </a:gs>
+            <a:gs pos="100000">
+              <a:schemeClr val="accent1">
+                <a:hueOff val="0"/>
+                <a:satOff val="0"/>
+                <a:lumOff val="0"/>
+                <a:alphaOff val="0"/>
+                <a:lumMod val="99000"/>
+                <a:satMod val="120000"/>
+                <a:shade val="78000"/>
+              </a:schemeClr>
+            </a:gs>
+          </a:gsLst>
+          <a:lin ang="5400000" scaled="0"/>
+        </a:gradFill>
+        <a:ln>
+          <a:noFill/>
+        </a:ln>
+        <a:effectLst>
+          <a:outerShdw blurRad="57150" dist="19050" dir="5400000" algn="ctr" rotWithShape="0">
+            <a:srgbClr val="000000">
+              <a:alpha val="63000"/>
+            </a:srgbClr>
+          </a:outerShdw>
+        </a:effectLst>
+      </dsp:spPr>
+      <dsp:style>
+        <a:lnRef idx="0">
+          <a:scrgbClr r="0" g="0" b="0"/>
+        </a:lnRef>
+        <a:fillRef idx="3">
+          <a:scrgbClr r="0" g="0" b="0"/>
+        </a:fillRef>
+        <a:effectRef idx="3">
+          <a:scrgbClr r="0" g="0" b="0"/>
+        </a:effectRef>
+        <a:fontRef idx="minor">
+          <a:schemeClr val="lt1"/>
+        </a:fontRef>
+      </dsp:style>
+      <dsp:txBody>
+        <a:bodyPr spcFirstLastPara="0" vert="horz" wrap="square" lIns="60960" tIns="60960" rIns="60960" bIns="60960" numCol="1" spcCol="1270" anchor="ctr" anchorCtr="0">
+          <a:noAutofit/>
+        </a:bodyPr>
+        <a:lstStyle/>
+        <a:p>
+          <a:pPr marL="0" lvl="0" indent="0" algn="ctr" defTabSz="711200">
+            <a:lnSpc>
+              <a:spcPct val="90000"/>
+            </a:lnSpc>
+            <a:spcBef>
+              <a:spcPct val="0"/>
+            </a:spcBef>
+            <a:spcAft>
+              <a:spcPct val="35000"/>
+            </a:spcAft>
+            <a:buNone/>
+          </a:pPr>
+          <a:r>
+            <a:rPr lang="ru-RU" sz="1600" kern="1200" dirty="0">
+              <a:latin typeface="Times New Roman" panose="02020603050405020304" pitchFamily="18" charset="0"/>
+              <a:cs typeface="Times New Roman" panose="02020603050405020304" pitchFamily="18" charset="0"/>
+            </a:rPr>
+            <a:t>Расчет количества проданных билетов на фильмы</a:t>
+          </a:r>
+        </a:p>
+      </dsp:txBody>
+      <dsp:txXfrm>
+        <a:off x="3080" y="1797659"/>
+        <a:ext cx="2444055" cy="1466433"/>
+      </dsp:txXfrm>
+    </dsp:sp>
+    <dsp:sp modelId="{8B41C4D5-C65E-44E4-921D-6D81AA983EE9}">
+      <dsp:nvSpPr>
+        <dsp:cNvPr id="0" name=""/>
+        <dsp:cNvSpPr/>
+      </dsp:nvSpPr>
+      <dsp:spPr>
+        <a:xfrm>
+          <a:off x="2691541" y="1797659"/>
+          <a:ext cx="2444055" cy="1466433"/>
+        </a:xfrm>
+        <a:prstGeom prst="rect">
+          <a:avLst/>
+        </a:prstGeom>
+        <a:gradFill rotWithShape="0">
+          <a:gsLst>
+            <a:gs pos="0">
+              <a:schemeClr val="accent1">
+                <a:hueOff val="0"/>
+                <a:satOff val="0"/>
+                <a:lumOff val="0"/>
+                <a:alphaOff val="0"/>
+                <a:satMod val="103000"/>
+                <a:lumMod val="102000"/>
+                <a:tint val="94000"/>
+              </a:schemeClr>
+            </a:gs>
+            <a:gs pos="50000">
+              <a:schemeClr val="accent1">
+                <a:hueOff val="0"/>
+                <a:satOff val="0"/>
+                <a:lumOff val="0"/>
+                <a:alphaOff val="0"/>
+                <a:satMod val="110000"/>
+                <a:lumMod val="100000"/>
+                <a:shade val="100000"/>
+              </a:schemeClr>
+            </a:gs>
+            <a:gs pos="100000">
+              <a:schemeClr val="accent1">
+                <a:hueOff val="0"/>
+                <a:satOff val="0"/>
+                <a:lumOff val="0"/>
+                <a:alphaOff val="0"/>
+                <a:lumMod val="99000"/>
+                <a:satMod val="120000"/>
+                <a:shade val="78000"/>
+              </a:schemeClr>
+            </a:gs>
+          </a:gsLst>
+          <a:lin ang="5400000" scaled="0"/>
+        </a:gradFill>
+        <a:ln>
+          <a:noFill/>
+        </a:ln>
+        <a:effectLst>
+          <a:outerShdw blurRad="57150" dist="19050" dir="5400000" algn="ctr" rotWithShape="0">
+            <a:srgbClr val="000000">
+              <a:alpha val="63000"/>
+            </a:srgbClr>
+          </a:outerShdw>
+        </a:effectLst>
+      </dsp:spPr>
+      <dsp:style>
+        <a:lnRef idx="0">
+          <a:scrgbClr r="0" g="0" b="0"/>
+        </a:lnRef>
+        <a:fillRef idx="3">
+          <a:scrgbClr r="0" g="0" b="0"/>
+        </a:fillRef>
+        <a:effectRef idx="3">
+          <a:scrgbClr r="0" g="0" b="0"/>
+        </a:effectRef>
+        <a:fontRef idx="minor">
+          <a:schemeClr val="lt1"/>
+        </a:fontRef>
+      </dsp:style>
+      <dsp:txBody>
+        <a:bodyPr spcFirstLastPara="0" vert="horz" wrap="square" lIns="60960" tIns="60960" rIns="60960" bIns="60960" numCol="1" spcCol="1270" anchor="ctr" anchorCtr="0">
+          <a:noAutofit/>
+        </a:bodyPr>
+        <a:lstStyle/>
+        <a:p>
+          <a:pPr marL="0" lvl="0" indent="0" algn="ctr" defTabSz="711200">
+            <a:lnSpc>
+              <a:spcPct val="90000"/>
+            </a:lnSpc>
+            <a:spcBef>
+              <a:spcPct val="0"/>
+            </a:spcBef>
+            <a:spcAft>
+              <a:spcPct val="35000"/>
+            </a:spcAft>
+            <a:buNone/>
+          </a:pPr>
+          <a:r>
+            <a:rPr lang="ru-RU" sz="1600" kern="1200" dirty="0">
+              <a:latin typeface="Times New Roman" panose="02020603050405020304" pitchFamily="18" charset="0"/>
+              <a:cs typeface="Times New Roman" panose="02020603050405020304" pitchFamily="18" charset="0"/>
+            </a:rPr>
+            <a:t>Расчет количества проданных билетов на сеансы выбранного фильма</a:t>
+          </a:r>
+        </a:p>
+      </dsp:txBody>
+      <dsp:txXfrm>
+        <a:off x="2691541" y="1797659"/>
+        <a:ext cx="2444055" cy="1466433"/>
+      </dsp:txXfrm>
+    </dsp:sp>
+    <dsp:sp modelId="{05F42AF9-4940-485E-90BC-AD5085B1334C}">
+      <dsp:nvSpPr>
+        <dsp:cNvPr id="0" name=""/>
+        <dsp:cNvSpPr/>
+      </dsp:nvSpPr>
+      <dsp:spPr>
+        <a:xfrm>
+          <a:off x="5380002" y="1797659"/>
+          <a:ext cx="2444055" cy="1466433"/>
+        </a:xfrm>
+        <a:prstGeom prst="rect">
+          <a:avLst/>
+        </a:prstGeom>
+        <a:gradFill rotWithShape="0">
+          <a:gsLst>
+            <a:gs pos="0">
+              <a:schemeClr val="accent1">
+                <a:hueOff val="0"/>
+                <a:satOff val="0"/>
+                <a:lumOff val="0"/>
+                <a:alphaOff val="0"/>
+                <a:satMod val="103000"/>
+                <a:lumMod val="102000"/>
+                <a:tint val="94000"/>
+              </a:schemeClr>
+            </a:gs>
+            <a:gs pos="50000">
+              <a:schemeClr val="accent1">
+                <a:hueOff val="0"/>
+                <a:satOff val="0"/>
+                <a:lumOff val="0"/>
+                <a:alphaOff val="0"/>
+                <a:satMod val="110000"/>
+                <a:lumMod val="100000"/>
+                <a:shade val="100000"/>
+              </a:schemeClr>
+            </a:gs>
+            <a:gs pos="100000">
+              <a:schemeClr val="accent1">
+                <a:hueOff val="0"/>
+                <a:satOff val="0"/>
+                <a:lumOff val="0"/>
+                <a:alphaOff val="0"/>
+                <a:lumMod val="99000"/>
+                <a:satMod val="120000"/>
+                <a:shade val="78000"/>
+              </a:schemeClr>
+            </a:gs>
+          </a:gsLst>
+          <a:lin ang="5400000" scaled="0"/>
+        </a:gradFill>
+        <a:ln>
+          <a:noFill/>
+        </a:ln>
+        <a:effectLst>
+          <a:outerShdw blurRad="57150" dist="19050" dir="5400000" algn="ctr" rotWithShape="0">
+            <a:srgbClr val="000000">
+              <a:alpha val="63000"/>
+            </a:srgbClr>
+          </a:outerShdw>
+        </a:effectLst>
+      </dsp:spPr>
+      <dsp:style>
+        <a:lnRef idx="0">
+          <a:scrgbClr r="0" g="0" b="0"/>
+        </a:lnRef>
+        <a:fillRef idx="3">
+          <a:scrgbClr r="0" g="0" b="0"/>
+        </a:fillRef>
+        <a:effectRef idx="3">
+          <a:scrgbClr r="0" g="0" b="0"/>
+        </a:effectRef>
+        <a:fontRef idx="minor">
+          <a:schemeClr val="lt1"/>
+        </a:fontRef>
+      </dsp:style>
+      <dsp:txBody>
+        <a:bodyPr spcFirstLastPara="0" vert="horz" wrap="square" lIns="60960" tIns="60960" rIns="60960" bIns="60960" numCol="1" spcCol="1270" anchor="ctr" anchorCtr="0">
+          <a:noAutofit/>
+        </a:bodyPr>
+        <a:lstStyle/>
+        <a:p>
+          <a:pPr marL="0" lvl="0" indent="0" algn="ctr" defTabSz="711200">
+            <a:lnSpc>
+              <a:spcPct val="90000"/>
+            </a:lnSpc>
+            <a:spcBef>
+              <a:spcPct val="0"/>
+            </a:spcBef>
+            <a:spcAft>
+              <a:spcPct val="35000"/>
+            </a:spcAft>
+            <a:buNone/>
+          </a:pPr>
+          <a:r>
+            <a:rPr lang="ru-RU" sz="1600" kern="1200" dirty="0">
+              <a:latin typeface="Times New Roman" panose="02020603050405020304" pitchFamily="18" charset="0"/>
+              <a:cs typeface="Times New Roman" panose="02020603050405020304" pitchFamily="18" charset="0"/>
+            </a:rPr>
+            <a:t>Сохранение отчета по количеству проданных билетов на фильмы в файл формата </a:t>
+          </a:r>
+          <a:r>
+            <a:rPr lang="ru-RU" sz="1600" kern="1200" dirty="0" err="1">
+              <a:latin typeface="Times New Roman" panose="02020603050405020304" pitchFamily="18" charset="0"/>
+              <a:cs typeface="Times New Roman" panose="02020603050405020304" pitchFamily="18" charset="0"/>
+            </a:rPr>
+            <a:t>pdf</a:t>
+          </a:r>
+          <a:endParaRPr lang="ru-RU" sz="1600" kern="1200" dirty="0">
+            <a:latin typeface="Times New Roman" panose="02020603050405020304" pitchFamily="18" charset="0"/>
+            <a:cs typeface="Times New Roman" panose="02020603050405020304" pitchFamily="18" charset="0"/>
+          </a:endParaRPr>
+        </a:p>
+      </dsp:txBody>
+      <dsp:txXfrm>
+        <a:off x="5380002" y="1797659"/>
+        <a:ext cx="2444055" cy="1466433"/>
+      </dsp:txXfrm>
+    </dsp:sp>
+    <dsp:sp modelId="{317A812B-A469-470B-B0DC-760E85A05728}">
+      <dsp:nvSpPr>
+        <dsp:cNvPr id="0" name=""/>
+        <dsp:cNvSpPr/>
+      </dsp:nvSpPr>
+      <dsp:spPr>
+        <a:xfrm>
+          <a:off x="8068463" y="1797659"/>
+          <a:ext cx="2444055" cy="1466433"/>
+        </a:xfrm>
+        <a:prstGeom prst="rect">
+          <a:avLst/>
+        </a:prstGeom>
+        <a:gradFill rotWithShape="0">
+          <a:gsLst>
+            <a:gs pos="0">
+              <a:schemeClr val="accent1">
+                <a:hueOff val="0"/>
+                <a:satOff val="0"/>
+                <a:lumOff val="0"/>
+                <a:alphaOff val="0"/>
+                <a:satMod val="103000"/>
+                <a:lumMod val="102000"/>
+                <a:tint val="94000"/>
+              </a:schemeClr>
+            </a:gs>
+            <a:gs pos="50000">
+              <a:schemeClr val="accent1">
+                <a:hueOff val="0"/>
+                <a:satOff val="0"/>
+                <a:lumOff val="0"/>
+                <a:alphaOff val="0"/>
+                <a:satMod val="110000"/>
+                <a:lumMod val="100000"/>
+                <a:shade val="100000"/>
+              </a:schemeClr>
+            </a:gs>
+            <a:gs pos="100000">
+              <a:schemeClr val="accent1">
+                <a:hueOff val="0"/>
+                <a:satOff val="0"/>
+                <a:lumOff val="0"/>
+                <a:alphaOff val="0"/>
+                <a:lumMod val="99000"/>
+                <a:satMod val="120000"/>
+                <a:shade val="78000"/>
+              </a:schemeClr>
+            </a:gs>
+          </a:gsLst>
+          <a:lin ang="5400000" scaled="0"/>
+        </a:gradFill>
+        <a:ln>
+          <a:noFill/>
+        </a:ln>
+        <a:effectLst>
+          <a:outerShdw blurRad="57150" dist="19050" dir="5400000" algn="ctr" rotWithShape="0">
+            <a:srgbClr val="000000">
+              <a:alpha val="63000"/>
+            </a:srgbClr>
+          </a:outerShdw>
+        </a:effectLst>
+      </dsp:spPr>
+      <dsp:style>
+        <a:lnRef idx="0">
+          <a:scrgbClr r="0" g="0" b="0"/>
+        </a:lnRef>
+        <a:fillRef idx="3">
+          <a:scrgbClr r="0" g="0" b="0"/>
+        </a:fillRef>
+        <a:effectRef idx="3">
+          <a:scrgbClr r="0" g="0" b="0"/>
+        </a:effectRef>
+        <a:fontRef idx="minor">
+          <a:schemeClr val="lt1"/>
+        </a:fontRef>
+      </dsp:style>
+      <dsp:txBody>
+        <a:bodyPr spcFirstLastPara="0" vert="horz" wrap="square" lIns="60960" tIns="60960" rIns="60960" bIns="60960" numCol="1" spcCol="1270" anchor="ctr" anchorCtr="0">
+          <a:noAutofit/>
+        </a:bodyPr>
+        <a:lstStyle/>
+        <a:p>
+          <a:pPr marL="0" lvl="0" indent="0" algn="ctr" defTabSz="711200">
+            <a:lnSpc>
+              <a:spcPct val="90000"/>
+            </a:lnSpc>
+            <a:spcBef>
+              <a:spcPct val="0"/>
+            </a:spcBef>
+            <a:spcAft>
+              <a:spcPct val="35000"/>
+            </a:spcAft>
+            <a:buNone/>
+          </a:pPr>
+          <a:r>
+            <a:rPr lang="ru-RU" sz="1600" kern="1200" dirty="0">
+              <a:latin typeface="Times New Roman" panose="02020603050405020304" pitchFamily="18" charset="0"/>
+              <a:cs typeface="Times New Roman" panose="02020603050405020304" pitchFamily="18" charset="0"/>
+            </a:rPr>
+            <a:t>Сохранение отчета по количеству проданных билетов на сеансы выбранного фильма в файл формата </a:t>
+          </a:r>
+          <a:r>
+            <a:rPr lang="ru-RU" sz="1600" kern="1200" dirty="0" err="1">
+              <a:latin typeface="Times New Roman" panose="02020603050405020304" pitchFamily="18" charset="0"/>
+              <a:cs typeface="Times New Roman" panose="02020603050405020304" pitchFamily="18" charset="0"/>
+            </a:rPr>
+            <a:t>pdf</a:t>
+          </a:r>
+          <a:endParaRPr lang="ru-RU" sz="1600" kern="1200" dirty="0">
+            <a:latin typeface="Times New Roman" panose="02020603050405020304" pitchFamily="18" charset="0"/>
+            <a:cs typeface="Times New Roman" panose="02020603050405020304" pitchFamily="18" charset="0"/>
+          </a:endParaRPr>
+        </a:p>
+      </dsp:txBody>
+      <dsp:txXfrm>
+        <a:off x="8068463" y="1797659"/>
+        <a:ext cx="2444055" cy="1466433"/>
+      </dsp:txXfrm>
+    </dsp:sp>
+    <dsp:sp modelId="{74240595-8BA1-4822-B595-2CCD6CAAE6F1}">
+      <dsp:nvSpPr>
+        <dsp:cNvPr id="0" name=""/>
+        <dsp:cNvSpPr/>
+      </dsp:nvSpPr>
+      <dsp:spPr>
+        <a:xfrm>
+          <a:off x="2691541" y="3508498"/>
+          <a:ext cx="2444055" cy="1466433"/>
+        </a:xfrm>
+        <a:prstGeom prst="rect">
+          <a:avLst/>
+        </a:prstGeom>
+        <a:gradFill rotWithShape="0">
+          <a:gsLst>
+            <a:gs pos="0">
+              <a:schemeClr val="accent1">
+                <a:hueOff val="0"/>
+                <a:satOff val="0"/>
+                <a:lumOff val="0"/>
+                <a:alphaOff val="0"/>
+                <a:satMod val="103000"/>
+                <a:lumMod val="102000"/>
+                <a:tint val="94000"/>
+              </a:schemeClr>
+            </a:gs>
+            <a:gs pos="50000">
+              <a:schemeClr val="accent1">
+                <a:hueOff val="0"/>
+                <a:satOff val="0"/>
+                <a:lumOff val="0"/>
+                <a:alphaOff val="0"/>
+                <a:satMod val="110000"/>
+                <a:lumMod val="100000"/>
+                <a:shade val="100000"/>
+              </a:schemeClr>
+            </a:gs>
+            <a:gs pos="100000">
+              <a:schemeClr val="accent1">
+                <a:hueOff val="0"/>
+                <a:satOff val="0"/>
+                <a:lumOff val="0"/>
+                <a:alphaOff val="0"/>
+                <a:lumMod val="99000"/>
+                <a:satMod val="120000"/>
+                <a:shade val="78000"/>
+              </a:schemeClr>
+            </a:gs>
+          </a:gsLst>
+          <a:lin ang="5400000" scaled="0"/>
+        </a:gradFill>
+        <a:ln>
+          <a:noFill/>
+        </a:ln>
+        <a:effectLst>
+          <a:outerShdw blurRad="57150" dist="19050" dir="5400000" algn="ctr" rotWithShape="0">
+            <a:srgbClr val="000000">
+              <a:alpha val="63000"/>
+            </a:srgbClr>
+          </a:outerShdw>
+        </a:effectLst>
+      </dsp:spPr>
+      <dsp:style>
+        <a:lnRef idx="0">
+          <a:scrgbClr r="0" g="0" b="0"/>
+        </a:lnRef>
+        <a:fillRef idx="3">
+          <a:scrgbClr r="0" g="0" b="0"/>
+        </a:fillRef>
+        <a:effectRef idx="3">
+          <a:scrgbClr r="0" g="0" b="0"/>
+        </a:effectRef>
+        <a:fontRef idx="minor">
+          <a:schemeClr val="lt1"/>
+        </a:fontRef>
+      </dsp:style>
+      <dsp:txBody>
+        <a:bodyPr spcFirstLastPara="0" vert="horz" wrap="square" lIns="60960" tIns="60960" rIns="60960" bIns="60960" numCol="1" spcCol="1270" anchor="ctr" anchorCtr="0">
+          <a:noAutofit/>
+        </a:bodyPr>
+        <a:lstStyle/>
+        <a:p>
+          <a:pPr marL="0" lvl="0" indent="0" algn="ctr" defTabSz="711200">
+            <a:lnSpc>
+              <a:spcPct val="90000"/>
+            </a:lnSpc>
+            <a:spcBef>
+              <a:spcPct val="0"/>
+            </a:spcBef>
+            <a:spcAft>
+              <a:spcPct val="35000"/>
+            </a:spcAft>
+            <a:buNone/>
+          </a:pPr>
+          <a:r>
+            <a:rPr lang="ru-RU" sz="1600" kern="1200" dirty="0">
+              <a:latin typeface="Times New Roman" panose="02020603050405020304" pitchFamily="18" charset="0"/>
+              <a:cs typeface="Times New Roman" panose="02020603050405020304" pitchFamily="18" charset="0"/>
+            </a:rPr>
+            <a:t>Продажа билетов на выбранный сеанс фильма</a:t>
+          </a:r>
+        </a:p>
+      </dsp:txBody>
+      <dsp:txXfrm>
+        <a:off x="2691541" y="3508498"/>
+        <a:ext cx="2444055" cy="1466433"/>
+      </dsp:txXfrm>
+    </dsp:sp>
+    <dsp:sp modelId="{FED377D3-BF2E-445E-8A6F-1697F7757437}">
+      <dsp:nvSpPr>
+        <dsp:cNvPr id="0" name=""/>
+        <dsp:cNvSpPr/>
+      </dsp:nvSpPr>
+      <dsp:spPr>
+        <a:xfrm>
+          <a:off x="5380002" y="3508498"/>
+          <a:ext cx="2444055" cy="1466433"/>
+        </a:xfrm>
+        <a:prstGeom prst="rect">
+          <a:avLst/>
+        </a:prstGeom>
+        <a:gradFill rotWithShape="0">
+          <a:gsLst>
+            <a:gs pos="0">
+              <a:schemeClr val="accent1">
+                <a:hueOff val="0"/>
+                <a:satOff val="0"/>
+                <a:lumOff val="0"/>
+                <a:alphaOff val="0"/>
+                <a:satMod val="103000"/>
+                <a:lumMod val="102000"/>
+                <a:tint val="94000"/>
+              </a:schemeClr>
+            </a:gs>
+            <a:gs pos="50000">
+              <a:schemeClr val="accent1">
+                <a:hueOff val="0"/>
+                <a:satOff val="0"/>
+                <a:lumOff val="0"/>
+                <a:alphaOff val="0"/>
+                <a:satMod val="110000"/>
+                <a:lumMod val="100000"/>
+                <a:shade val="100000"/>
+              </a:schemeClr>
+            </a:gs>
+            <a:gs pos="100000">
+              <a:schemeClr val="accent1">
+                <a:hueOff val="0"/>
+                <a:satOff val="0"/>
+                <a:lumOff val="0"/>
+                <a:alphaOff val="0"/>
+                <a:lumMod val="99000"/>
+                <a:satMod val="120000"/>
+                <a:shade val="78000"/>
+              </a:schemeClr>
+            </a:gs>
+          </a:gsLst>
+          <a:lin ang="5400000" scaled="0"/>
+        </a:gradFill>
+        <a:ln>
+          <a:noFill/>
+        </a:ln>
+        <a:effectLst>
+          <a:outerShdw blurRad="57150" dist="19050" dir="5400000" algn="ctr" rotWithShape="0">
+            <a:srgbClr val="000000">
+              <a:alpha val="63000"/>
+            </a:srgbClr>
+          </a:outerShdw>
+        </a:effectLst>
+      </dsp:spPr>
+      <dsp:style>
+        <a:lnRef idx="0">
+          <a:scrgbClr r="0" g="0" b="0"/>
+        </a:lnRef>
+        <a:fillRef idx="3">
+          <a:scrgbClr r="0" g="0" b="0"/>
+        </a:fillRef>
+        <a:effectRef idx="3">
+          <a:scrgbClr r="0" g="0" b="0"/>
+        </a:effectRef>
+        <a:fontRef idx="minor">
+          <a:schemeClr val="lt1"/>
+        </a:fontRef>
+      </dsp:style>
+      <dsp:txBody>
+        <a:bodyPr spcFirstLastPara="0" vert="horz" wrap="square" lIns="60960" tIns="60960" rIns="60960" bIns="60960" numCol="1" spcCol="1270" anchor="ctr" anchorCtr="0">
+          <a:noAutofit/>
+        </a:bodyPr>
+        <a:lstStyle/>
+        <a:p>
+          <a:pPr marL="0" lvl="0" indent="0" algn="ctr" defTabSz="711200">
+            <a:lnSpc>
+              <a:spcPct val="90000"/>
+            </a:lnSpc>
+            <a:spcBef>
+              <a:spcPct val="0"/>
+            </a:spcBef>
+            <a:spcAft>
+              <a:spcPct val="35000"/>
+            </a:spcAft>
+            <a:buNone/>
+          </a:pPr>
+          <a:r>
+            <a:rPr lang="ru-RU" sz="1600" kern="1200" dirty="0">
+              <a:latin typeface="Times New Roman" panose="02020603050405020304" pitchFamily="18" charset="0"/>
+              <a:cs typeface="Times New Roman" panose="02020603050405020304" pitchFamily="18" charset="0"/>
+            </a:rPr>
+            <a:t>Открытие </a:t>
+          </a:r>
+          <a:r>
+            <a:rPr lang="ru-RU" sz="1600" kern="1200" dirty="0" err="1">
+              <a:latin typeface="Times New Roman" panose="02020603050405020304" pitchFamily="18" charset="0"/>
+              <a:cs typeface="Times New Roman" panose="02020603050405020304" pitchFamily="18" charset="0"/>
+            </a:rPr>
+            <a:t>pdf</a:t>
+          </a:r>
+          <a:r>
+            <a:rPr lang="ru-RU" sz="1600" kern="1200" dirty="0">
+              <a:latin typeface="Times New Roman" panose="02020603050405020304" pitchFamily="18" charset="0"/>
+              <a:cs typeface="Times New Roman" panose="02020603050405020304" pitchFamily="18" charset="0"/>
+            </a:rPr>
+            <a:t> файла проданного билета для его печати или сохранения</a:t>
+          </a:r>
+        </a:p>
+      </dsp:txBody>
+      <dsp:txXfrm>
+        <a:off x="5380002" y="3508498"/>
+        <a:ext cx="2444055" cy="1466433"/>
+      </dsp:txXfrm>
+    </dsp:sp>
+  </dsp:spTree>
+</dsp:drawing>
+</file>
+
+<file path=ppt/diagrams/layout1.xml><?xml version="1.0" encoding="utf-8"?>
+<dgm:layoutDef xmlns:dgm="http://schemas.openxmlformats.org/drawingml/2006/diagram" xmlns:a="http://schemas.openxmlformats.org/drawingml/2006/main" uniqueId="urn:microsoft.com/office/officeart/2005/8/layout/default">
+  <dgm:title val=""/>
+  <dgm:desc val=""/>
+  <dgm:catLst>
+    <dgm:cat type="list" pri="400"/>
+  </dgm:catLst>
+  <dgm:sampData>
+    <dgm:dataModel>
+      <dgm:ptLst>
+        <dgm:pt modelId="0" type="doc"/>
+        <dgm:pt modelId="1">
+          <dgm:prSet phldr="1"/>
+        </dgm:pt>
+        <dgm:pt modelId="2">
+          <dgm:prSet phldr="1"/>
+        </dgm:pt>
+        <dgm:pt modelId="3">
+          <dgm:prSet phldr="1"/>
+        </dgm:pt>
+        <dgm:pt modelId="4">
+          <dgm:prSet phldr="1"/>
+        </dgm:pt>
+        <dgm:pt modelId="5">
+          <dgm:prSet phldr="1"/>
+        </dgm:pt>
+      </dgm:ptLst>
+      <dgm:cxnLst>
+        <dgm:cxn modelId="6" srcId="0" destId="1" srcOrd="0" destOrd="0"/>
+        <dgm:cxn modelId="7" srcId="0" destId="2" srcOrd="1" destOrd="0"/>
+        <dgm:cxn modelId="8" srcId="0" destId="3" srcOrd="2" destOrd="0"/>
+        <dgm:cxn modelId="9" srcId="0" destId="4" srcOrd="3" destOrd="0"/>
+        <dgm:cxn modelId="10" srcId="0" destId="5" srcOrd="4" destOrd="0"/>
+      </dgm:cxnLst>
+      <dgm:bg/>
+      <dgm:whole/>
+    </dgm:dataModel>
+  </dgm:sampData>
+  <dgm:styleData>
+    <dgm:dataModel>
+      <dgm:ptLst>
+        <dgm:pt modelId="0" type="doc"/>
+        <dgm:pt modelId="1"/>
+        <dgm:pt modelId="2"/>
+      </dgm:ptLst>
+      <dgm:cxnLst>
+        <dgm:cxn modelId="3" srcId="0" destId="1" srcOrd="0" destOrd="0"/>
+        <dgm:cxn modelId="4" srcId="0" destId="2" srcOrd="1" destOrd="0"/>
+      </dgm:cxnLst>
+      <dgm:bg/>
+      <dgm:whole/>
+    </dgm:dataModel>
+  </dgm:styleData>
+  <dgm:clrData>
+    <dgm:dataModel>
+      <dgm:ptLst>
+        <dgm:pt modelId="0" type="doc"/>
+        <dgm:pt modelId="1"/>
+        <dgm:pt modelId="2"/>
+        <dgm:pt modelId="3"/>
+        <dgm:pt modelId="4"/>
+        <dgm:pt modelId="5"/>
+        <dgm:pt modelId="6"/>
+      </dgm:ptLst>
+      <dgm:cxnLst>
+        <dgm:cxn modelId="7" srcId="0" destId="1" srcOrd="0" destOrd="0"/>
+        <dgm:cxn modelId="8" srcId="0" destId="2" srcOrd="1" destOrd="0"/>
+        <dgm:cxn modelId="9" srcId="0" destId="3" srcOrd="2" destOrd="0"/>
+        <dgm:cxn modelId="10" srcId="0" destId="4" srcOrd="3" destOrd="0"/>
+        <dgm:cxn modelId="11" srcId="0" destId="5" srcOrd="4" destOrd="0"/>
+        <dgm:cxn modelId="12" srcId="0" destId="6" srcOrd="5" destOrd="0"/>
+      </dgm:cxnLst>
+      <dgm:bg/>
+      <dgm:whole/>
+    </dgm:dataModel>
+  </dgm:clrData>
+  <dgm:layoutNode name="diagram">
+    <dgm:varLst>
+      <dgm:dir/>
+      <dgm:resizeHandles val="exact"/>
+    </dgm:varLst>
+    <dgm:choose name="Name0">
+      <dgm:if name="Name1" func="var" arg="dir" op="equ" val="norm">
+        <dgm:alg type="snake">
+          <dgm:param type="grDir" val="tL"/>
+          <dgm:param type="flowDir" val="row"/>
+          <dgm:param type="contDir" val="sameDir"/>
+          <dgm:param type="off" val="ctr"/>
+        </dgm:alg>
+      </dgm:if>
+      <dgm:else name="Name2">
+        <dgm:alg type="snake">
+          <dgm:param type="grDir" val="tR"/>
+          <dgm:param type="flowDir" val="row"/>
+          <dgm:param type="contDir" val="sameDir"/>
+          <dgm:param type="off" val="ctr"/>
+        </dgm:alg>
+      </dgm:else>
+    </dgm:choose>
+    <dgm:shape xmlns:r="http://schemas.openxmlformats.org/officeDocument/2006/relationships" r:blip="">
+      <dgm:adjLst/>
+    </dgm:shape>
+    <dgm:presOf/>
+    <dgm:constrLst>
+      <dgm:constr type="w" for="ch" forName="node" refType="w"/>
+      <dgm:constr type="h" for="ch" forName="node" refType="w" refFor="ch" refForName="node" fact="0.6"/>
+      <dgm:constr type="w" for="ch" forName="sibTrans" refType="w" refFor="ch" refForName="node" fact="0.1"/>
+      <dgm:constr type="sp" refType="w" refFor="ch" refForName="sibTrans"/>
+      <dgm:constr type="primFontSz" for="ch" forName="node" op="equ" val="65"/>
+    </dgm:constrLst>
+    <dgm:ruleLst/>
+    <dgm:forEach name="Name3" axis="ch" ptType="node">
+      <dgm:layoutNode name="node">
+        <dgm:varLst>
+          <dgm:bulletEnabled val="1"/>
+        </dgm:varLst>
+        <dgm:alg type="tx"/>
+        <dgm:shape xmlns:r="http://schemas.openxmlformats.org/officeDocument/2006/relationships" type="rect" r:blip="">
+          <dgm:adjLst/>
+        </dgm:shape>
+        <dgm:presOf axis="desOrSelf" ptType="node"/>
+        <dgm:constrLst>
+          <dgm:constr type="lMarg" refType="primFontSz" fact="0.3"/>
+          <dgm:constr type="rMarg" refType="primFontSz" fact="0.3"/>
+          <dgm:constr type="tMarg" refType="primFontSz" fact="0.3"/>
+          <dgm:constr type="bMarg" refType="primFontSz" fact="0.3"/>
+        </dgm:constrLst>
+        <dgm:ruleLst>
+          <dgm:rule type="primFontSz" val="5" fact="NaN" max="NaN"/>
+        </dgm:ruleLst>
+      </dgm:layoutNode>
+      <dgm:forEach name="Name4" axis="followSib" ptType="sibTrans" cnt="1">
+        <dgm:layoutNode name="sibTrans">
+          <dgm:alg type="sp"/>
+          <dgm:shape xmlns:r="http://schemas.openxmlformats.org/officeDocument/2006/relationships" r:blip="">
+            <dgm:adjLst/>
+          </dgm:shape>
+          <dgm:presOf/>
+          <dgm:constrLst/>
+          <dgm:ruleLst/>
+        </dgm:layoutNode>
+      </dgm:forEach>
+    </dgm:forEach>
+  </dgm:layoutNode>
+</dgm:layoutDef>
+</file>
+
+<file path=ppt/diagrams/quickStyle1.xml><?xml version="1.0" encoding="utf-8"?>
+<dgm:styleDef xmlns:dgm="http://schemas.openxmlformats.org/drawingml/2006/diagram" xmlns:a="http://schemas.openxmlformats.org/drawingml/2006/main" uniqueId="urn:microsoft.com/office/officeart/2005/8/quickstyle/simple5">
+  <dgm:title val=""/>
+  <dgm:desc val=""/>
+  <dgm:catLst>
+    <dgm:cat type="simple" pri="10500"/>
+  </dgm:catLst>
+  <dgm:scene3d>
+    <a:camera prst="orthographicFront"/>
+    <a:lightRig rig="threePt" dir="t"/>
+  </dgm:scene3d>
+  <dgm:styleLbl name="node0">
+    <dgm:scene3d>
+      <a:camera prst="orthographicFront"/>
+      <a:lightRig rig="threePt" dir="t"/>
+    </dgm:scene3d>
+    <dgm:sp3d/>
+    <dgm:txPr/>
+    <dgm:style>
+      <a:lnRef idx="0">
+        <a:scrgbClr r="0" g="0" b="0"/>
+      </a:lnRef>
+      <a:fillRef idx="3">
+        <a:scrgbClr r="0" g="0" b="0"/>
+      </a:fillRef>
+      <a:effectRef idx="3">
+        <a:scrgbClr r="0" g="0" b="0"/>
+      </a:effectRef>
+      <a:fontRef idx="minor">
+        <a:schemeClr val="lt1"/>
+      </a:fontRef>
+    </dgm:style>
+  </dgm:styleLbl>
+  <dgm:styleLbl name="lnNode1">
+    <dgm:scene3d>
+      <a:camera prst="orthographicFront"/>
+      <a:lightRig rig="threePt" dir="t"/>
+    </dgm:scene3d>
+    <dgm:sp3d/>
+    <dgm:txPr/>
+    <dgm:style>
+      <a:lnRef idx="0">
+        <a:scrgbClr r="0" g="0" b="0"/>
+      </a:lnRef>
+      <a:fillRef idx="3">
+        <a:scrgbClr r="0" g="0" b="0"/>
+      </a:fillRef>
+      <a:effectRef idx="3">
+        <a:scrgbClr r="0" g="0" b="0"/>
+      </a:effectRef>
+      <a:fontRef idx="minor">
+        <a:schemeClr val="lt1"/>
+      </a:fontRef>
+    </dgm:style>
+  </dgm:styleLbl>
+  <dgm:styleLbl name="vennNode1">
+    <dgm:scene3d>
+      <a:camera prst="orthographicFront"/>
+      <a:lightRig rig="threePt" dir="t"/>
+    </dgm:scene3d>
+    <dgm:sp3d/>
+    <dgm:txPr/>
+    <dgm:style>
+      <a:lnRef idx="0">
+        <a:scrgbClr r="0" g="0" b="0"/>
+      </a:lnRef>
+      <a:fillRef idx="3">
+        <a:scrgbClr r="0" g="0" b="0"/>
+      </a:fillRef>
+      <a:effectRef idx="3">
+        <a:scrgbClr r="0" g="0" b="0"/>
+      </a:effectRef>
+      <a:fontRef idx="minor">
+        <a:schemeClr val="tx1"/>
+      </a:fontRef>
+    </dgm:style>
+  </dgm:styleLbl>
+  <dgm:styleLbl name="alignNode1">
+    <dgm:scene3d>
+      <a:camera prst="orthographicFront"/>
+      <a:lightRig rig="threePt" dir="t"/>
+    </dgm:scene3d>
+    <dgm:sp3d/>
+    <dgm:txPr/>
+    <dgm:style>
+      <a:lnRef idx="1">
+        <a:scrgbClr r="0" g="0" b="0"/>
+      </a:lnRef>
+      <a:fillRef idx="3">
+        <a:scrgbClr r="0" g="0" b="0"/>
+      </a:fillRef>
+      <a:effectRef idx="3">
+        <a:scrgbClr r="0" g="0" b="0"/>
+      </a:effectRef>
+      <a:fontRef idx="minor">
+        <a:schemeClr val="lt1"/>
+      </a:fontRef>
+    </dgm:style>
+  </dgm:styleLbl>
+  <dgm:styleLbl name="node1">
+    <dgm:scene3d>
+      <a:camera prst="orthographicFront"/>
+      <a:lightRig rig="threePt" dir="t"/>
+    </dgm:scene3d>
+    <dgm:sp3d/>
+    <dgm:txPr/>
+    <dgm:style>
+      <a:lnRef idx="0">
+        <a:scrgbClr r="0" g="0" b="0"/>
+      </a:lnRef>
+      <a:fillRef idx="3">
+        <a:scrgbClr r="0" g="0" b="0"/>
+      </a:fillRef>
+      <a:effectRef idx="3">
+        <a:scrgbClr r="0" g="0" b="0"/>
+      </a:effectRef>
+      <a:fontRef idx="minor">
+        <a:schemeClr val="lt1"/>
+      </a:fontRef>
+    </dgm:style>
+  </dgm:styleLbl>
+  <dgm:styleLbl name="node2">
+    <dgm:scene3d>
+      <a:camera prst="orthographicFront"/>
+      <a:lightRig rig="threePt" dir="t"/>
+    </dgm:scene3d>
+    <dgm:sp3d/>
+    <dgm:txPr/>
+    <dgm:style>
+      <a:lnRef idx="0">
+        <a:scrgbClr r="0" g="0" b="0"/>
+      </a:lnRef>
+      <a:fillRef idx="3">
+        <a:scrgbClr r="0" g="0" b="0"/>
+      </a:fillRef>
+      <a:effectRef idx="3">
+        <a:scrgbClr r="0" g="0" b="0"/>
+      </a:effectRef>
+      <a:fontRef idx="minor">
+        <a:schemeClr val="lt1"/>
+      </a:fontRef>
+    </dgm:style>
+  </dgm:styleLbl>
+  <dgm:styleLbl name="node3">
+    <dgm:scene3d>
+      <a:camera prst="orthographicFront"/>
+      <a:lightRig rig="threePt" dir="t"/>
+    </dgm:scene3d>
+    <dgm:sp3d/>
+    <dgm:txPr/>
+    <dgm:style>
+      <a:lnRef idx="0">
+        <a:scrgbClr r="0" g="0" b="0"/>
+      </a:lnRef>
+      <a:fillRef idx="3">
+        <a:scrgbClr r="0" g="0" b="0"/>
+      </a:fillRef>
+      <a:effectRef idx="3">
+        <a:scrgbClr r="0" g="0" b="0"/>
+      </a:effectRef>
+      <a:fontRef idx="minor">
+        <a:schemeClr val="lt1"/>
+      </a:fontRef>
+    </dgm:style>
+  </dgm:styleLbl>
+  <dgm:styleLbl name="node4">
+    <dgm:scene3d>
+      <a:camera prst="orthographicFront"/>
+      <a:lightRig rig="threePt" dir="t"/>
+    </dgm:scene3d>
+    <dgm:sp3d/>
+    <dgm:txPr/>
+    <dgm:style>
+      <a:lnRef idx="0">
+        <a:scrgbClr r="0" g="0" b="0"/>
+      </a:lnRef>
+      <a:fillRef idx="3">
+        <a:scrgbClr r="0" g="0" b="0"/>
+      </a:fillRef>
+      <a:effectRef idx="3">
+        <a:scrgbClr r="0" g="0" b="0"/>
+      </a:effectRef>
+      <a:fontRef idx="minor">
+        <a:schemeClr val="lt1"/>
+      </a:fontRef>
+    </dgm:style>
+  </dgm:styleLbl>
+  <dgm:styleLbl name="fgImgPlace1">
+    <dgm:scene3d>
+      <a:camera prst="orthographicFront"/>
+      <a:lightRig rig="threePt" dir="t"/>
+    </dgm:scene3d>
+    <dgm:sp3d/>
+    <dgm:txPr/>
+    <dgm:style>
+      <a:lnRef idx="0">
+        <a:scrgbClr r="0" g="0" b="0"/>
+      </a:lnRef>
+      <a:fillRef idx="1">
+        <a:scrgbClr r="0" g="0" b="0"/>
+      </a:fillRef>
+      <a:effectRef idx="3">
+        <a:scrgbClr r="0" g="0" b="0"/>
+      </a:effectRef>
+      <a:fontRef idx="minor"/>
+    </dgm:style>
+  </dgm:styleLbl>
+  <dgm:styleLbl name="alignImgPlace1">
+    <dgm:scene3d>
+      <a:camera prst="orthographicFront"/>
+      <a:lightRig rig="threePt" dir="t"/>
+    </dgm:scene3d>
+    <dgm:sp3d/>
+    <dgm:txPr/>
+    <dgm:style>
+      <a:lnRef idx="0">
+        <a:scrgbClr r="0" g="0" b="0"/>
+      </a:lnRef>
+      <a:fillRef idx="1">
+        <a:scrgbClr r="0" g="0" b="0"/>
+      </a:fillRef>
+      <a:effectRef idx="3">
+        <a:scrgbClr r="0" g="0" b="0"/>
+      </a:effectRef>
+      <a:fontRef idx="minor"/>
+    </dgm:style>
+  </dgm:styleLbl>
+  <dgm:styleLbl name="bgImgPlace1">
+    <dgm:scene3d>
+      <a:camera prst="orthographicFront"/>
+      <a:lightRig rig="threePt" dir="t"/>
+    </dgm:scene3d>
+    <dgm:sp3d/>
+    <dgm:txPr/>
+    <dgm:style>
+      <a:lnRef idx="0">
+        <a:scrgbClr r="0" g="0" b="0"/>
+      </a:lnRef>
+      <a:fillRef idx="1">
+        <a:scrgbClr r="0" g="0" b="0"/>
+      </a:fillRef>
+      <a:effectRef idx="3">
+        <a:scrgbClr r="0" g="0" b="0"/>
+      </a:effectRef>
+      <a:fontRef idx="minor"/>
+    </dgm:style>
+  </dgm:styleLbl>
+  <dgm:styleLbl name="sibTrans2D1">
+    <dgm:scene3d>
+      <a:camera prst="orthographicFront"/>
+      <a:lightRig rig="threePt" dir="t"/>
+    </dgm:scene3d>
+    <dgm:sp3d/>
+    <dgm:txPr/>
+    <dgm:style>
+      <a:lnRef idx="0">
+        <a:scrgbClr r="0" g="0" b="0"/>
+      </a:lnRef>
+      <a:fillRef idx="3">
+        <a:scrgbClr r="0" g="0" b="0"/>
+      </a:fillRef>
+      <a:effectRef idx="3">
+        <a:scrgbClr r="0" g="0" b="0"/>
+      </a:effectRef>
+      <a:fontRef idx="minor">
+        <a:schemeClr val="lt1"/>
+      </a:fontRef>
+    </dgm:style>
+  </dgm:styleLbl>
+  <dgm:styleLbl name="fgSibTrans2D1">
+    <dgm:scene3d>
+      <a:camera prst="orthographicFront"/>
+      <a:lightRig rig="threePt" dir="t"/>
+    </dgm:scene3d>
+    <dgm:sp3d/>
+    <dgm:txPr/>
+    <dgm:style>
+      <a:lnRef idx="0">
+        <a:scrgbClr r="0" g="0" b="0"/>
+      </a:lnRef>
+      <a:fillRef idx="3">
+        <a:scrgbClr r="0" g="0" b="0"/>
+      </a:fillRef>
+      <a:effectRef idx="3">
+        <a:scrgbClr r="0" g="0" b="0"/>
+      </a:effectRef>
+      <a:fontRef idx="minor">
+        <a:schemeClr val="lt1"/>
+      </a:fontRef>
+    </dgm:style>
+  </dgm:styleLbl>
+  <dgm:styleLbl name="bgSibTrans2D1">
+    <dgm:scene3d>
+      <a:camera prst="orthographicFront"/>
+      <a:lightRig rig="threePt" dir="t"/>
+    </dgm:scene3d>
+    <dgm:sp3d/>
+    <dgm:txPr/>
+    <dgm:style>
+      <a:lnRef idx="0">
+        <a:scrgbClr r="0" g="0" b="0"/>
+      </a:lnRef>
+      <a:fillRef idx="3">
+        <a:scrgbClr r="0" g="0" b="0"/>
+      </a:fillRef>
+      <a:effectRef idx="3">
+        <a:scrgbClr r="0" g="0" b="0"/>
+      </a:effectRef>
+      <a:fontRef idx="minor">
+        <a:schemeClr val="lt1"/>
+      </a:fontRef>
+    </dgm:style>
+  </dgm:styleLbl>
+  <dgm:styleLbl name="sibTrans1D1">
+    <dgm:scene3d>
+      <a:camera prst="orthographicFront"/>
+      <a:lightRig rig="threePt" dir="t"/>
+    </dgm:scene3d>
+    <dgm:sp3d/>
+    <dgm:txPr/>
+    <dgm:style>
+      <a:lnRef idx="1">
+        <a:scrgbClr r="0" g="0" b="0"/>
+      </a:lnRef>
+      <a:fillRef idx="0">
+        <a:scrgbClr r="0" g="0" b="0"/>
+      </a:fillRef>
+      <a:effectRef idx="0">
+        <a:scrgbClr r="0" g="0" b="0"/>
+      </a:effectRef>
+      <a:fontRef idx="minor"/>
+    </dgm:style>
+  </dgm:styleLbl>
+  <dgm:styleLbl name="callout">
+    <dgm:scene3d>
+      <a:camera prst="orthographicFront"/>
+      <a:lightRig rig="threePt" dir="t"/>
+    </dgm:scene3d>
+    <dgm:sp3d/>
+    <dgm:txPr/>
+    <dgm:style>
+      <a:lnRef idx="1">
+        <a:scrgbClr r="0" g="0" b="0"/>
+      </a:lnRef>
+      <a:fillRef idx="0">
+        <a:scrgbClr r="0" g="0" b="0"/>
+      </a:fillRef>
+      <a:effectRef idx="1">
+        <a:scrgbClr r="0" g="0" b="0"/>
+      </a:effectRef>
+      <a:fontRef idx="minor"/>
+    </dgm:style>
+  </dgm:styleLbl>
+  <dgm:styleLbl name="asst0">
+    <dgm:scene3d>
+      <a:camera prst="orthographicFront"/>
+      <a:lightRig rig="threePt" dir="t"/>
+    </dgm:scene3d>
+    <dgm:sp3d/>
+    <dgm:txPr/>
+    <dgm:style>
+      <a:lnRef idx="0">
+        <a:scrgbClr r="0" g="0" b="0"/>
+      </a:lnRef>
+      <a:fillRef idx="3">
+        <a:scrgbClr r="0" g="0" b="0"/>
+      </a:fillRef>
+      <a:effectRef idx="3">
+        <a:scrgbClr r="0" g="0" b="0"/>
+      </a:effectRef>
+      <a:fontRef idx="minor">
+        <a:schemeClr val="lt1"/>
+      </a:fontRef>
+    </dgm:style>
+  </dgm:styleLbl>
+  <dgm:styleLbl name="asst1">
+    <dgm:scene3d>
+      <a:camera prst="orthographicFront"/>
+      <a:lightRig rig="threePt" dir="t"/>
+    </dgm:scene3d>
+    <dgm:sp3d/>
+    <dgm:txPr/>
+    <dgm:style>
+      <a:lnRef idx="0">
+        <a:scrgbClr r="0" g="0" b="0"/>
+      </a:lnRef>
+      <a:fillRef idx="3">
+        <a:scrgbClr r="0" g="0" b="0"/>
+      </a:fillRef>
+      <a:effectRef idx="3">
+        <a:scrgbClr r="0" g="0" b="0"/>
+      </a:effectRef>
+      <a:fontRef idx="minor">
+        <a:schemeClr val="lt1"/>
+      </a:fontRef>
+    </dgm:style>
+  </dgm:styleLbl>
+  <dgm:styleLbl name="asst2">
+    <dgm:scene3d>
+      <a:camera prst="orthographicFront"/>
+      <a:lightRig rig="threePt" dir="t"/>
+    </dgm:scene3d>
+    <dgm:sp3d/>
+    <dgm:txPr/>
+    <dgm:style>
+      <a:lnRef idx="0">
+        <a:scrgbClr r="0" g="0" b="0"/>
+      </a:lnRef>
+      <a:fillRef idx="3">
+        <a:scrgbClr r="0" g="0" b="0"/>
+      </a:fillRef>
+      <a:effectRef idx="3">
+        <a:scrgbClr r="0" g="0" b="0"/>
+      </a:effectRef>
+      <a:fontRef idx="minor">
+        <a:schemeClr val="lt1"/>
+      </a:fontRef>
+    </dgm:style>
+  </dgm:styleLbl>
+  <dgm:styleLbl name="asst3">
+    <dgm:scene3d>
+      <a:camera prst="orthographicFront"/>
+      <a:lightRig rig="threePt" dir="t"/>
+    </dgm:scene3d>
+    <dgm:sp3d/>
+    <dgm:txPr/>
+    <dgm:style>
+      <a:lnRef idx="0">
+        <a:scrgbClr r="0" g="0" b="0"/>
+      </a:lnRef>
+      <a:fillRef idx="3">
+        <a:scrgbClr r="0" g="0" b="0"/>
+      </a:fillRef>
+      <a:effectRef idx="3">
+        <a:scrgbClr r="0" g="0" b="0"/>
+      </a:effectRef>
+      <a:fontRef idx="minor">
+        <a:schemeClr val="lt1"/>
+      </a:fontRef>
+    </dgm:style>
+  </dgm:styleLbl>
+  <dgm:styleLbl name="asst4">
+    <dgm:scene3d>
+      <a:camera prst="orthographicFront"/>
+      <a:lightRig rig="threePt" dir="t"/>
+    </dgm:scene3d>
+    <dgm:sp3d/>
+    <dgm:txPr/>
+    <dgm:style>
+      <a:lnRef idx="0">
+        <a:scrgbClr r="0" g="0" b="0"/>
+      </a:lnRef>
+      <a:fillRef idx="3">
+        <a:scrgbClr r="0" g="0" b="0"/>
+      </a:fillRef>
+      <a:effectRef idx="3">
+        <a:scrgbClr r="0" g="0" b="0"/>
+      </a:effectRef>
+      <a:fontRef idx="minor">
+        <a:schemeClr val="lt1"/>
+      </a:fontRef>
+    </dgm:style>
+  </dgm:styleLbl>
+  <dgm:styleLbl name="parChTrans2D1">
+    <dgm:scene3d>
+      <a:camera prst="orthographicFront"/>
+      <a:lightRig rig="threePt" dir="t"/>
+    </dgm:scene3d>
+    <dgm:sp3d/>
+    <dgm:txPr/>
+    <dgm:style>
+      <a:lnRef idx="0">
+        <a:scrgbClr r="0" g="0" b="0"/>
+      </a:lnRef>
+      <a:fillRef idx="3">
+        <a:scrgbClr r="0" g="0" b="0"/>
+      </a:fillRef>
+      <a:effectRef idx="3">
+        <a:scrgbClr r="0" g="0" b="0"/>
+      </a:effectRef>
+      <a:fontRef idx="minor">
+        <a:schemeClr val="lt1"/>
+      </a:fontRef>
+    </dgm:style>
+  </dgm:styleLbl>
+  <dgm:styleLbl name="parChTrans2D2">
+    <dgm:scene3d>
+      <a:camera prst="orthographicFront"/>
+      <a:lightRig rig="threePt" dir="t"/>
+    </dgm:scene3d>
+    <dgm:sp3d/>
+    <dgm:txPr/>
+    <dgm:style>
+      <a:lnRef idx="0">
+        <a:scrgbClr r="0" g="0" b="0"/>
+      </a:lnRef>
+      <a:fillRef idx="3">
+        <a:scrgbClr r="0" g="0" b="0"/>
+      </a:fillRef>
+      <a:effectRef idx="3">
+        <a:scrgbClr r="0" g="0" b="0"/>
+      </a:effectRef>
+      <a:fontRef idx="minor">
+        <a:schemeClr val="lt1"/>
+      </a:fontRef>
+    </dgm:style>
+  </dgm:styleLbl>
+  <dgm:styleLbl name="parChTrans2D3">
+    <dgm:scene3d>
+      <a:camera prst="orthographicFront"/>
+      <a:lightRig rig="threePt" dir="t"/>
+    </dgm:scene3d>
+    <dgm:sp3d/>
+    <dgm:txPr/>
+    <dgm:style>
+      <a:lnRef idx="0">
+        <a:scrgbClr r="0" g="0" b="0"/>
+      </a:lnRef>
+      <a:fillRef idx="3">
+        <a:scrgbClr r="0" g="0" b="0"/>
+      </a:fillRef>
+      <a:effectRef idx="3">
+        <a:scrgbClr r="0" g="0" b="0"/>
+      </a:effectRef>
+      <a:fontRef idx="minor">
+        <a:schemeClr val="lt1"/>
+      </a:fontRef>
+    </dgm:style>
+  </dgm:styleLbl>
+  <dgm:styleLbl name="parChTrans2D4">
+    <dgm:scene3d>
+      <a:camera prst="orthographicFront"/>
+      <a:lightRig rig="threePt" dir="t"/>
+    </dgm:scene3d>
+    <dgm:sp3d/>
+    <dgm:txPr/>
+    <dgm:style>
+      <a:lnRef idx="0">
+        <a:scrgbClr r="0" g="0" b="0"/>
+      </a:lnRef>
+      <a:fillRef idx="3">
+        <a:scrgbClr r="0" g="0" b="0"/>
+      </a:fillRef>
+      <a:effectRef idx="3">
+        <a:scrgbClr r="0" g="0" b="0"/>
+      </a:effectRef>
+      <a:fontRef idx="minor">
+        <a:schemeClr val="lt1"/>
+      </a:fontRef>
+    </dgm:style>
+  </dgm:styleLbl>
+  <dgm:styleLbl name="parChTrans1D1">
+    <dgm:scene3d>
+      <a:camera prst="orthographicFront"/>
+      <a:lightRig rig="threePt" dir="t"/>
+    </dgm:scene3d>
+    <dgm:sp3d/>
+    <dgm:txPr/>
+    <dgm:style>
+      <a:lnRef idx="2">
+        <a:scrgbClr r="0" g="0" b="0"/>
+      </a:lnRef>
+      <a:fillRef idx="0">
+        <a:scrgbClr r="0" g="0" b="0"/>
+      </a:fillRef>
+      <a:effectRef idx="0">
+        <a:scrgbClr r="0" g="0" b="0"/>
+      </a:effectRef>
+      <a:fontRef idx="minor"/>
+    </dgm:style>
+  </dgm:styleLbl>
+  <dgm:styleLbl name="parChTrans1D2">
+    <dgm:scene3d>
+      <a:camera prst="orthographicFront"/>
+      <a:lightRig rig="threePt" dir="t"/>
+    </dgm:scene3d>
+    <dgm:sp3d/>
+    <dgm:txPr/>
+    <dgm:style>
+      <a:lnRef idx="2">
+        <a:scrgbClr r="0" g="0" b="0"/>
+      </a:lnRef>
+      <a:fillRef idx="0">
+        <a:scrgbClr r="0" g="0" b="0"/>
+      </a:fillRef>
+      <a:effectRef idx="0">
+        <a:scrgbClr r="0" g="0" b="0"/>
+      </a:effectRef>
+      <a:fontRef idx="minor"/>
+    </dgm:style>
+  </dgm:styleLbl>
+  <dgm:styleLbl name="parChTrans1D3">
+    <dgm:scene3d>
+      <a:camera prst="orthographicFront"/>
+      <a:lightRig rig="threePt" dir="t"/>
+    </dgm:scene3d>
+    <dgm:sp3d/>
+    <dgm:txPr/>
+    <dgm:style>
+      <a:lnRef idx="2">
+        <a:scrgbClr r="0" g="0" b="0"/>
+      </a:lnRef>
+      <a:fillRef idx="0">
+        <a:scrgbClr r="0" g="0" b="0"/>
+      </a:fillRef>
+      <a:effectRef idx="0">
+        <a:scrgbClr r="0" g="0" b="0"/>
+      </a:effectRef>
+      <a:fontRef idx="minor"/>
+    </dgm:style>
+  </dgm:styleLbl>
+  <dgm:styleLbl name="parChTrans1D4">
+    <dgm:scene3d>
+      <a:camera prst="orthographicFront"/>
+      <a:lightRig rig="threePt" dir="t"/>
+    </dgm:scene3d>
+    <dgm:sp3d/>
+    <dgm:txPr/>
+    <dgm:style>
+      <a:lnRef idx="2">
+        <a:scrgbClr r="0" g="0" b="0"/>
+      </a:lnRef>
+      <a:fillRef idx="0">
+        <a:scrgbClr r="0" g="0" b="0"/>
+      </a:fillRef>
+      <a:effectRef idx="0">
+        <a:scrgbClr r="0" g="0" b="0"/>
+      </a:effectRef>
+      <a:fontRef idx="minor"/>
+    </dgm:style>
+  </dgm:styleLbl>
+  <dgm:styleLbl name="fgAcc1">
+    <dgm:scene3d>
+      <a:camera prst="orthographicFront"/>
+      <a:lightRig rig="threePt" dir="t"/>
+    </dgm:scene3d>
+    <dgm:sp3d/>
+    <dgm:txPr/>
+    <dgm:style>
+      <a:lnRef idx="1">
+        <a:scrgbClr r="0" g="0" b="0"/>
+      </a:lnRef>
+      <a:fillRef idx="1">
+        <a:scrgbClr r="0" g="0" b="0"/>
+      </a:fillRef>
+      <a:effectRef idx="2">
+        <a:scrgbClr r="0" g="0" b="0"/>
+      </a:effectRef>
+      <a:fontRef idx="minor"/>
+    </dgm:style>
+  </dgm:styleLbl>
+  <dgm:styleLbl name="conFgAcc1">
+    <dgm:scene3d>
+      <a:camera prst="orthographicFront"/>
+      <a:lightRig rig="threePt" dir="t"/>
+    </dgm:scene3d>
+    <dgm:sp3d/>
+    <dgm:txPr/>
+    <dgm:style>
+      <a:lnRef idx="1">
+        <a:scrgbClr r="0" g="0" b="0"/>
+      </a:lnRef>
+      <a:fillRef idx="1">
+        <a:scrgbClr r="0" g="0" b="0"/>
+      </a:fillRef>
+      <a:effectRef idx="2">
+        <a:scrgbClr r="0" g="0" b="0"/>
+      </a:effectRef>
+      <a:fontRef idx="minor"/>
+    </dgm:style>
+  </dgm:styleLbl>
+  <dgm:styleLbl name="alignAcc1">
+    <dgm:scene3d>
+      <a:camera prst="orthographicFront"/>
+      <a:lightRig rig="threePt" dir="t"/>
+    </dgm:scene3d>
+    <dgm:sp3d/>
+    <dgm:txPr/>
+    <dgm:style>
+      <a:lnRef idx="1">
+        <a:scrgbClr r="0" g="0" b="0"/>
+      </a:lnRef>
+      <a:fillRef idx="1">
+        <a:scrgbClr r="0" g="0" b="0"/>
+      </a:fillRef>
+      <a:effectRef idx="2">
+        <a:scrgbClr r="0" g="0" b="0"/>
+      </a:effectRef>
+      <a:fontRef idx="minor"/>
+    </dgm:style>
+  </dgm:styleLbl>
+  <dgm:styleLbl name="trAlignAcc1">
+    <dgm:scene3d>
+      <a:camera prst="orthographicFront"/>
+      <a:lightRig rig="threePt" dir="t"/>
+    </dgm:scene3d>
+    <dgm:sp3d/>
+    <dgm:txPr/>
+    <dgm:style>
+      <a:lnRef idx="1">
+        <a:scrgbClr r="0" g="0" b="0"/>
+      </a:lnRef>
+      <a:fillRef idx="1">
+        <a:scrgbClr r="0" g="0" b="0"/>
+      </a:fillRef>
+      <a:effectRef idx="0">
+        <a:scrgbClr r="0" g="0" b="0"/>
+      </a:effectRef>
+      <a:fontRef idx="minor"/>
+    </dgm:style>
+  </dgm:styleLbl>
+  <dgm:styleLbl name="bgAcc1">
+    <dgm:scene3d>
+      <a:camera prst="orthographicFront"/>
+      <a:lightRig rig="threePt" dir="t"/>
+    </dgm:scene3d>
+    <dgm:sp3d/>
+    <dgm:txPr/>
+    <dgm:style>
+      <a:lnRef idx="1">
+        <a:scrgbClr r="0" g="0" b="0"/>
+      </a:lnRef>
+      <a:fillRef idx="1">
+        <a:scrgbClr r="0" g="0" b="0"/>
+      </a:fillRef>
+      <a:effectRef idx="2">
+        <a:scrgbClr r="0" g="0" b="0"/>
+      </a:effectRef>
+      <a:fontRef idx="minor"/>
+    </dgm:style>
+  </dgm:styleLbl>
+  <dgm:styleLbl name="solidFgAcc1">
+    <dgm:scene3d>
+      <a:camera prst="orthographicFront"/>
+      <a:lightRig rig="threePt" dir="t"/>
+    </dgm:scene3d>
+    <dgm:sp3d/>
+    <dgm:txPr/>
+    <dgm:style>
+      <a:lnRef idx="1">
+        <a:scrgbClr r="0" g="0" b="0"/>
+      </a:lnRef>
+      <a:fillRef idx="1">
+        <a:scrgbClr r="0" g="0" b="0"/>
+      </a:fillRef>
+      <a:effectRef idx="2">
+        <a:scrgbClr r="0" g="0" b="0"/>
+      </a:effectRef>
+      <a:fontRef idx="minor"/>
+    </dgm:style>
+  </dgm:styleLbl>
+  <dgm:styleLbl name="solidAlignAcc1">
+    <dgm:scene3d>
+      <a:camera prst="orthographicFront"/>
+      <a:lightRig rig="threePt" dir="t"/>
+    </dgm:scene3d>
+    <dgm:sp3d/>
+    <dgm:txPr/>
+    <dgm:style>
+      <a:lnRef idx="1">
+        <a:scrgbClr r="0" g="0" b="0"/>
+      </a:lnRef>
+      <a:fillRef idx="1">
+        <a:scrgbClr r="0" g="0" b="0"/>
+      </a:fillRef>
+      <a:effectRef idx="3">
+        <a:scrgbClr r="0" g="0" b="0"/>
+      </a:effectRef>
+      <a:fontRef idx="minor"/>
+    </dgm:style>
+  </dgm:styleLbl>
+  <dgm:styleLbl name="solidBgAcc1">
+    <dgm:scene3d>
+      <a:camera prst="orthographicFront"/>
+      <a:lightRig rig="threePt" dir="t"/>
+    </dgm:scene3d>
+    <dgm:sp3d/>
+    <dgm:txPr/>
+    <dgm:style>
+      <a:lnRef idx="1">
+        <a:scrgbClr r="0" g="0" b="0"/>
+      </a:lnRef>
+      <a:fillRef idx="1">
+        <a:scrgbClr r="0" g="0" b="0"/>
+      </a:fillRef>
+      <a:effectRef idx="3">
+        <a:scrgbClr r="0" g="0" b="0"/>
+      </a:effectRef>
+      <a:fontRef idx="minor"/>
+    </dgm:style>
+  </dgm:styleLbl>
+  <dgm:styleLbl name="fgAccFollowNode1">
+    <dgm:scene3d>
+      <a:camera prst="orthographicFront"/>
+      <a:lightRig rig="threePt" dir="t"/>
+    </dgm:scene3d>
+    <dgm:sp3d/>
+    <dgm:txPr/>
+    <dgm:style>
+      <a:lnRef idx="1">
+        <a:scrgbClr r="0" g="0" b="0"/>
+      </a:lnRef>
+      <a:fillRef idx="1">
+        <a:scrgbClr r="0" g="0" b="0"/>
+      </a:fillRef>
+      <a:effectRef idx="2">
+        <a:scrgbClr r="0" g="0" b="0"/>
+      </a:effectRef>
+      <a:fontRef idx="minor"/>
+    </dgm:style>
+  </dgm:styleLbl>
+  <dgm:styleLbl name="alignAccFollowNode1">
+    <dgm:scene3d>
+      <a:camera prst="orthographicFront"/>
+      <a:lightRig rig="threePt" dir="t"/>
+    </dgm:scene3d>
+    <dgm:sp3d/>
+    <dgm:txPr/>
+    <dgm:style>
+      <a:lnRef idx="1">
+        <a:scrgbClr r="0" g="0" b="0"/>
+      </a:lnRef>
+      <a:fillRef idx="1">
+        <a:scrgbClr r="0" g="0" b="0"/>
+      </a:fillRef>
+      <a:effectRef idx="2">
+        <a:scrgbClr r="0" g="0" b="0"/>
+      </a:effectRef>
+      <a:fontRef idx="minor"/>
+    </dgm:style>
+  </dgm:styleLbl>
+  <dgm:styleLbl name="bgAccFollowNode1">
+    <dgm:scene3d>
+      <a:camera prst="orthographicFront"/>
+      <a:lightRig rig="threePt" dir="t"/>
+    </dgm:scene3d>
+    <dgm:sp3d/>
+    <dgm:txPr/>
+    <dgm:style>
+      <a:lnRef idx="1">
+        <a:scrgbClr r="0" g="0" b="0"/>
+      </a:lnRef>
+      <a:fillRef idx="1">
+        <a:scrgbClr r="0" g="0" b="0"/>
+      </a:fillRef>
+      <a:effectRef idx="2">
+        <a:scrgbClr r="0" g="0" b="0"/>
+      </a:effectRef>
+      <a:fontRef idx="minor"/>
+    </dgm:style>
+  </dgm:styleLbl>
+  <dgm:styleLbl name="fgAcc0">
+    <dgm:scene3d>
+      <a:camera prst="orthographicFront"/>
+      <a:lightRig rig="threePt" dir="t"/>
+    </dgm:scene3d>
+    <dgm:sp3d/>
+    <dgm:txPr/>
+    <dgm:style>
+      <a:lnRef idx="1">
+        <a:scrgbClr r="0" g="0" b="0"/>
+      </a:lnRef>
+      <a:fillRef idx="1">
+        <a:scrgbClr r="0" g="0" b="0"/>
+      </a:fillRef>
+      <a:effectRef idx="2">
+        <a:scrgbClr r="0" g="0" b="0"/>
+      </a:effectRef>
+      <a:fontRef idx="minor"/>
+    </dgm:style>
+  </dgm:styleLbl>
+  <dgm:styleLbl name="fgAcc2">
+    <dgm:scene3d>
+      <a:camera prst="orthographicFront"/>
+      <a:lightRig rig="threePt" dir="t"/>
+    </dgm:scene3d>
+    <dgm:sp3d/>
+    <dgm:txPr/>
+    <dgm:style>
+      <a:lnRef idx="1">
+        <a:scrgbClr r="0" g="0" b="0"/>
+      </a:lnRef>
+      <a:fillRef idx="1">
+        <a:scrgbClr r="0" g="0" b="0"/>
+      </a:fillRef>
+      <a:effectRef idx="2">
+        <a:scrgbClr r="0" g="0" b="0"/>
+      </a:effectRef>
+      <a:fontRef idx="minor"/>
+    </dgm:style>
+  </dgm:styleLbl>
+  <dgm:styleLbl name="fgAcc3">
+    <dgm:scene3d>
+      <a:camera prst="orthographicFront"/>
+      <a:lightRig rig="threePt" dir="t"/>
+    </dgm:scene3d>
+    <dgm:sp3d/>
+    <dgm:txPr/>
+    <dgm:style>
+      <a:lnRef idx="1">
+        <a:scrgbClr r="0" g="0" b="0"/>
+      </a:lnRef>
+      <a:fillRef idx="1">
+        <a:scrgbClr r="0" g="0" b="0"/>
+      </a:fillRef>
+      <a:effectRef idx="2">
+        <a:scrgbClr r="0" g="0" b="0"/>
+      </a:effectRef>
+      <a:fontRef idx="minor"/>
+    </dgm:style>
+  </dgm:styleLbl>
+  <dgm:styleLbl name="fgAcc4">
+    <dgm:scene3d>
+      <a:camera prst="orthographicFront"/>
+      <a:lightRig rig="threePt" dir="t"/>
+    </dgm:scene3d>
+    <dgm:sp3d/>
+    <dgm:txPr/>
+    <dgm:style>
+      <a:lnRef idx="1">
+        <a:scrgbClr r="0" g="0" b="0"/>
+      </a:lnRef>
+      <a:fillRef idx="1">
+        <a:scrgbClr r="0" g="0" b="0"/>
+      </a:fillRef>
+      <a:effectRef idx="2">
+        <a:scrgbClr r="0" g="0" b="0"/>
+      </a:effectRef>
+      <a:fontRef idx="minor"/>
+    </dgm:style>
+  </dgm:styleLbl>
+  <dgm:styleLbl name="bgShp">
+    <dgm:scene3d>
+      <a:camera prst="orthographicFront"/>
+      <a:lightRig rig="threePt" dir="t"/>
+    </dgm:scene3d>
+    <dgm:sp3d/>
+    <dgm:txPr/>
+    <dgm:style>
+      <a:lnRef idx="0">
+        <a:scrgbClr r="0" g="0" b="0"/>
+      </a:lnRef>
+      <a:fillRef idx="1">
+        <a:scrgbClr r="0" g="0" b="0"/>
+      </a:fillRef>
+      <a:effectRef idx="2">
+        <a:scrgbClr r="0" g="0" b="0"/>
+      </a:effectRef>
+      <a:fontRef idx="minor"/>
+    </dgm:style>
+  </dgm:styleLbl>
+  <dgm:styleLbl name="dkBgShp">
+    <dgm:scene3d>
+      <a:camera prst="orthographicFront"/>
+      <a:lightRig rig="threePt" dir="t"/>
+    </dgm:scene3d>
+    <dgm:sp3d/>
+    <dgm:txPr/>
+    <dgm:style>
+      <a:lnRef idx="0">
+        <a:scrgbClr r="0" g="0" b="0"/>
+      </a:lnRef>
+      <a:fillRef idx="1">
+        <a:scrgbClr r="0" g="0" b="0"/>
+      </a:fillRef>
+      <a:effectRef idx="3">
+        <a:scrgbClr r="0" g="0" b="0"/>
+      </a:effectRef>
+      <a:fontRef idx="minor"/>
+    </dgm:style>
+  </dgm:styleLbl>
+  <dgm:styleLbl name="trBgShp">
+    <dgm:scene3d>
+      <a:camera prst="orthographicFront"/>
+      <a:lightRig rig="threePt" dir="t"/>
+    </dgm:scene3d>
+    <dgm:sp3d/>
+    <dgm:txPr/>
+    <dgm:style>
+      <a:lnRef idx="0">
+        <a:scrgbClr r="0" g="0" b="0"/>
+      </a:lnRef>
+      <a:fillRef idx="1">
+        <a:scrgbClr r="0" g="0" b="0"/>
+      </a:fillRef>
+      <a:effectRef idx="0">
+        <a:scrgbClr r="0" g="0" b="0"/>
+      </a:effectRef>
+      <a:fontRef idx="minor"/>
+    </dgm:style>
+  </dgm:styleLbl>
+  <dgm:styleLbl name="fgShp">
+    <dgm:scene3d>
+      <a:camera prst="orthographicFront"/>
+      <a:lightRig rig="threePt" dir="t"/>
+    </dgm:scene3d>
+    <dgm:sp3d/>
+    <dgm:txPr/>
+    <dgm:style>
+      <a:lnRef idx="0">
+        <a:scrgbClr r="0" g="0" b="0"/>
+      </a:lnRef>
+      <a:fillRef idx="3">
+        <a:scrgbClr r="0" g="0" b="0"/>
+      </a:fillRef>
+      <a:effectRef idx="3">
+        <a:scrgbClr r="0" g="0" b="0"/>
+      </a:effectRef>
+      <a:fontRef idx="minor"/>
+    </dgm:style>
+  </dgm:styleLbl>
+  <dgm:styleLbl name="revTx">
+    <dgm:scene3d>
+      <a:camera prst="orthographicFront"/>
+      <a:lightRig rig="threePt" dir="t"/>
+    </dgm:scene3d>
+    <dgm:sp3d/>
+    <dgm:txPr/>
+    <dgm:style>
+      <a:lnRef idx="0">
+        <a:scrgbClr r="0" g="0" b="0"/>
+      </a:lnRef>
+      <a:fillRef idx="0">
+        <a:scrgbClr r="0" g="0" b="0"/>
+      </a:fillRef>
+      <a:effectRef idx="0">
+        <a:scrgbClr r="0" g="0" b="0"/>
+      </a:effectRef>
+      <a:fontRef idx="minor"/>
+    </dgm:style>
+  </dgm:styleLbl>
+</dgm:styleDef>
+</file>
+
+<file path=ppt/notesMasters/notesMaster1.xml><?xml version="1.0" encoding="utf-8"?>
+<p:notesMaster xmlns:a="http://schemas.openxmlformats.org/drawingml/2006/main" xmlns:r="http://schemas.openxmlformats.org/officeDocument/2006/relationships" xmlns:p="http://schemas.openxmlformats.org/presentationml/2006/main">
+  <p:cSld>
+    <p:bg>
+      <p:bgRef idx="1001">
+        <a:schemeClr val="bg1"/>
+      </p:bgRef>
+    </p:bg>
+    <p:spTree>
+      <p:nvGrpSpPr>
+        <p:cNvPr id="1" name=""/>
+        <p:cNvGrpSpPr/>
+        <p:nvPr/>
+      </p:nvGrpSpPr>
+      <p:grpSpPr>
+        <a:xfrm>
+          <a:off x="0" y="0"/>
+          <a:ext cx="0" cy="0"/>
+          <a:chOff x="0" y="0"/>
+          <a:chExt cx="0" cy="0"/>
+        </a:xfrm>
+      </p:grpSpPr>
+      <p:sp>
+        <p:nvSpPr>
+          <p:cNvPr id="2" name="Верхний колонтитул 1"/>
+          <p:cNvSpPr>
+            <a:spLocks noGrp="1"/>
+          </p:cNvSpPr>
+          <p:nvPr>
+            <p:ph type="hdr" sz="quarter"/>
+          </p:nvPr>
+        </p:nvSpPr>
+        <p:spPr>
+          <a:xfrm>
+            <a:off x="0" y="0"/>
+            <a:ext cx="2971800" cy="458788"/>
+          </a:xfrm>
+          <a:prstGeom prst="rect">
+            <a:avLst/>
+          </a:prstGeom>
+        </p:spPr>
+        <p:txBody>
+          <a:bodyPr vert="horz" lIns="91440" tIns="45720" rIns="91440" bIns="45720" rtlCol="0"/>
+          <a:lstStyle>
+            <a:lvl1pPr algn="l">
+              <a:defRPr sz="1200"/>
+            </a:lvl1pPr>
+          </a:lstStyle>
+          <a:p>
+            <a:endParaRPr lang="ru-RU"/>
+          </a:p>
+        </p:txBody>
+      </p:sp>
+      <p:sp>
+        <p:nvSpPr>
+          <p:cNvPr id="3" name="Дата 2"/>
+          <p:cNvSpPr>
+            <a:spLocks noGrp="1"/>
+          </p:cNvSpPr>
+          <p:nvPr>
+            <p:ph type="dt" idx="1"/>
+          </p:nvPr>
+        </p:nvSpPr>
+        <p:spPr>
+          <a:xfrm>
+            <a:off x="3884613" y="0"/>
+            <a:ext cx="2971800" cy="458788"/>
+          </a:xfrm>
+          <a:prstGeom prst="rect">
+            <a:avLst/>
+          </a:prstGeom>
+        </p:spPr>
+        <p:txBody>
+          <a:bodyPr vert="horz" lIns="91440" tIns="45720" rIns="91440" bIns="45720" rtlCol="0"/>
+          <a:lstStyle>
+            <a:lvl1pPr algn="r">
+              <a:defRPr sz="1200"/>
+            </a:lvl1pPr>
+          </a:lstStyle>
+          <a:p>
+            <a:fld id="{0058AC71-AE89-4E85-9A05-CE3C85CFAFCE}" type="datetimeFigureOut">
+              <a:rPr lang="ru-RU" smtClean="0"/>
+              <a:t>13.12.2024</a:t>
+            </a:fld>
+            <a:endParaRPr lang="ru-RU"/>
+          </a:p>
+        </p:txBody>
+      </p:sp>
+      <p:sp>
+        <p:nvSpPr>
+          <p:cNvPr id="4" name="Образ слайда 3"/>
+          <p:cNvSpPr>
+            <a:spLocks noGrp="1" noRot="1" noChangeAspect="1"/>
+          </p:cNvSpPr>
+          <p:nvPr>
+            <p:ph type="sldImg" idx="2"/>
+          </p:nvPr>
+        </p:nvSpPr>
+        <p:spPr>
+          <a:xfrm>
+            <a:off x="685800" y="1143000"/>
+            <a:ext cx="5486400" cy="3086100"/>
+          </a:xfrm>
+          <a:prstGeom prst="rect">
+            <a:avLst/>
+          </a:prstGeom>
+          <a:noFill/>
+          <a:ln w="12700">
+            <a:solidFill>
+              <a:prstClr val="black"/>
+            </a:solidFill>
+          </a:ln>
+        </p:spPr>
+        <p:txBody>
+          <a:bodyPr vert="horz" lIns="91440" tIns="45720" rIns="91440" bIns="45720" rtlCol="0" anchor="ctr"/>
+          <a:lstStyle/>
+          <a:p>
+            <a:endParaRPr lang="ru-RU"/>
+          </a:p>
+        </p:txBody>
+      </p:sp>
+      <p:sp>
+        <p:nvSpPr>
+          <p:cNvPr id="5" name="Заметки 4"/>
+          <p:cNvSpPr>
+            <a:spLocks noGrp="1"/>
+          </p:cNvSpPr>
+          <p:nvPr>
+            <p:ph type="body" sz="quarter" idx="3"/>
+          </p:nvPr>
+        </p:nvSpPr>
+        <p:spPr>
+          <a:xfrm>
+            <a:off x="685800" y="4400550"/>
+            <a:ext cx="5486400" cy="3600450"/>
+          </a:xfrm>
+          <a:prstGeom prst="rect">
+            <a:avLst/>
+          </a:prstGeom>
+        </p:spPr>
+        <p:txBody>
+          <a:bodyPr vert="horz" lIns="91440" tIns="45720" rIns="91440" bIns="45720" rtlCol="0"/>
+          <a:lstStyle/>
+          <a:p>
+            <a:pPr lvl="0"/>
+            <a:r>
+              <a:rPr lang="ru-RU"/>
+              <a:t>Образец текста</a:t>
+            </a:r>
+          </a:p>
+          <a:p>
+            <a:pPr lvl="1"/>
+            <a:r>
+              <a:rPr lang="ru-RU"/>
+              <a:t>Второй уровень</a:t>
+            </a:r>
+          </a:p>
+          <a:p>
+            <a:pPr lvl="2"/>
+            <a:r>
+              <a:rPr lang="ru-RU"/>
+              <a:t>Третий уровень</a:t>
+            </a:r>
+          </a:p>
+          <a:p>
+            <a:pPr lvl="3"/>
+            <a:r>
+              <a:rPr lang="ru-RU"/>
+              <a:t>Четвертый уровень</a:t>
+            </a:r>
+          </a:p>
+          <a:p>
+            <a:pPr lvl="4"/>
+            <a:r>
+              <a:rPr lang="ru-RU"/>
+              <a:t>Пятый уровень</a:t>
+            </a:r>
+          </a:p>
+        </p:txBody>
+      </p:sp>
+      <p:sp>
+        <p:nvSpPr>
+          <p:cNvPr id="6" name="Нижний колонтитул 5"/>
+          <p:cNvSpPr>
+            <a:spLocks noGrp="1"/>
+          </p:cNvSpPr>
+          <p:nvPr>
+            <p:ph type="ftr" sz="quarter" idx="4"/>
+          </p:nvPr>
+        </p:nvSpPr>
+        <p:spPr>
+          <a:xfrm>
+            <a:off x="0" y="8685213"/>
+            <a:ext cx="2971800" cy="458787"/>
+          </a:xfrm>
+          <a:prstGeom prst="rect">
+            <a:avLst/>
+          </a:prstGeom>
+        </p:spPr>
+        <p:txBody>
+          <a:bodyPr vert="horz" lIns="91440" tIns="45720" rIns="91440" bIns="45720" rtlCol="0" anchor="b"/>
+          <a:lstStyle>
+            <a:lvl1pPr algn="l">
+              <a:defRPr sz="1200"/>
+            </a:lvl1pPr>
+          </a:lstStyle>
+          <a:p>
+            <a:endParaRPr lang="ru-RU"/>
+          </a:p>
+        </p:txBody>
+      </p:sp>
+      <p:sp>
+        <p:nvSpPr>
+          <p:cNvPr id="7" name="Номер слайда 6"/>
+          <p:cNvSpPr>
+            <a:spLocks noGrp="1"/>
+          </p:cNvSpPr>
+          <p:nvPr>
+            <p:ph type="sldNum" sz="quarter" idx="5"/>
+          </p:nvPr>
+        </p:nvSpPr>
+        <p:spPr>
+          <a:xfrm>
+            <a:off x="3884613" y="8685213"/>
+            <a:ext cx="2971800" cy="458787"/>
+          </a:xfrm>
+          <a:prstGeom prst="rect">
+            <a:avLst/>
+          </a:prstGeom>
+        </p:spPr>
+        <p:txBody>
+          <a:bodyPr vert="horz" lIns="91440" tIns="45720" rIns="91440" bIns="45720" rtlCol="0" anchor="b"/>
+          <a:lstStyle>
+            <a:lvl1pPr algn="r">
+              <a:defRPr sz="1200"/>
+            </a:lvl1pPr>
+          </a:lstStyle>
+          <a:p>
+            <a:fld id="{5C192DB7-C6CE-4029-AE92-8BA1F032A494}" type="slidenum">
+              <a:rPr lang="ru-RU" smtClean="0"/>
+              <a:t>‹#›</a:t>
+            </a:fld>
+            <a:endParaRPr lang="ru-RU"/>
+          </a:p>
+        </p:txBody>
+      </p:sp>
+    </p:spTree>
+    <p:extLst>
+      <p:ext uri="{BB962C8B-B14F-4D97-AF65-F5344CB8AC3E}">
+        <p14:creationId xmlns:p14="http://schemas.microsoft.com/office/powerpoint/2010/main" val="742660104"/>
+      </p:ext>
+    </p:extLst>
+  </p:cSld>
+  <p:clrMap bg1="lt1" tx1="dk1" bg2="lt2" tx2="dk2" accent1="accent1" accent2="accent2" accent3="accent3" accent4="accent4" accent5="accent5" accent6="accent6" hlink="hlink" folHlink="folHlink"/>
+  <p:notesStyle>
+    <a:lvl1pPr marL="0" algn="l" defTabSz="914400" rtl="0" eaLnBrk="1" latinLnBrk="0" hangingPunct="1">
+      <a:defRPr sz="1200" kern="1200">
+        <a:solidFill>
+          <a:schemeClr val="tx1"/>
+        </a:solidFill>
+        <a:latin typeface="+mn-lt"/>
+        <a:ea typeface="+mn-ea"/>
+        <a:cs typeface="+mn-cs"/>
+      </a:defRPr>
+    </a:lvl1pPr>
+    <a:lvl2pPr marL="457200" algn="l" defTabSz="914400" rtl="0" eaLnBrk="1" latinLnBrk="0" hangingPunct="1">
+      <a:defRPr sz="1200" kern="1200">
+        <a:solidFill>
+          <a:schemeClr val="tx1"/>
+        </a:solidFill>
+        <a:latin typeface="+mn-lt"/>
+        <a:ea typeface="+mn-ea"/>
+        <a:cs typeface="+mn-cs"/>
+      </a:defRPr>
+    </a:lvl2pPr>
+    <a:lvl3pPr marL="914400" algn="l" defTabSz="914400" rtl="0" eaLnBrk="1" latinLnBrk="0" hangingPunct="1">
+      <a:defRPr sz="1200" kern="1200">
+        <a:solidFill>
+          <a:schemeClr val="tx1"/>
+        </a:solidFill>
+        <a:latin typeface="+mn-lt"/>
+        <a:ea typeface="+mn-ea"/>
+        <a:cs typeface="+mn-cs"/>
+      </a:defRPr>
+    </a:lvl3pPr>
+    <a:lvl4pPr marL="1371600" algn="l" defTabSz="914400" rtl="0" eaLnBrk="1" latinLnBrk="0" hangingPunct="1">
+      <a:defRPr sz="1200" kern="1200">
+        <a:solidFill>
+          <a:schemeClr val="tx1"/>
+        </a:solidFill>
+        <a:latin typeface="+mn-lt"/>
+        <a:ea typeface="+mn-ea"/>
+        <a:cs typeface="+mn-cs"/>
+      </a:defRPr>
+    </a:lvl4pPr>
+    <a:lvl5pPr marL="1828800" algn="l" defTabSz="914400" rtl="0" eaLnBrk="1" latinLnBrk="0" hangingPunct="1">
+      <a:defRPr sz="1200" kern="1200">
+        <a:solidFill>
+          <a:schemeClr val="tx1"/>
+        </a:solidFill>
+        <a:latin typeface="+mn-lt"/>
+        <a:ea typeface="+mn-ea"/>
+        <a:cs typeface="+mn-cs"/>
+      </a:defRPr>
+    </a:lvl5pPr>
+    <a:lvl6pPr marL="2286000" algn="l" defTabSz="914400" rtl="0" eaLnBrk="1" latinLnBrk="0" hangingPunct="1">
+      <a:defRPr sz="1200" kern="1200">
+        <a:solidFill>
+          <a:schemeClr val="tx1"/>
+        </a:solidFill>
+        <a:latin typeface="+mn-lt"/>
+        <a:ea typeface="+mn-ea"/>
+        <a:cs typeface="+mn-cs"/>
+      </a:defRPr>
+    </a:lvl6pPr>
+    <a:lvl7pPr marL="2743200" algn="l" defTabSz="914400" rtl="0" eaLnBrk="1" latinLnBrk="0" hangingPunct="1">
+      <a:defRPr sz="1200" kern="1200">
+        <a:solidFill>
+          <a:schemeClr val="tx1"/>
+        </a:solidFill>
+        <a:latin typeface="+mn-lt"/>
+        <a:ea typeface="+mn-ea"/>
+        <a:cs typeface="+mn-cs"/>
+      </a:defRPr>
+    </a:lvl7pPr>
+    <a:lvl8pPr marL="3200400" algn="l" defTabSz="914400" rtl="0" eaLnBrk="1" latinLnBrk="0" hangingPunct="1">
+      <a:defRPr sz="1200" kern="1200">
+        <a:solidFill>
+          <a:schemeClr val="tx1"/>
+        </a:solidFill>
+        <a:latin typeface="+mn-lt"/>
+        <a:ea typeface="+mn-ea"/>
+        <a:cs typeface="+mn-cs"/>
+      </a:defRPr>
+    </a:lvl8pPr>
+    <a:lvl9pPr marL="3657600" algn="l" defTabSz="914400" rtl="0" eaLnBrk="1" latinLnBrk="0" hangingPunct="1">
+      <a:defRPr sz="1200" kern="1200">
+        <a:solidFill>
+          <a:schemeClr val="tx1"/>
+        </a:solidFill>
+        <a:latin typeface="+mn-lt"/>
+        <a:ea typeface="+mn-ea"/>
+        <a:cs typeface="+mn-cs"/>
+      </a:defRPr>
+    </a:lvl9pPr>
+  </p:notesStyle>
+</p:notesMaster>
+</file>
+
+<file path=ppt/notesSlides/notesSlide1.xml><?xml version="1.0" encoding="utf-8"?>
+<p:notes xmlns:a="http://schemas.openxmlformats.org/drawingml/2006/main" xmlns:r="http://schemas.openxmlformats.org/officeDocument/2006/relationships" xmlns:p="http://schemas.openxmlformats.org/presentationml/2006/main">
+  <p:cSld>
+    <p:spTree>
+      <p:nvGrpSpPr>
+        <p:cNvPr id="1" name=""/>
+        <p:cNvGrpSpPr/>
+        <p:nvPr/>
+      </p:nvGrpSpPr>
+      <p:grpSpPr>
+        <a:xfrm>
+          <a:off x="0" y="0"/>
+          <a:ext cx="0" cy="0"/>
+          <a:chOff x="0" y="0"/>
+          <a:chExt cx="0" cy="0"/>
+        </a:xfrm>
+      </p:grpSpPr>
+      <p:sp>
+        <p:nvSpPr>
+          <p:cNvPr id="2" name="Образ слайда 1"/>
+          <p:cNvSpPr>
+            <a:spLocks noGrp="1" noRot="1" noChangeAspect="1"/>
+          </p:cNvSpPr>
+          <p:nvPr>
+            <p:ph type="sldImg"/>
+          </p:nvPr>
+        </p:nvSpPr>
+        <p:spPr/>
+      </p:sp>
+      <p:sp>
+        <p:nvSpPr>
+          <p:cNvPr id="3" name="Заметки 2"/>
+          <p:cNvSpPr>
+            <a:spLocks noGrp="1"/>
+          </p:cNvSpPr>
+          <p:nvPr>
+            <p:ph type="body" idx="1"/>
+          </p:nvPr>
+        </p:nvSpPr>
+        <p:spPr/>
+        <p:txBody>
+          <a:bodyPr/>
+          <a:lstStyle/>
+          <a:p>
+            <a:endParaRPr lang="ru-RU" dirty="0"/>
+          </a:p>
+        </p:txBody>
+      </p:sp>
+      <p:sp>
+        <p:nvSpPr>
+          <p:cNvPr id="4" name="Номер слайда 3"/>
+          <p:cNvSpPr>
+            <a:spLocks noGrp="1"/>
+          </p:cNvSpPr>
+          <p:nvPr>
+            <p:ph type="sldNum" sz="quarter" idx="5"/>
+          </p:nvPr>
+        </p:nvSpPr>
+        <p:spPr/>
+        <p:txBody>
+          <a:bodyPr/>
+          <a:lstStyle/>
+          <a:p>
+            <a:fld id="{5C192DB7-C6CE-4029-AE92-8BA1F032A494}" type="slidenum">
+              <a:rPr lang="ru-RU" smtClean="0"/>
+              <a:t>11</a:t>
+            </a:fld>
+            <a:endParaRPr lang="ru-RU"/>
+          </a:p>
+        </p:txBody>
+      </p:sp>
+    </p:spTree>
+    <p:extLst>
+      <p:ext uri="{BB962C8B-B14F-4D97-AF65-F5344CB8AC3E}">
+        <p14:creationId xmlns:p14="http://schemas.microsoft.com/office/powerpoint/2010/main" val="747214050"/>
+      </p:ext>
+    </p:extLst>
+  </p:cSld>
+  <p:clrMapOvr>
+    <a:masterClrMapping/>
+  </p:clrMapOvr>
+</p:notes>
+</file>
+
 <file path=ppt/slideLayouts/slideLayout1.xml><?xml version="1.0" encoding="utf-8"?>
 <p:sldLayout xmlns:a="http://schemas.openxmlformats.org/drawingml/2006/main" xmlns:r="http://schemas.openxmlformats.org/officeDocument/2006/relationships" xmlns:p="http://schemas.openxmlformats.org/presentationml/2006/main" type="title" preserve="1">
   <p:cSld name="Титульный слайд">
@@ -269,7 +4379,7 @@
           <a:p>
             <a:fld id="{E251D1C7-F8B4-451D-A235-1B0A956A5369}" type="datetimeFigureOut">
               <a:rPr lang="ru-RU" smtClean="0"/>
-              <a:t>31.10.2024</a:t>
+              <a:t>13.12.2024</a:t>
             </a:fld>
             <a:endParaRPr lang="ru-RU"/>
           </a:p>
@@ -467,7 +4577,7 @@
           <a:p>
             <a:fld id="{E251D1C7-F8B4-451D-A235-1B0A956A5369}" type="datetimeFigureOut">
               <a:rPr lang="ru-RU" smtClean="0"/>
-              <a:t>31.10.2024</a:t>
+              <a:t>13.12.2024</a:t>
             </a:fld>
             <a:endParaRPr lang="ru-RU"/>
           </a:p>
@@ -675,7 +4785,7 @@
           <a:p>
             <a:fld id="{E251D1C7-F8B4-451D-A235-1B0A956A5369}" type="datetimeFigureOut">
               <a:rPr lang="ru-RU" smtClean="0"/>
-              <a:t>31.10.2024</a:t>
+              <a:t>13.12.2024</a:t>
             </a:fld>
             <a:endParaRPr lang="ru-RU"/>
           </a:p>
@@ -873,7 +4983,7 @@
           <a:p>
             <a:fld id="{E251D1C7-F8B4-451D-A235-1B0A956A5369}" type="datetimeFigureOut">
               <a:rPr lang="ru-RU" smtClean="0"/>
-              <a:t>31.10.2024</a:t>
+              <a:t>13.12.2024</a:t>
             </a:fld>
             <a:endParaRPr lang="ru-RU"/>
           </a:p>
@@ -1148,7 +5258,7 @@
           <a:p>
             <a:fld id="{E251D1C7-F8B4-451D-A235-1B0A956A5369}" type="datetimeFigureOut">
               <a:rPr lang="ru-RU" smtClean="0"/>
-              <a:t>31.10.2024</a:t>
+              <a:t>13.12.2024</a:t>
             </a:fld>
             <a:endParaRPr lang="ru-RU"/>
           </a:p>
@@ -1413,7 +5523,7 @@
           <a:p>
             <a:fld id="{E251D1C7-F8B4-451D-A235-1B0A956A5369}" type="datetimeFigureOut">
               <a:rPr lang="ru-RU" smtClean="0"/>
-              <a:t>31.10.2024</a:t>
+              <a:t>13.12.2024</a:t>
             </a:fld>
             <a:endParaRPr lang="ru-RU"/>
           </a:p>
@@ -1825,7 +5935,7 @@
           <a:p>
             <a:fld id="{E251D1C7-F8B4-451D-A235-1B0A956A5369}" type="datetimeFigureOut">
               <a:rPr lang="ru-RU" smtClean="0"/>
-              <a:t>31.10.2024</a:t>
+              <a:t>13.12.2024</a:t>
             </a:fld>
             <a:endParaRPr lang="ru-RU"/>
           </a:p>
@@ -1966,7 +6076,7 @@
           <a:p>
             <a:fld id="{E251D1C7-F8B4-451D-A235-1B0A956A5369}" type="datetimeFigureOut">
               <a:rPr lang="ru-RU" smtClean="0"/>
-              <a:t>31.10.2024</a:t>
+              <a:t>13.12.2024</a:t>
             </a:fld>
             <a:endParaRPr lang="ru-RU"/>
           </a:p>
@@ -2079,7 +6189,7 @@
           <a:p>
             <a:fld id="{E251D1C7-F8B4-451D-A235-1B0A956A5369}" type="datetimeFigureOut">
               <a:rPr lang="ru-RU" smtClean="0"/>
-              <a:t>31.10.2024</a:t>
+              <a:t>13.12.2024</a:t>
             </a:fld>
             <a:endParaRPr lang="ru-RU"/>
           </a:p>
@@ -2390,7 +6500,7 @@
           <a:p>
             <a:fld id="{E251D1C7-F8B4-451D-A235-1B0A956A5369}" type="datetimeFigureOut">
               <a:rPr lang="ru-RU" smtClean="0"/>
-              <a:t>31.10.2024</a:t>
+              <a:t>13.12.2024</a:t>
             </a:fld>
             <a:endParaRPr lang="ru-RU"/>
           </a:p>
@@ -2678,7 +6788,7 @@
           <a:p>
             <a:fld id="{E251D1C7-F8B4-451D-A235-1B0A956A5369}" type="datetimeFigureOut">
               <a:rPr lang="ru-RU" smtClean="0"/>
-              <a:t>31.10.2024</a:t>
+              <a:t>13.12.2024</a:t>
             </a:fld>
             <a:endParaRPr lang="ru-RU"/>
           </a:p>
@@ -2919,7 +7029,7 @@
           <a:p>
             <a:fld id="{E251D1C7-F8B4-451D-A235-1B0A956A5369}" type="datetimeFigureOut">
               <a:rPr lang="ru-RU" smtClean="0"/>
-              <a:t>31.10.2024</a:t>
+              <a:t>13.12.2024</a:t>
             </a:fld>
             <a:endParaRPr lang="ru-RU"/>
           </a:p>
@@ -3376,168 +7486,6 @@
       </p:sp>
       <p:sp>
         <p:nvSpPr>
-          <p:cNvPr id="3" name="Подзаголовок 2">
-            <a:extLst>
-              <a:ext uri="{FF2B5EF4-FFF2-40B4-BE49-F238E27FC236}">
-                <a16:creationId xmlns:a16="http://schemas.microsoft.com/office/drawing/2014/main" id="{7F37D101-FA63-4119-8E01-4BD52942206B}"/>
-              </a:ext>
-            </a:extLst>
-          </p:cNvPr>
-          <p:cNvSpPr>
-            <a:spLocks noGrp="1"/>
-          </p:cNvSpPr>
-          <p:nvPr>
-            <p:ph type="subTitle" idx="1"/>
-          </p:nvPr>
-        </p:nvSpPr>
-        <p:spPr>
-          <a:xfrm>
-            <a:off x="7620000" y="4345668"/>
-            <a:ext cx="4572000" cy="2512332"/>
-          </a:xfrm>
-        </p:spPr>
-        <p:txBody>
-          <a:bodyPr>
-            <a:normAutofit/>
-          </a:bodyPr>
-          <a:lstStyle/>
-          <a:p>
-            <a:pPr algn="l">
-              <a:lnSpc>
-                <a:spcPct val="80000"/>
-              </a:lnSpc>
-              <a:spcBef>
-                <a:spcPct val="20000"/>
-              </a:spcBef>
-            </a:pPr>
-            <a:r>
-              <a:rPr lang="ru-RU" altLang="ru-RU" sz="2000" b="1" dirty="0">
-                <a:latin typeface="Times New Roman" panose="02020603050405020304" pitchFamily="18" charset="0"/>
-                <a:cs typeface="Times New Roman" panose="02020603050405020304" pitchFamily="18" charset="0"/>
-              </a:rPr>
-              <a:t>Выполнил:</a:t>
-            </a:r>
-          </a:p>
-          <a:p>
-            <a:pPr algn="l">
-              <a:lnSpc>
-                <a:spcPct val="80000"/>
-              </a:lnSpc>
-              <a:spcBef>
-                <a:spcPct val="20000"/>
-              </a:spcBef>
-            </a:pPr>
-            <a:r>
-              <a:rPr lang="ru-RU" altLang="ru-RU" sz="2000" dirty="0" err="1">
-                <a:latin typeface="Times New Roman" panose="02020603050405020304" pitchFamily="18" charset="0"/>
-                <a:cs typeface="Times New Roman" panose="02020603050405020304" pitchFamily="18" charset="0"/>
-              </a:rPr>
-              <a:t>Платунов</a:t>
-            </a:r>
-            <a:r>
-              <a:rPr lang="ru-RU" altLang="ru-RU" sz="2000" dirty="0">
-                <a:latin typeface="Times New Roman" panose="02020603050405020304" pitchFamily="18" charset="0"/>
-                <a:cs typeface="Times New Roman" panose="02020603050405020304" pitchFamily="18" charset="0"/>
-              </a:rPr>
-              <a:t> Павел Андреевич</a:t>
-            </a:r>
-          </a:p>
-          <a:p>
-            <a:pPr algn="l">
-              <a:lnSpc>
-                <a:spcPct val="80000"/>
-              </a:lnSpc>
-              <a:spcBef>
-                <a:spcPct val="20000"/>
-              </a:spcBef>
-            </a:pPr>
-            <a:r>
-              <a:rPr lang="ru-RU" altLang="ru-RU" sz="2000" b="1" dirty="0">
-                <a:latin typeface="Times New Roman" panose="02020603050405020304" pitchFamily="18" charset="0"/>
-                <a:cs typeface="Times New Roman" panose="02020603050405020304" pitchFamily="18" charset="0"/>
-              </a:rPr>
-              <a:t>Группа: 21П-1</a:t>
-            </a:r>
-          </a:p>
-          <a:p>
-            <a:pPr algn="l">
-              <a:lnSpc>
-                <a:spcPct val="80000"/>
-              </a:lnSpc>
-              <a:spcBef>
-                <a:spcPct val="20000"/>
-              </a:spcBef>
-            </a:pPr>
-            <a:r>
-              <a:rPr lang="ru-RU" altLang="ru-RU" sz="2000" b="1" dirty="0">
-                <a:latin typeface="Times New Roman" panose="02020603050405020304" pitchFamily="18" charset="0"/>
-                <a:cs typeface="Times New Roman" panose="02020603050405020304" pitchFamily="18" charset="0"/>
-              </a:rPr>
-              <a:t>Специальность:</a:t>
-            </a:r>
-          </a:p>
-          <a:p>
-            <a:pPr algn="l">
-              <a:lnSpc>
-                <a:spcPct val="80000"/>
-              </a:lnSpc>
-              <a:spcBef>
-                <a:spcPct val="20000"/>
-              </a:spcBef>
-            </a:pPr>
-            <a:r>
-              <a:rPr lang="ru-RU" altLang="ru-RU" sz="2000" dirty="0">
-                <a:latin typeface="Times New Roman" panose="02020603050405020304" pitchFamily="18" charset="0"/>
-                <a:cs typeface="Times New Roman" panose="02020603050405020304" pitchFamily="18" charset="0"/>
-              </a:rPr>
-              <a:t>09.02.07 Информационные </a:t>
-            </a:r>
-          </a:p>
-          <a:p>
-            <a:pPr algn="l">
-              <a:lnSpc>
-                <a:spcPct val="80000"/>
-              </a:lnSpc>
-              <a:spcBef>
-                <a:spcPct val="20000"/>
-              </a:spcBef>
-            </a:pPr>
-            <a:r>
-              <a:rPr lang="ru-RU" altLang="ru-RU" sz="2000" dirty="0">
-                <a:latin typeface="Times New Roman" panose="02020603050405020304" pitchFamily="18" charset="0"/>
-                <a:cs typeface="Times New Roman" panose="02020603050405020304" pitchFamily="18" charset="0"/>
-              </a:rPr>
-              <a:t>системы и программирование</a:t>
-            </a:r>
-          </a:p>
-          <a:p>
-            <a:pPr algn="l">
-              <a:lnSpc>
-                <a:spcPct val="80000"/>
-              </a:lnSpc>
-              <a:spcBef>
-                <a:spcPct val="20000"/>
-              </a:spcBef>
-            </a:pPr>
-            <a:r>
-              <a:rPr lang="ru-RU" altLang="ru-RU" sz="2000" b="1" dirty="0">
-                <a:latin typeface="Times New Roman" panose="02020603050405020304" pitchFamily="18" charset="0"/>
-                <a:cs typeface="Times New Roman" panose="02020603050405020304" pitchFamily="18" charset="0"/>
-              </a:rPr>
-              <a:t>Руководитель: </a:t>
-            </a:r>
-            <a:r>
-              <a:rPr lang="ru-RU" altLang="ru-RU" sz="2000" dirty="0">
-                <a:latin typeface="Times New Roman" panose="02020603050405020304" pitchFamily="18" charset="0"/>
-                <a:cs typeface="Times New Roman" panose="02020603050405020304" pitchFamily="18" charset="0"/>
-              </a:rPr>
-              <a:t>Калинин Арсений Олегович</a:t>
-            </a:r>
-          </a:p>
-        </p:txBody>
-      </p:sp>
-      <p:sp>
-        <p:nvSpPr>
           <p:cNvPr id="4" name="Прямоугольник 3">
             <a:extLst>
               <a:ext uri="{FF2B5EF4-FFF2-40B4-BE49-F238E27FC236}">
@@ -3653,6 +7601,462 @@
           </a:extLst>
         </p:spPr>
       </p:pic>
+      <p:sp>
+        <p:nvSpPr>
+          <p:cNvPr id="8" name="Подзаголовок 2">
+            <a:extLst>
+              <a:ext uri="{FF2B5EF4-FFF2-40B4-BE49-F238E27FC236}">
+                <a16:creationId xmlns:a16="http://schemas.microsoft.com/office/drawing/2014/main" id="{7F37D101-FA63-4119-8E01-4BD52942206B}"/>
+              </a:ext>
+            </a:extLst>
+          </p:cNvPr>
+          <p:cNvSpPr>
+            <a:spLocks noGrp="1"/>
+          </p:cNvSpPr>
+          <p:nvPr/>
+        </p:nvSpPr>
+        <p:spPr>
+          <a:xfrm>
+            <a:off x="7620000" y="4415780"/>
+            <a:ext cx="4572000" cy="2442220"/>
+          </a:xfrm>
+          <a:prstGeom prst="rect">
+            <a:avLst/>
+          </a:prstGeom>
+        </p:spPr>
+        <p:txBody>
+          <a:bodyPr vert="horz" lIns="91440" tIns="45720" rIns="91440" bIns="45720" rtlCol="0">
+            <a:normAutofit/>
+          </a:bodyPr>
+          <a:lstStyle>
+            <a:lvl1pPr marL="0" indent="0" algn="ctr" defTabSz="914400" rtl="0" eaLnBrk="1" latinLnBrk="0" hangingPunct="1">
+              <a:lnSpc>
+                <a:spcPct val="90000"/>
+              </a:lnSpc>
+              <a:spcBef>
+                <a:spcPts val="1000"/>
+              </a:spcBef>
+              <a:buFont typeface="Arial" panose="020B0604020202020204" pitchFamily="34" charset="0"/>
+              <a:buNone/>
+              <a:defRPr sz="2400" kern="1200">
+                <a:solidFill>
+                  <a:schemeClr val="tx1"/>
+                </a:solidFill>
+                <a:latin typeface="+mn-lt"/>
+                <a:ea typeface="+mn-ea"/>
+                <a:cs typeface="+mn-cs"/>
+              </a:defRPr>
+            </a:lvl1pPr>
+            <a:lvl2pPr marL="457200" indent="0" algn="ctr" defTabSz="914400" rtl="0" eaLnBrk="1" latinLnBrk="0" hangingPunct="1">
+              <a:lnSpc>
+                <a:spcPct val="90000"/>
+              </a:lnSpc>
+              <a:spcBef>
+                <a:spcPts val="500"/>
+              </a:spcBef>
+              <a:buFont typeface="Arial" panose="020B0604020202020204" pitchFamily="34" charset="0"/>
+              <a:buNone/>
+              <a:defRPr sz="2000" kern="1200">
+                <a:solidFill>
+                  <a:schemeClr val="tx1"/>
+                </a:solidFill>
+                <a:latin typeface="+mn-lt"/>
+                <a:ea typeface="+mn-ea"/>
+                <a:cs typeface="+mn-cs"/>
+              </a:defRPr>
+            </a:lvl2pPr>
+            <a:lvl3pPr marL="914400" indent="0" algn="ctr" defTabSz="914400" rtl="0" eaLnBrk="1" latinLnBrk="0" hangingPunct="1">
+              <a:lnSpc>
+                <a:spcPct val="90000"/>
+              </a:lnSpc>
+              <a:spcBef>
+                <a:spcPts val="500"/>
+              </a:spcBef>
+              <a:buFont typeface="Arial" panose="020B0604020202020204" pitchFamily="34" charset="0"/>
+              <a:buNone/>
+              <a:defRPr sz="1800" kern="1200">
+                <a:solidFill>
+                  <a:schemeClr val="tx1"/>
+                </a:solidFill>
+                <a:latin typeface="+mn-lt"/>
+                <a:ea typeface="+mn-ea"/>
+                <a:cs typeface="+mn-cs"/>
+              </a:defRPr>
+            </a:lvl3pPr>
+            <a:lvl4pPr marL="1371600" indent="0" algn="ctr" defTabSz="914400" rtl="0" eaLnBrk="1" latinLnBrk="0" hangingPunct="1">
+              <a:lnSpc>
+                <a:spcPct val="90000"/>
+              </a:lnSpc>
+              <a:spcBef>
+                <a:spcPts val="500"/>
+              </a:spcBef>
+              <a:buFont typeface="Arial" panose="020B0604020202020204" pitchFamily="34" charset="0"/>
+              <a:buNone/>
+              <a:defRPr sz="1600" kern="1200">
+                <a:solidFill>
+                  <a:schemeClr val="tx1"/>
+                </a:solidFill>
+                <a:latin typeface="+mn-lt"/>
+                <a:ea typeface="+mn-ea"/>
+                <a:cs typeface="+mn-cs"/>
+              </a:defRPr>
+            </a:lvl4pPr>
+            <a:lvl5pPr marL="1828800" indent="0" algn="ctr" defTabSz="914400" rtl="0" eaLnBrk="1" latinLnBrk="0" hangingPunct="1">
+              <a:lnSpc>
+                <a:spcPct val="90000"/>
+              </a:lnSpc>
+              <a:spcBef>
+                <a:spcPts val="500"/>
+              </a:spcBef>
+              <a:buFont typeface="Arial" panose="020B0604020202020204" pitchFamily="34" charset="0"/>
+              <a:buNone/>
+              <a:defRPr sz="1600" kern="1200">
+                <a:solidFill>
+                  <a:schemeClr val="tx1"/>
+                </a:solidFill>
+                <a:latin typeface="+mn-lt"/>
+                <a:ea typeface="+mn-ea"/>
+                <a:cs typeface="+mn-cs"/>
+              </a:defRPr>
+            </a:lvl5pPr>
+            <a:lvl6pPr marL="2286000" indent="0" algn="ctr" defTabSz="914400" rtl="0" eaLnBrk="1" latinLnBrk="0" hangingPunct="1">
+              <a:lnSpc>
+                <a:spcPct val="90000"/>
+              </a:lnSpc>
+              <a:spcBef>
+                <a:spcPts val="500"/>
+              </a:spcBef>
+              <a:buFont typeface="Arial" panose="020B0604020202020204" pitchFamily="34" charset="0"/>
+              <a:buNone/>
+              <a:defRPr sz="1600" kern="1200">
+                <a:solidFill>
+                  <a:schemeClr val="tx1"/>
+                </a:solidFill>
+                <a:latin typeface="+mn-lt"/>
+                <a:ea typeface="+mn-ea"/>
+                <a:cs typeface="+mn-cs"/>
+              </a:defRPr>
+            </a:lvl6pPr>
+            <a:lvl7pPr marL="2743200" indent="0" algn="ctr" defTabSz="914400" rtl="0" eaLnBrk="1" latinLnBrk="0" hangingPunct="1">
+              <a:lnSpc>
+                <a:spcPct val="90000"/>
+              </a:lnSpc>
+              <a:spcBef>
+                <a:spcPts val="500"/>
+              </a:spcBef>
+              <a:buFont typeface="Arial" panose="020B0604020202020204" pitchFamily="34" charset="0"/>
+              <a:buNone/>
+              <a:defRPr sz="1600" kern="1200">
+                <a:solidFill>
+                  <a:schemeClr val="tx1"/>
+                </a:solidFill>
+                <a:latin typeface="+mn-lt"/>
+                <a:ea typeface="+mn-ea"/>
+                <a:cs typeface="+mn-cs"/>
+              </a:defRPr>
+            </a:lvl7pPr>
+            <a:lvl8pPr marL="3200400" indent="0" algn="ctr" defTabSz="914400" rtl="0" eaLnBrk="1" latinLnBrk="0" hangingPunct="1">
+              <a:lnSpc>
+                <a:spcPct val="90000"/>
+              </a:lnSpc>
+              <a:spcBef>
+                <a:spcPts val="500"/>
+              </a:spcBef>
+              <a:buFont typeface="Arial" panose="020B0604020202020204" pitchFamily="34" charset="0"/>
+              <a:buNone/>
+              <a:defRPr sz="1600" kern="1200">
+                <a:solidFill>
+                  <a:schemeClr val="tx1"/>
+                </a:solidFill>
+                <a:latin typeface="+mn-lt"/>
+                <a:ea typeface="+mn-ea"/>
+                <a:cs typeface="+mn-cs"/>
+              </a:defRPr>
+            </a:lvl8pPr>
+            <a:lvl9pPr marL="3657600" indent="0" algn="ctr" defTabSz="914400" rtl="0" eaLnBrk="1" latinLnBrk="0" hangingPunct="1">
+              <a:lnSpc>
+                <a:spcPct val="90000"/>
+              </a:lnSpc>
+              <a:spcBef>
+                <a:spcPts val="500"/>
+              </a:spcBef>
+              <a:buFont typeface="Arial" panose="020B0604020202020204" pitchFamily="34" charset="0"/>
+              <a:buNone/>
+              <a:defRPr sz="1600" kern="1200">
+                <a:solidFill>
+                  <a:schemeClr val="tx1"/>
+                </a:solidFill>
+                <a:latin typeface="+mn-lt"/>
+                <a:ea typeface="+mn-ea"/>
+                <a:cs typeface="+mn-cs"/>
+              </a:defRPr>
+            </a:lvl9pPr>
+          </a:lstStyle>
+          <a:p>
+            <a:pPr algn="l">
+              <a:lnSpc>
+                <a:spcPct val="80000"/>
+              </a:lnSpc>
+              <a:spcBef>
+                <a:spcPct val="20000"/>
+              </a:spcBef>
+            </a:pPr>
+            <a:r>
+              <a:rPr lang="ru-RU" altLang="ru-RU" sz="1800" b="1" dirty="0">
+                <a:latin typeface="Times New Roman" panose="02020603050405020304" pitchFamily="18" charset="0"/>
+                <a:cs typeface="Times New Roman" panose="02020603050405020304" pitchFamily="18" charset="0"/>
+              </a:rPr>
+              <a:t>Выполнил:</a:t>
+            </a:r>
+          </a:p>
+          <a:p>
+            <a:pPr algn="l">
+              <a:lnSpc>
+                <a:spcPct val="80000"/>
+              </a:lnSpc>
+              <a:spcBef>
+                <a:spcPct val="20000"/>
+              </a:spcBef>
+            </a:pPr>
+            <a:r>
+              <a:rPr lang="ru-RU" altLang="ru-RU" sz="1800" dirty="0" err="1">
+                <a:latin typeface="Times New Roman" panose="02020603050405020304" pitchFamily="18" charset="0"/>
+                <a:cs typeface="Times New Roman" panose="02020603050405020304" pitchFamily="18" charset="0"/>
+              </a:rPr>
+              <a:t>Платунов</a:t>
+            </a:r>
+            <a:r>
+              <a:rPr lang="ru-RU" altLang="ru-RU" sz="1800" dirty="0">
+                <a:latin typeface="Times New Roman" panose="02020603050405020304" pitchFamily="18" charset="0"/>
+                <a:cs typeface="Times New Roman" panose="02020603050405020304" pitchFamily="18" charset="0"/>
+              </a:rPr>
+              <a:t> Павел Андреевич</a:t>
+            </a:r>
+          </a:p>
+          <a:p>
+            <a:pPr algn="l">
+              <a:lnSpc>
+                <a:spcPct val="80000"/>
+              </a:lnSpc>
+              <a:spcBef>
+                <a:spcPct val="20000"/>
+              </a:spcBef>
+            </a:pPr>
+            <a:r>
+              <a:rPr lang="ru-RU" altLang="ru-RU" sz="1800" b="1" dirty="0">
+                <a:latin typeface="Times New Roman" panose="02020603050405020304" pitchFamily="18" charset="0"/>
+                <a:cs typeface="Times New Roman" panose="02020603050405020304" pitchFamily="18" charset="0"/>
+              </a:rPr>
+              <a:t>Группа: 21П-1</a:t>
+            </a:r>
+          </a:p>
+          <a:p>
+            <a:pPr algn="l">
+              <a:lnSpc>
+                <a:spcPct val="80000"/>
+              </a:lnSpc>
+              <a:spcBef>
+                <a:spcPct val="20000"/>
+              </a:spcBef>
+            </a:pPr>
+            <a:r>
+              <a:rPr lang="ru-RU" altLang="ru-RU" sz="1800" b="1" dirty="0">
+                <a:latin typeface="Times New Roman" panose="02020603050405020304" pitchFamily="18" charset="0"/>
+                <a:cs typeface="Times New Roman" panose="02020603050405020304" pitchFamily="18" charset="0"/>
+              </a:rPr>
+              <a:t>Специальность:</a:t>
+            </a:r>
+          </a:p>
+          <a:p>
+            <a:pPr algn="l">
+              <a:lnSpc>
+                <a:spcPct val="80000"/>
+              </a:lnSpc>
+              <a:spcBef>
+                <a:spcPct val="20000"/>
+              </a:spcBef>
+            </a:pPr>
+            <a:r>
+              <a:rPr lang="ru-RU" altLang="ru-RU" sz="1800" dirty="0">
+                <a:latin typeface="Times New Roman" panose="02020603050405020304" pitchFamily="18" charset="0"/>
+                <a:cs typeface="Times New Roman" panose="02020603050405020304" pitchFamily="18" charset="0"/>
+              </a:rPr>
+              <a:t>09.02.07 Информационные </a:t>
+            </a:r>
+          </a:p>
+          <a:p>
+            <a:pPr algn="l">
+              <a:lnSpc>
+                <a:spcPct val="80000"/>
+              </a:lnSpc>
+              <a:spcBef>
+                <a:spcPct val="20000"/>
+              </a:spcBef>
+            </a:pPr>
+            <a:r>
+              <a:rPr lang="ru-RU" altLang="ru-RU" sz="1800" dirty="0">
+                <a:latin typeface="Times New Roman" panose="02020603050405020304" pitchFamily="18" charset="0"/>
+                <a:cs typeface="Times New Roman" panose="02020603050405020304" pitchFamily="18" charset="0"/>
+              </a:rPr>
+              <a:t>системы и программирование</a:t>
+            </a:r>
+          </a:p>
+          <a:p>
+            <a:pPr algn="l">
+              <a:lnSpc>
+                <a:spcPct val="80000"/>
+              </a:lnSpc>
+              <a:spcBef>
+                <a:spcPct val="20000"/>
+              </a:spcBef>
+            </a:pPr>
+            <a:r>
+              <a:rPr lang="ru-RU" altLang="ru-RU" sz="1800" b="1" dirty="0">
+                <a:latin typeface="Times New Roman" panose="02020603050405020304" pitchFamily="18" charset="0"/>
+                <a:cs typeface="Times New Roman" panose="02020603050405020304" pitchFamily="18" charset="0"/>
+              </a:rPr>
+              <a:t>Руководитель: </a:t>
+            </a:r>
+            <a:r>
+              <a:rPr lang="ru-RU" altLang="ru-RU" sz="1800" dirty="0">
+                <a:latin typeface="Times New Roman" panose="02020603050405020304" pitchFamily="18" charset="0"/>
+                <a:cs typeface="Times New Roman" panose="02020603050405020304" pitchFamily="18" charset="0"/>
+              </a:rPr>
+              <a:t>Калинин Арсений Олегович</a:t>
+            </a:r>
+          </a:p>
+        </p:txBody>
+      </p:sp>
+      <p:sp>
+        <p:nvSpPr>
+          <p:cNvPr id="9" name="TextBox 5">
+            <a:extLst>
+              <a:ext uri="{FF2B5EF4-FFF2-40B4-BE49-F238E27FC236}">
+                <a16:creationId xmlns:a16="http://schemas.microsoft.com/office/drawing/2014/main" id="{25BA9856-B1AA-40A6-92B6-2D64AC9E52E2}"/>
+              </a:ext>
+            </a:extLst>
+          </p:cNvPr>
+          <p:cNvSpPr txBox="1"/>
+          <p:nvPr/>
+        </p:nvSpPr>
+        <p:spPr>
+          <a:xfrm>
+            <a:off x="5754210" y="6488668"/>
+            <a:ext cx="683580" cy="369332"/>
+          </a:xfrm>
+          <a:prstGeom prst="rect">
+            <a:avLst/>
+          </a:prstGeom>
+          <a:noFill/>
+        </p:spPr>
+        <p:txBody>
+          <a:bodyPr wrap="square" rtlCol="0">
+            <a:spAutoFit/>
+          </a:bodyPr>
+          <a:lstStyle>
+            <a:defPPr>
+              <a:defRPr lang="ru-RU"/>
+            </a:defPPr>
+            <a:lvl1pPr marL="0" algn="l" defTabSz="914400" rtl="0" eaLnBrk="1" latinLnBrk="0" hangingPunct="1">
+              <a:defRPr sz="1800" kern="1200">
+                <a:solidFill>
+                  <a:schemeClr val="tx1"/>
+                </a:solidFill>
+                <a:latin typeface="+mn-lt"/>
+                <a:ea typeface="+mn-ea"/>
+                <a:cs typeface="+mn-cs"/>
+              </a:defRPr>
+            </a:lvl1pPr>
+            <a:lvl2pPr marL="457200" algn="l" defTabSz="914400" rtl="0" eaLnBrk="1" latinLnBrk="0" hangingPunct="1">
+              <a:defRPr sz="1800" kern="1200">
+                <a:solidFill>
+                  <a:schemeClr val="tx1"/>
+                </a:solidFill>
+                <a:latin typeface="+mn-lt"/>
+                <a:ea typeface="+mn-ea"/>
+                <a:cs typeface="+mn-cs"/>
+              </a:defRPr>
+            </a:lvl2pPr>
+            <a:lvl3pPr marL="914400" algn="l" defTabSz="914400" rtl="0" eaLnBrk="1" latinLnBrk="0" hangingPunct="1">
+              <a:defRPr sz="1800" kern="1200">
+                <a:solidFill>
+                  <a:schemeClr val="tx1"/>
+                </a:solidFill>
+                <a:latin typeface="+mn-lt"/>
+                <a:ea typeface="+mn-ea"/>
+                <a:cs typeface="+mn-cs"/>
+              </a:defRPr>
+            </a:lvl3pPr>
+            <a:lvl4pPr marL="1371600" algn="l" defTabSz="914400" rtl="0" eaLnBrk="1" latinLnBrk="0" hangingPunct="1">
+              <a:defRPr sz="1800" kern="1200">
+                <a:solidFill>
+                  <a:schemeClr val="tx1"/>
+                </a:solidFill>
+                <a:latin typeface="+mn-lt"/>
+                <a:ea typeface="+mn-ea"/>
+                <a:cs typeface="+mn-cs"/>
+              </a:defRPr>
+            </a:lvl4pPr>
+            <a:lvl5pPr marL="1828800" algn="l" defTabSz="914400" rtl="0" eaLnBrk="1" latinLnBrk="0" hangingPunct="1">
+              <a:defRPr sz="1800" kern="1200">
+                <a:solidFill>
+                  <a:schemeClr val="tx1"/>
+                </a:solidFill>
+                <a:latin typeface="+mn-lt"/>
+                <a:ea typeface="+mn-ea"/>
+                <a:cs typeface="+mn-cs"/>
+              </a:defRPr>
+            </a:lvl5pPr>
+            <a:lvl6pPr marL="2286000" algn="l" defTabSz="914400" rtl="0" eaLnBrk="1" latinLnBrk="0" hangingPunct="1">
+              <a:defRPr sz="1800" kern="1200">
+                <a:solidFill>
+                  <a:schemeClr val="tx1"/>
+                </a:solidFill>
+                <a:latin typeface="+mn-lt"/>
+                <a:ea typeface="+mn-ea"/>
+                <a:cs typeface="+mn-cs"/>
+              </a:defRPr>
+            </a:lvl6pPr>
+            <a:lvl7pPr marL="2743200" algn="l" defTabSz="914400" rtl="0" eaLnBrk="1" latinLnBrk="0" hangingPunct="1">
+              <a:defRPr sz="1800" kern="1200">
+                <a:solidFill>
+                  <a:schemeClr val="tx1"/>
+                </a:solidFill>
+                <a:latin typeface="+mn-lt"/>
+                <a:ea typeface="+mn-ea"/>
+                <a:cs typeface="+mn-cs"/>
+              </a:defRPr>
+            </a:lvl7pPr>
+            <a:lvl8pPr marL="3200400" algn="l" defTabSz="914400" rtl="0" eaLnBrk="1" latinLnBrk="0" hangingPunct="1">
+              <a:defRPr sz="1800" kern="1200">
+                <a:solidFill>
+                  <a:schemeClr val="tx1"/>
+                </a:solidFill>
+                <a:latin typeface="+mn-lt"/>
+                <a:ea typeface="+mn-ea"/>
+                <a:cs typeface="+mn-cs"/>
+              </a:defRPr>
+            </a:lvl8pPr>
+            <a:lvl9pPr marL="3657600" algn="l" defTabSz="914400" rtl="0" eaLnBrk="1" latinLnBrk="0" hangingPunct="1">
+              <a:defRPr sz="1800" kern="1200">
+                <a:solidFill>
+                  <a:schemeClr val="tx1"/>
+                </a:solidFill>
+                <a:latin typeface="+mn-lt"/>
+                <a:ea typeface="+mn-ea"/>
+                <a:cs typeface="+mn-cs"/>
+              </a:defRPr>
+            </a:lvl9pPr>
+          </a:lstStyle>
+          <a:p>
+            <a:pPr algn="ctr"/>
+            <a:r>
+              <a:rPr lang="ru-RU" dirty="0"/>
+              <a:t>2024</a:t>
+            </a:r>
+          </a:p>
+        </p:txBody>
+      </p:sp>
     </p:spTree>
     <p:extLst>
       <p:ext uri="{BB962C8B-B14F-4D97-AF65-F5344CB8AC3E}">
@@ -3756,46 +8160,14 @@
           </a:bodyPr>
           <a:lstStyle/>
           <a:p>
-            <a:pPr marL="0" indent="0">
-              <a:buNone/>
-            </a:pPr>
-            <a:r>
-              <a:rPr lang="ru-RU" dirty="0">
+            <a:pPr algn="just"/>
+            <a:r>
+              <a:rPr lang="ru-RU" sz="2600" dirty="0">
                 <a:latin typeface="Times New Roman" panose="02020603050405020304" pitchFamily="18" charset="0"/>
                 <a:cs typeface="Times New Roman" panose="02020603050405020304" pitchFamily="18" charset="0"/>
               </a:rPr>
-              <a:t>	Скорость получения данных от сервера.</a:t>
-            </a:r>
-          </a:p>
-          <a:p>
-            <a:pPr marL="0" indent="0">
-              <a:buNone/>
-            </a:pPr>
-            <a:r>
-              <a:rPr lang="ru-RU" dirty="0">
-                <a:latin typeface="Times New Roman" panose="02020603050405020304" pitchFamily="18" charset="0"/>
-                <a:cs typeface="Times New Roman" panose="02020603050405020304" pitchFamily="18" charset="0"/>
-              </a:rPr>
-              <a:t>	Сохранение в </a:t>
-            </a:r>
-            <a:r>
-              <a:rPr lang="en-US" dirty="0">
-                <a:latin typeface="Times New Roman" panose="02020603050405020304" pitchFamily="18" charset="0"/>
-                <a:cs typeface="Times New Roman" panose="02020603050405020304" pitchFamily="18" charset="0"/>
-              </a:rPr>
-              <a:t>PDF </a:t>
-            </a:r>
-            <a:r>
-              <a:rPr lang="ru-RU" dirty="0">
-                <a:latin typeface="Times New Roman" panose="02020603050405020304" pitchFamily="18" charset="0"/>
-                <a:cs typeface="Times New Roman" panose="02020603050405020304" pitchFamily="18" charset="0"/>
-              </a:rPr>
-              <a:t>файл</a:t>
-            </a:r>
-            <a:endParaRPr lang="en-US" dirty="0">
-              <a:latin typeface="Times New Roman" panose="02020603050405020304" pitchFamily="18" charset="0"/>
-              <a:cs typeface="Times New Roman" panose="02020603050405020304" pitchFamily="18" charset="0"/>
-            </a:endParaRPr>
+              <a:t>Скорость работы с приложением зависит от скорости передачи данных между клиентом и сервером.</a:t>
+            </a:r>
           </a:p>
         </p:txBody>
       </p:sp>
@@ -3834,7 +8206,7 @@
                 </a:solidFill>
                 <a:latin typeface="Times New Roman" panose="02020603050405020304" pitchFamily="18" charset="0"/>
               </a:rPr>
-              <a:t>РАЗРАБОТКА ПРОГРАММНОЙ СИСТЕМЫ ВСТРАИВАНИЯ ЦИФРОВОГО ВОДЯНОГО ЗНАКА В ЦИФРОВОЕ ИЗОБРАЖЕНИЕ </a:t>
+              <a:t>РАЗРАБОТКА ПРОГРАММНОГО МОДУЛЯ ДЛЯ АВТОМАТИЗАЦИИ ПРОДАЖИ БИЛЕТОВ В КИНОТЕАТРЕ</a:t>
             </a:r>
             <a:endParaRPr lang="ru-RU" dirty="0"/>
           </a:p>
@@ -3970,7 +8342,7 @@
         <p:spPr>
           <a:xfrm>
             <a:off x="838200" y="1491447"/>
-            <a:ext cx="10515600" cy="4685515"/>
+            <a:ext cx="8661400" cy="4685515"/>
           </a:xfrm>
         </p:spPr>
         <p:txBody>
@@ -3979,31 +8351,98 @@
           </a:bodyPr>
           <a:lstStyle/>
           <a:p>
-            <a:pPr marL="0" indent="0">
-              <a:buNone/>
-            </a:pPr>
-            <a:r>
-              <a:rPr lang="ru-RU" dirty="0">
+            <a:pPr algn="just"/>
+            <a:r>
+              <a:rPr lang="ru-RU" sz="2600" dirty="0">
                 <a:latin typeface="Times New Roman" panose="02020603050405020304" pitchFamily="18" charset="0"/>
                 <a:cs typeface="Times New Roman" panose="02020603050405020304" pitchFamily="18" charset="0"/>
               </a:rPr>
-              <a:t>	Изменить интерфейс программы</a:t>
-            </a:r>
-            <a:endParaRPr lang="en-US" dirty="0">
-              <a:latin typeface="Times New Roman" panose="02020603050405020304" pitchFamily="18" charset="0"/>
-              <a:cs typeface="Times New Roman" panose="02020603050405020304" pitchFamily="18" charset="0"/>
-            </a:endParaRPr>
-          </a:p>
-          <a:p>
-            <a:pPr marL="0" indent="0">
-              <a:buNone/>
-            </a:pPr>
-            <a:r>
-              <a:rPr lang="ru-RU" dirty="0">
+              <a:t>Улучшение дизайна программы</a:t>
+            </a:r>
+            <a:r>
+              <a:rPr lang="en-US" sz="2600" dirty="0">
                 <a:latin typeface="Times New Roman" panose="02020603050405020304" pitchFamily="18" charset="0"/>
                 <a:cs typeface="Times New Roman" panose="02020603050405020304" pitchFamily="18" charset="0"/>
               </a:rPr>
-              <a:t>	Работать над оптимизацией программы</a:t>
+              <a:t>;</a:t>
+            </a:r>
+          </a:p>
+          <a:p>
+            <a:pPr algn="just"/>
+            <a:r>
+              <a:rPr lang="ru-RU" sz="2600" dirty="0">
+                <a:latin typeface="Times New Roman" panose="02020603050405020304" pitchFamily="18" charset="0"/>
+                <a:cs typeface="Times New Roman" panose="02020603050405020304" pitchFamily="18" charset="0"/>
+              </a:rPr>
+              <a:t>Улучшение оптимизации</a:t>
+            </a:r>
+            <a:r>
+              <a:rPr lang="en-US" sz="2600" dirty="0">
+                <a:latin typeface="Times New Roman" panose="02020603050405020304" pitchFamily="18" charset="0"/>
+                <a:cs typeface="Times New Roman" panose="02020603050405020304" pitchFamily="18" charset="0"/>
+              </a:rPr>
+              <a:t>;</a:t>
+            </a:r>
+          </a:p>
+          <a:p>
+            <a:pPr algn="just"/>
+            <a:r>
+              <a:rPr lang="ru-RU" sz="2600" dirty="0">
+                <a:latin typeface="Times New Roman" panose="02020603050405020304" pitchFamily="18" charset="0"/>
+                <a:cs typeface="Times New Roman" panose="02020603050405020304" pitchFamily="18" charset="0"/>
+              </a:rPr>
+              <a:t>Интеграция с системами внешних платежей</a:t>
+            </a:r>
+            <a:r>
+              <a:rPr lang="en-US" sz="2600" dirty="0">
+                <a:latin typeface="Times New Roman" panose="02020603050405020304" pitchFamily="18" charset="0"/>
+                <a:cs typeface="Times New Roman" panose="02020603050405020304" pitchFamily="18" charset="0"/>
+              </a:rPr>
+              <a:t>;</a:t>
+            </a:r>
+          </a:p>
+          <a:p>
+            <a:pPr algn="just"/>
+            <a:r>
+              <a:rPr lang="ru-RU" sz="2600" dirty="0">
+                <a:latin typeface="Times New Roman" panose="02020603050405020304" pitchFamily="18" charset="0"/>
+                <a:cs typeface="Times New Roman" panose="02020603050405020304" pitchFamily="18" charset="0"/>
+              </a:rPr>
+              <a:t>Персонализация интерфейса для каждого сотрудника</a:t>
+            </a:r>
+            <a:r>
+              <a:rPr lang="en-US" sz="2600" dirty="0">
+                <a:latin typeface="Times New Roman" panose="02020603050405020304" pitchFamily="18" charset="0"/>
+                <a:cs typeface="Times New Roman" panose="02020603050405020304" pitchFamily="18" charset="0"/>
+              </a:rPr>
+              <a:t>;</a:t>
+            </a:r>
+          </a:p>
+          <a:p>
+            <a:pPr algn="just"/>
+            <a:r>
+              <a:rPr lang="ru-RU" sz="2600" dirty="0">
+                <a:latin typeface="Times New Roman" panose="02020603050405020304" pitchFamily="18" charset="0"/>
+                <a:cs typeface="Times New Roman" panose="02020603050405020304" pitchFamily="18" charset="0"/>
+              </a:rPr>
+              <a:t>Использование программного модуля в веб приложении</a:t>
+            </a:r>
+            <a:r>
+              <a:rPr lang="en-US" sz="2600" dirty="0">
+                <a:latin typeface="Times New Roman" panose="02020603050405020304" pitchFamily="18" charset="0"/>
+                <a:cs typeface="Times New Roman" panose="02020603050405020304" pitchFamily="18" charset="0"/>
+              </a:rPr>
+              <a:t>;</a:t>
+            </a:r>
+          </a:p>
+          <a:p>
+            <a:pPr algn="just"/>
+            <a:r>
+              <a:rPr lang="ru-RU" sz="2600" dirty="0">
+                <a:latin typeface="Times New Roman" panose="02020603050405020304" pitchFamily="18" charset="0"/>
+                <a:cs typeface="Times New Roman" panose="02020603050405020304" pitchFamily="18" charset="0"/>
+              </a:rPr>
+              <a:t>Использование программного модуля в составе десктопного приложения для большего охвата рабочих задач кинотеатра.</a:t>
             </a:r>
           </a:p>
         </p:txBody>
@@ -4043,7 +8482,7 @@
                 </a:solidFill>
                 <a:latin typeface="Times New Roman" panose="02020603050405020304" pitchFamily="18" charset="0"/>
               </a:rPr>
-              <a:t>РАЗРАБОТКА ПРОГРАММНОЙ СИСТЕМЫ ВСТРАИВАНИЯ ЦИФРОВОГО ВОДЯНОГО ЗНАКА В ЦИФРОВОЕ ИЗОБРАЖЕНИЕ </a:t>
+              <a:t>РАЗРАБОТКА ПРОГРАММНОГО МОДУЛЯ ДЛЯ АВТОМАТИЗАЦИИ ПРОДАЖИ БИЛЕТОВ В КИНОТЕАТРЕ</a:t>
             </a:r>
             <a:endParaRPr lang="ru-RU" dirty="0"/>
           </a:p>
@@ -4064,7 +8503,7 @@
           <p:nvPr/>
         </p:nvPicPr>
         <p:blipFill rotWithShape="1">
-          <a:blip r:embed="rId2">
+          <a:blip r:embed="rId3">
             <a:extLst>
               <a:ext uri="{28A0092B-C50C-407E-A947-70E740481C1C}">
                 <a14:useLocalDpi xmlns:a14="http://schemas.microsoft.com/office/drawing/2010/main" val="0"/>
@@ -4184,7 +8623,7 @@
           </a:bodyPr>
           <a:lstStyle/>
           <a:p>
-            <a:pPr marL="0" indent="0">
+            <a:pPr marL="0" indent="0" algn="just">
               <a:buNone/>
             </a:pPr>
             <a:r>
@@ -4203,7 +8642,7 @@
             </a:r>
           </a:p>
           <a:p>
-            <a:pPr marL="0" indent="0">
+            <a:pPr marL="0" indent="0" algn="just">
               <a:buNone/>
             </a:pPr>
             <a:r>
@@ -4222,6 +8661,7 @@
             </a:r>
           </a:p>
           <a:p>
+            <a:pPr algn="just"/>
             <a:r>
               <a:rPr lang="ru-RU" dirty="0">
                 <a:latin typeface="Times New Roman" panose="02020603050405020304" pitchFamily="18" charset="0"/>
@@ -4231,6 +8671,7 @@
             </a:r>
           </a:p>
           <a:p>
+            <a:pPr algn="just"/>
             <a:r>
               <a:rPr lang="ru-RU" dirty="0">
                 <a:latin typeface="Times New Roman" panose="02020603050405020304" pitchFamily="18" charset="0"/>
@@ -4240,6 +8681,7 @@
             </a:r>
           </a:p>
           <a:p>
+            <a:pPr algn="just"/>
             <a:r>
               <a:rPr lang="ru-RU" dirty="0">
                 <a:latin typeface="Times New Roman" panose="02020603050405020304" pitchFamily="18" charset="0"/>
@@ -4249,6 +8691,7 @@
             </a:r>
           </a:p>
           <a:p>
+            <a:pPr algn="just"/>
             <a:r>
               <a:rPr lang="ru-RU" dirty="0">
                 <a:latin typeface="Times New Roman" panose="02020603050405020304" pitchFamily="18" charset="0"/>
@@ -4258,6 +8701,7 @@
             </a:r>
           </a:p>
           <a:p>
+            <a:pPr algn="just"/>
             <a:r>
               <a:rPr lang="ru-RU" dirty="0">
                 <a:latin typeface="Times New Roman" panose="02020603050405020304" pitchFamily="18" charset="0"/>
@@ -4267,6 +8711,7 @@
             </a:r>
           </a:p>
           <a:p>
+            <a:pPr algn="just"/>
             <a:r>
               <a:rPr lang="ru-RU" dirty="0">
                 <a:latin typeface="Times New Roman" panose="02020603050405020304" pitchFamily="18" charset="0"/>
@@ -4312,7 +8757,7 @@
                 </a:solidFill>
                 <a:latin typeface="Times New Roman" panose="02020603050405020304" pitchFamily="18" charset="0"/>
               </a:rPr>
-              <a:t>РАЗРАБОТКА ПРОГРАММНОЙ СИСТЕМЫ ВСТРАИВАНИЯ ЦИФРОВОГО ВОДЯНОГО ЗНАКА В ЦИФРОВОЕ ИЗОБРАЖЕНИЕ </a:t>
+              <a:t>РАЗРАБОТКА ПРОГРАММНОГО МОДУЛЯ ДЛЯ АВТОМАТИЗАЦИИ ПРОДАЖИ БИЛЕТОВ В КИНОТЕАТРЕ</a:t>
             </a:r>
             <a:endParaRPr lang="ru-RU" dirty="0"/>
           </a:p>
@@ -4421,7 +8866,7 @@
           </a:bodyPr>
           <a:lstStyle/>
           <a:p>
-            <a:pPr marL="0" indent="0">
+            <a:pPr marL="0" indent="0" algn="just">
               <a:buNone/>
             </a:pPr>
             <a:r>
@@ -4429,17 +8874,24 @@
                 <a:latin typeface="Times New Roman" panose="02020603050405020304" pitchFamily="18" charset="0"/>
                 <a:cs typeface="Times New Roman" panose="02020603050405020304" pitchFamily="18" charset="0"/>
               </a:rPr>
-              <a:t>	Продажа билетов в кинотеатре — это процесс реализации билетов на киносеансы, который</a:t>
-            </a:r>
-            <a:r>
-              <a:rPr lang="en-US" dirty="0">
+              <a:t>	</a:t>
+            </a:r>
+            <a:r>
+              <a:rPr lang="ru-RU" sz="2600" dirty="0">
+                <a:latin typeface="Times New Roman" panose="02020603050405020304" pitchFamily="18" charset="0"/>
+                <a:cs typeface="Times New Roman" panose="02020603050405020304" pitchFamily="18" charset="0"/>
+              </a:rPr>
+              <a:t>Продажа билетов в кинотеатре — это процесс реализации билетов на киносеансы, который</a:t>
+            </a:r>
+            <a:r>
+              <a:rPr lang="en-US" sz="2600" dirty="0">
                 <a:latin typeface="Times New Roman" panose="02020603050405020304" pitchFamily="18" charset="0"/>
                 <a:cs typeface="Times New Roman" panose="02020603050405020304" pitchFamily="18" charset="0"/>
               </a:rPr>
               <a:t> </a:t>
             </a:r>
             <a:r>
-              <a:rPr lang="ru-RU" dirty="0">
+              <a:rPr lang="ru-RU" sz="2600" dirty="0">
                 <a:latin typeface="Times New Roman" panose="02020603050405020304" pitchFamily="18" charset="0"/>
                 <a:cs typeface="Times New Roman" panose="02020603050405020304" pitchFamily="18" charset="0"/>
               </a:rPr>
@@ -4483,7 +8935,7 @@
                 </a:solidFill>
                 <a:latin typeface="Times New Roman" panose="02020603050405020304" pitchFamily="18" charset="0"/>
               </a:rPr>
-              <a:t>РАЗРАБОТКА ПРОГРАММНОЙ СИСТЕМЫ ВСТРАИВАНИЯ ЦИФРОВОГО ВОДЯНОГО ЗНАКА В ЦИФРОВОЕ ИЗОБРАЖЕНИЕ </a:t>
+              <a:t>РАЗРАБОТКА ПРОГРАММНОГО МОДУЛЯ ДЛЯ АВТОМАТИЗАЦИИ ПРОДАЖИ БИЛЕТОВ В КИНОТЕАТРЕ</a:t>
             </a:r>
             <a:endParaRPr lang="ru-RU" dirty="0"/>
           </a:p>
@@ -4518,13 +8970,16 @@
         </p:blipFill>
         <p:spPr bwMode="auto">
           <a:xfrm>
-            <a:off x="3666385" y="3429000"/>
-            <a:ext cx="4859230" cy="3258259"/>
+            <a:off x="3608491" y="3206206"/>
+            <a:ext cx="4975018" cy="3335900"/>
           </a:xfrm>
           <a:prstGeom prst="rect">
             <a:avLst/>
           </a:prstGeom>
           <a:noFill/>
+          <a:effectLst>
+            <a:softEdge rad="63500"/>
+          </a:effectLst>
           <a:extLst>
             <a:ext uri="{909E8E84-426E-40DD-AFC4-6F175D3DCCD1}">
               <a14:hiddenFill xmlns:a14="http://schemas.microsoft.com/office/drawing/2010/main">
@@ -4646,7 +9101,7 @@
                 </a:solidFill>
                 <a:latin typeface="Times New Roman" panose="02020603050405020304" pitchFamily="18" charset="0"/>
               </a:rPr>
-              <a:t>РАЗРАБОТКА ПРОГРАММНОЙ СИСТЕМЫ ВСТРАИВАНИЯ ЦИФРОВОГО ВОДЯНОГО ЗНАКА В ЦИФРОВОЕ ИЗОБРАЖЕНИЕ </a:t>
+              <a:t>РАЗРАБОТКА ПРОГРАММНОГО МОДУЛЯ ДЛЯ АВТОМАТИЗАЦИИ ПРОДАЖИ БИЛЕТОВ В КИНОТЕАТРЕ</a:t>
             </a:r>
             <a:endParaRPr lang="ru-RU" dirty="0"/>
           </a:p>
@@ -4654,10 +9109,10 @@
       </p:sp>
       <p:pic>
         <p:nvPicPr>
-          <p:cNvPr id="9" name="Рисунок 8">
+          <p:cNvPr id="5" name="Рисунок 4">
             <a:extLst>
               <a:ext uri="{FF2B5EF4-FFF2-40B4-BE49-F238E27FC236}">
-                <a16:creationId xmlns:a16="http://schemas.microsoft.com/office/drawing/2014/main" id="{E54BE5EF-02A8-4D43-8064-437D8944730B}"/>
+                <a16:creationId xmlns:a16="http://schemas.microsoft.com/office/drawing/2014/main" id="{3CDD312F-4E7E-45F5-86A1-BEF73E6C2A5F}"/>
               </a:ext>
             </a:extLst>
           </p:cNvPr>
@@ -4674,8 +9129,8 @@
         </p:blipFill>
         <p:spPr>
           <a:xfrm>
-            <a:off x="419100" y="1691847"/>
-            <a:ext cx="11353800" cy="4894417"/>
+            <a:off x="312057" y="1491448"/>
+            <a:ext cx="11567886" cy="4808707"/>
           </a:xfrm>
           <a:prstGeom prst="rect">
             <a:avLst/>
@@ -4792,7 +9247,7 @@
                 </a:solidFill>
                 <a:latin typeface="Times New Roman" panose="02020603050405020304" pitchFamily="18" charset="0"/>
               </a:rPr>
-              <a:t>РАЗРАБОТКА ПРОГРАММНОЙ СИСТЕМЫ ВСТРАИВАНИЯ ЦИФРОВОГО ВОДЯНОГО ЗНАКА В ЦИФРОВОЕ ИЗОБРАЖЕНИЕ </a:t>
+              <a:t>РАЗРАБОТКА ПРОГРАММНОГО МОДУЛЯ ДЛЯ АВТОМАТИЗАЦИИ ПРОДАЖИ БИЛЕТОВ В КИНОТЕАТРЕ</a:t>
             </a:r>
             <a:endParaRPr lang="ru-RU" dirty="0"/>
           </a:p>
@@ -4800,10 +9255,10 @@
       </p:sp>
       <p:pic>
         <p:nvPicPr>
-          <p:cNvPr id="3" name="Рисунок 2">
+          <p:cNvPr id="5" name="Рисунок 4">
             <a:extLst>
               <a:ext uri="{FF2B5EF4-FFF2-40B4-BE49-F238E27FC236}">
-                <a16:creationId xmlns:a16="http://schemas.microsoft.com/office/drawing/2014/main" id="{69C365C5-2198-4C33-85F5-51A45364D499}"/>
+                <a16:creationId xmlns:a16="http://schemas.microsoft.com/office/drawing/2014/main" id="{05A3FA8A-1B12-4808-A871-C3014ABA3E7B}"/>
               </a:ext>
             </a:extLst>
           </p:cNvPr>
@@ -4820,8 +9275,8 @@
         </p:blipFill>
         <p:spPr>
           <a:xfrm>
-            <a:off x="1756610" y="1491448"/>
-            <a:ext cx="8678779" cy="5030184"/>
+            <a:off x="1682035" y="1491448"/>
+            <a:ext cx="8827930" cy="5144522"/>
           </a:xfrm>
           <a:prstGeom prst="rect">
             <a:avLst/>
@@ -4898,7 +9353,7 @@
               <a:rPr lang="ru-RU" altLang="ru-RU" sz="3200" b="1" dirty="0">
                 <a:latin typeface="Times New Roman" panose="02020603050405020304" pitchFamily="18" charset="0"/>
               </a:rPr>
-              <a:t>Средства разработки</a:t>
+              <a:t>Анализ предметной области</a:t>
             </a:r>
           </a:p>
         </p:txBody>
@@ -4931,91 +9386,29 @@
           </a:bodyPr>
           <a:lstStyle/>
           <a:p>
-            <a:pPr marL="0" indent="0" algn="ctr">
+            <a:pPr marL="0" indent="0" algn="just">
               <a:buNone/>
             </a:pPr>
             <a:r>
-              <a:rPr lang="ru-RU" dirty="0">
+              <a:rPr lang="en-US" sz="2600" dirty="0">
                 <a:latin typeface="Times New Roman" panose="02020603050405020304" pitchFamily="18" charset="0"/>
                 <a:cs typeface="Times New Roman" panose="02020603050405020304" pitchFamily="18" charset="0"/>
               </a:rPr>
-              <a:t>Среда разработки </a:t>
-            </a:r>
-            <a:r>
-              <a:rPr lang="en-US" dirty="0">
+              <a:t>	</a:t>
+            </a:r>
+            <a:r>
+              <a:rPr lang="ru-RU" sz="2600" dirty="0" err="1">
                 <a:latin typeface="Times New Roman" panose="02020603050405020304" pitchFamily="18" charset="0"/>
                 <a:cs typeface="Times New Roman" panose="02020603050405020304" pitchFamily="18" charset="0"/>
               </a:rPr>
-              <a:t>Visual Studio 2022</a:t>
-            </a:r>
-          </a:p>
-          <a:p>
-            <a:pPr marL="0" indent="0" algn="ctr">
-              <a:buNone/>
-            </a:pPr>
-            <a:r>
-              <a:rPr lang="ru-RU" dirty="0">
+              <a:t>InTickets</a:t>
+            </a:r>
+            <a:r>
+              <a:rPr lang="ru-RU" sz="2600" dirty="0">
                 <a:latin typeface="Times New Roman" panose="02020603050405020304" pitchFamily="18" charset="0"/>
                 <a:cs typeface="Times New Roman" panose="02020603050405020304" pitchFamily="18" charset="0"/>
               </a:rPr>
-              <a:t>Языки программирования </a:t>
-            </a:r>
-            <a:r>
-              <a:rPr lang="en-US" dirty="0">
-                <a:latin typeface="Times New Roman" panose="02020603050405020304" pitchFamily="18" charset="0"/>
-                <a:cs typeface="Times New Roman" panose="02020603050405020304" pitchFamily="18" charset="0"/>
-              </a:rPr>
-              <a:t>C#, T-SQL.</a:t>
-            </a:r>
-          </a:p>
-          <a:p>
-            <a:pPr marL="0" indent="0" algn="ctr">
-              <a:buNone/>
-            </a:pPr>
-            <a:r>
-              <a:rPr lang="en-US" dirty="0">
-                <a:latin typeface="Times New Roman" panose="02020603050405020304" pitchFamily="18" charset="0"/>
-                <a:cs typeface="Times New Roman" panose="02020603050405020304" pitchFamily="18" charset="0"/>
-              </a:rPr>
-              <a:t>Windows Presentation Foundation (WPF)</a:t>
-            </a:r>
-          </a:p>
-          <a:p>
-            <a:pPr marL="0" indent="0" algn="ctr">
-              <a:buNone/>
-            </a:pPr>
-            <a:r>
-              <a:rPr lang="ru-RU" dirty="0">
-                <a:latin typeface="Times New Roman" panose="02020603050405020304" pitchFamily="18" charset="0"/>
-                <a:cs typeface="Times New Roman" panose="02020603050405020304" pitchFamily="18" charset="0"/>
-              </a:rPr>
-              <a:t>Среда разработки </a:t>
-            </a:r>
-            <a:r>
-              <a:rPr lang="en-US" dirty="0">
-                <a:latin typeface="Times New Roman" panose="02020603050405020304" pitchFamily="18" charset="0"/>
-                <a:cs typeface="Times New Roman" panose="02020603050405020304" pitchFamily="18" charset="0"/>
-              </a:rPr>
-              <a:t>SQL Server 2014 Management Studio</a:t>
-            </a:r>
-          </a:p>
-          <a:p>
-            <a:pPr marL="0" indent="0" algn="ctr">
-              <a:buNone/>
-            </a:pPr>
-            <a:r>
-              <a:rPr lang="ru-RU" dirty="0">
-                <a:latin typeface="Times New Roman" panose="02020603050405020304" pitchFamily="18" charset="0"/>
-                <a:cs typeface="Times New Roman" panose="02020603050405020304" pitchFamily="18" charset="0"/>
-              </a:rPr>
-              <a:t>База данных </a:t>
-            </a:r>
-            <a:r>
-              <a:rPr lang="en-US" dirty="0">
-                <a:latin typeface="Times New Roman" panose="02020603050405020304" pitchFamily="18" charset="0"/>
-                <a:cs typeface="Times New Roman" panose="02020603050405020304" pitchFamily="18" charset="0"/>
-              </a:rPr>
-              <a:t>SQL-Express</a:t>
+              <a:t> - это платформа для продажи билетов онлайн. Она предоставляет инструменты для создания мероприятий, управления билетами, продажи, обработки платежей и анализа данных. </a:t>
             </a:r>
           </a:p>
         </p:txBody>
@@ -5055,7 +9448,284 @@
                 </a:solidFill>
                 <a:latin typeface="Times New Roman" panose="02020603050405020304" pitchFamily="18" charset="0"/>
               </a:rPr>
-              <a:t>РАЗРАБОТКА ПРОГРАММНОЙ СИСТЕМЫ ВСТРАИВАНИЯ ЦИФРОВОГО ВОДЯНОГО ЗНАКА В ЦИФРОВОЕ ИЗОБРАЖЕНИЕ </a:t>
+              <a:t>РАЗРАБОТКА ПРОГРАММНОГО МОДУЛЯ ДЛЯ АВТОМАТИЗАЦИИ ПРОДАЖИ БИЛЕТОВ В КИНОТЕАТРЕ</a:t>
+            </a:r>
+            <a:endParaRPr lang="ru-RU" dirty="0"/>
+          </a:p>
+        </p:txBody>
+      </p:sp>
+      <p:pic>
+        <p:nvPicPr>
+          <p:cNvPr id="6" name="Рисунок 5">
+            <a:extLst>
+              <a:ext uri="{FF2B5EF4-FFF2-40B4-BE49-F238E27FC236}">
+                <a16:creationId xmlns:a16="http://schemas.microsoft.com/office/drawing/2014/main" id="{CEBA2E2C-4CE7-4556-BB8B-57E1AD732FA4}"/>
+              </a:ext>
+            </a:extLst>
+          </p:cNvPr>
+          <p:cNvPicPr/>
+          <p:nvPr/>
+        </p:nvPicPr>
+        <p:blipFill rotWithShape="1">
+          <a:blip r:embed="rId2">
+            <a:extLst>
+              <a:ext uri="{28A0092B-C50C-407E-A947-70E740481C1C}">
+                <a14:useLocalDpi xmlns:a14="http://schemas.microsoft.com/office/drawing/2010/main" val="0"/>
+              </a:ext>
+            </a:extLst>
+          </a:blip>
+          <a:srcRect l="3424" t="6850" r="3185" b="6221"/>
+          <a:stretch/>
+        </p:blipFill>
+        <p:spPr bwMode="auto">
+          <a:xfrm>
+            <a:off x="3028062" y="2844800"/>
+            <a:ext cx="6135876" cy="3763084"/>
+          </a:xfrm>
+          <a:prstGeom prst="rect">
+            <a:avLst/>
+          </a:prstGeom>
+          <a:noFill/>
+          <a:ln>
+            <a:solidFill>
+              <a:schemeClr val="tx1"/>
+            </a:solidFill>
+          </a:ln>
+          <a:extLst>
+            <a:ext uri="{53640926-AAD7-44D8-BBD7-CCE9431645EC}">
+              <a14:shadowObscured xmlns:a14="http://schemas.microsoft.com/office/drawing/2010/main"/>
+            </a:ext>
+          </a:extLst>
+        </p:spPr>
+      </p:pic>
+    </p:spTree>
+    <p:extLst>
+      <p:ext uri="{BB962C8B-B14F-4D97-AF65-F5344CB8AC3E}">
+        <p14:creationId xmlns:p14="http://schemas.microsoft.com/office/powerpoint/2010/main" val="4275484296"/>
+      </p:ext>
+    </p:extLst>
+  </p:cSld>
+  <p:clrMapOvr>
+    <a:masterClrMapping/>
+  </p:clrMapOvr>
+  <p:transition spd="slow">
+    <p:wipe/>
+  </p:transition>
+</p:sld>
+</file>
+
+<file path=ppt/slides/slide7.xml><?xml version="1.0" encoding="utf-8"?>
+<p:sld xmlns:a="http://schemas.openxmlformats.org/drawingml/2006/main" xmlns:r="http://schemas.openxmlformats.org/officeDocument/2006/relationships" xmlns:p="http://schemas.openxmlformats.org/presentationml/2006/main">
+  <p:cSld>
+    <p:spTree>
+      <p:nvGrpSpPr>
+        <p:cNvPr id="1" name=""/>
+        <p:cNvGrpSpPr/>
+        <p:nvPr/>
+      </p:nvGrpSpPr>
+      <p:grpSpPr>
+        <a:xfrm>
+          <a:off x="0" y="0"/>
+          <a:ext cx="0" cy="0"/>
+          <a:chOff x="0" y="0"/>
+          <a:chExt cx="0" cy="0"/>
+        </a:xfrm>
+      </p:grpSpPr>
+      <p:sp>
+        <p:nvSpPr>
+          <p:cNvPr id="2" name="Заголовок 1">
+            <a:extLst>
+              <a:ext uri="{FF2B5EF4-FFF2-40B4-BE49-F238E27FC236}">
+                <a16:creationId xmlns:a16="http://schemas.microsoft.com/office/drawing/2014/main" id="{90CE06F5-2B3D-48FD-B7B7-C5619967F23F}"/>
+              </a:ext>
+            </a:extLst>
+          </p:cNvPr>
+          <p:cNvSpPr>
+            <a:spLocks noGrp="1"/>
+          </p:cNvSpPr>
+          <p:nvPr>
+            <p:ph type="title"/>
+          </p:nvPr>
+        </p:nvSpPr>
+        <p:spPr>
+          <a:xfrm>
+            <a:off x="838200" y="745724"/>
+            <a:ext cx="10515600" cy="646331"/>
+          </a:xfrm>
+        </p:spPr>
+        <p:txBody>
+          <a:bodyPr>
+            <a:normAutofit/>
+          </a:bodyPr>
+          <a:lstStyle/>
+          <a:p>
+            <a:pPr algn="ctr">
+              <a:spcBef>
+                <a:spcPct val="50000"/>
+              </a:spcBef>
+            </a:pPr>
+            <a:r>
+              <a:rPr lang="ru-RU" altLang="ru-RU" sz="3200" b="1" dirty="0">
+                <a:latin typeface="Times New Roman" panose="02020603050405020304" pitchFamily="18" charset="0"/>
+              </a:rPr>
+              <a:t>Средства разработки</a:t>
+            </a:r>
+          </a:p>
+        </p:txBody>
+      </p:sp>
+      <p:sp>
+        <p:nvSpPr>
+          <p:cNvPr id="3" name="Объект 2">
+            <a:extLst>
+              <a:ext uri="{FF2B5EF4-FFF2-40B4-BE49-F238E27FC236}">
+                <a16:creationId xmlns:a16="http://schemas.microsoft.com/office/drawing/2014/main" id="{36545B0B-DC57-417A-9683-61B17F016B84}"/>
+              </a:ext>
+            </a:extLst>
+          </p:cNvPr>
+          <p:cNvSpPr>
+            <a:spLocks noGrp="1"/>
+          </p:cNvSpPr>
+          <p:nvPr>
+            <p:ph idx="1"/>
+          </p:nvPr>
+        </p:nvSpPr>
+        <p:spPr>
+          <a:xfrm>
+            <a:off x="838200" y="1491447"/>
+            <a:ext cx="10515600" cy="4685515"/>
+          </a:xfrm>
+        </p:spPr>
+        <p:txBody>
+          <a:bodyPr>
+            <a:normAutofit/>
+          </a:bodyPr>
+          <a:lstStyle/>
+          <a:p>
+            <a:pPr marL="0" indent="0" algn="ctr">
+              <a:buNone/>
+            </a:pPr>
+            <a:r>
+              <a:rPr lang="ru-RU" sz="2600" dirty="0">
+                <a:latin typeface="Times New Roman" panose="02020603050405020304" pitchFamily="18" charset="0"/>
+                <a:cs typeface="Times New Roman" panose="02020603050405020304" pitchFamily="18" charset="0"/>
+              </a:rPr>
+              <a:t>Среда разработки </a:t>
+            </a:r>
+            <a:r>
+              <a:rPr lang="en-US" sz="2600" dirty="0">
+                <a:latin typeface="Times New Roman" panose="02020603050405020304" pitchFamily="18" charset="0"/>
+                <a:cs typeface="Times New Roman" panose="02020603050405020304" pitchFamily="18" charset="0"/>
+              </a:rPr>
+              <a:t>Visual Studio 2022</a:t>
+            </a:r>
+          </a:p>
+          <a:p>
+            <a:pPr marL="0" indent="0" algn="ctr">
+              <a:buNone/>
+            </a:pPr>
+            <a:r>
+              <a:rPr lang="ru-RU" sz="2600" dirty="0">
+                <a:latin typeface="Times New Roman" panose="02020603050405020304" pitchFamily="18" charset="0"/>
+                <a:cs typeface="Times New Roman" panose="02020603050405020304" pitchFamily="18" charset="0"/>
+              </a:rPr>
+              <a:t>Языки программирования </a:t>
+            </a:r>
+            <a:r>
+              <a:rPr lang="en-US" sz="2600" dirty="0">
+                <a:latin typeface="Times New Roman" panose="02020603050405020304" pitchFamily="18" charset="0"/>
+                <a:cs typeface="Times New Roman" panose="02020603050405020304" pitchFamily="18" charset="0"/>
+              </a:rPr>
+              <a:t>C#, T-SQL.</a:t>
+            </a:r>
+          </a:p>
+          <a:p>
+            <a:pPr marL="0" indent="0" algn="ctr">
+              <a:buNone/>
+            </a:pPr>
+            <a:r>
+              <a:rPr lang="en-US" sz="2600" dirty="0">
+                <a:latin typeface="Times New Roman" panose="02020603050405020304" pitchFamily="18" charset="0"/>
+                <a:cs typeface="Times New Roman" panose="02020603050405020304" pitchFamily="18" charset="0"/>
+              </a:rPr>
+              <a:t>Windows Presentation Foundation (WPF)</a:t>
+            </a:r>
+          </a:p>
+          <a:p>
+            <a:pPr marL="0" indent="0" algn="ctr">
+              <a:buNone/>
+            </a:pPr>
+            <a:r>
+              <a:rPr lang="ru-RU" sz="2600" dirty="0">
+                <a:latin typeface="Times New Roman" panose="02020603050405020304" pitchFamily="18" charset="0"/>
+                <a:cs typeface="Times New Roman" panose="02020603050405020304" pitchFamily="18" charset="0"/>
+              </a:rPr>
+              <a:t>Среда разработки </a:t>
+            </a:r>
+            <a:r>
+              <a:rPr lang="en-US" sz="2600" dirty="0">
+                <a:latin typeface="Times New Roman" panose="02020603050405020304" pitchFamily="18" charset="0"/>
+                <a:cs typeface="Times New Roman" panose="02020603050405020304" pitchFamily="18" charset="0"/>
+              </a:rPr>
+              <a:t>SQL Server 2014 Management Studio</a:t>
+            </a:r>
+          </a:p>
+          <a:p>
+            <a:pPr marL="0" indent="0" algn="ctr">
+              <a:buNone/>
+            </a:pPr>
+            <a:r>
+              <a:rPr lang="ru-RU" sz="2600" dirty="0">
+                <a:latin typeface="Times New Roman" panose="02020603050405020304" pitchFamily="18" charset="0"/>
+                <a:cs typeface="Times New Roman" panose="02020603050405020304" pitchFamily="18" charset="0"/>
+              </a:rPr>
+              <a:t>База данных </a:t>
+            </a:r>
+            <a:r>
+              <a:rPr lang="en-US" sz="2600" dirty="0">
+                <a:latin typeface="Times New Roman" panose="02020603050405020304" pitchFamily="18" charset="0"/>
+                <a:cs typeface="Times New Roman" panose="02020603050405020304" pitchFamily="18" charset="0"/>
+              </a:rPr>
+              <a:t>SQL-Express</a:t>
+            </a:r>
+          </a:p>
+        </p:txBody>
+      </p:sp>
+      <p:sp>
+        <p:nvSpPr>
+          <p:cNvPr id="4" name="Прямоугольник 3">
+            <a:extLst>
+              <a:ext uri="{FF2B5EF4-FFF2-40B4-BE49-F238E27FC236}">
+                <a16:creationId xmlns:a16="http://schemas.microsoft.com/office/drawing/2014/main" id="{BED8B304-AD86-43F9-A4D1-3527F07B62D0}"/>
+              </a:ext>
+            </a:extLst>
+          </p:cNvPr>
+          <p:cNvSpPr/>
+          <p:nvPr/>
+        </p:nvSpPr>
+        <p:spPr>
+          <a:xfrm>
+            <a:off x="838200" y="0"/>
+            <a:ext cx="10515600" cy="646331"/>
+          </a:xfrm>
+          <a:prstGeom prst="rect">
+            <a:avLst/>
+          </a:prstGeom>
+        </p:spPr>
+        <p:txBody>
+          <a:bodyPr wrap="square">
+            <a:spAutoFit/>
+          </a:bodyPr>
+          <a:lstStyle/>
+          <a:p>
+            <a:pPr algn="ctr"/>
+            <a:r>
+              <a:rPr lang="ru-RU" altLang="ru-RU" b="1" dirty="0">
+                <a:solidFill>
+                  <a:schemeClr val="tx2"/>
+                </a:solidFill>
+                <a:latin typeface="Times New Roman" panose="02020603050405020304" pitchFamily="18" charset="0"/>
+              </a:rPr>
+              <a:t>РАЗРАБОТКА ПРОГРАММНОГО МОДУЛЯ ДЛЯ АВТОМАТИЗАЦИИ ПРОДАЖИ БИЛЕТОВ В КИНОТЕАТРЕ</a:t>
             </a:r>
             <a:endParaRPr lang="ru-RU" dirty="0"/>
           </a:p>
@@ -5075,7 +9745,7 @@
         </p:nvGrpSpPr>
         <p:grpSpPr>
           <a:xfrm>
-            <a:off x="1140464" y="4608823"/>
+            <a:off x="1140464" y="4463683"/>
             <a:ext cx="9911072" cy="1515460"/>
             <a:chOff x="1417756" y="4964055"/>
             <a:chExt cx="9911072" cy="1515460"/>
@@ -5349,872 +10019,6 @@
 </p:sld>
 </file>
 
-<file path=ppt/slides/slide7.xml><?xml version="1.0" encoding="utf-8"?>
-<p:sld xmlns:a="http://schemas.openxmlformats.org/drawingml/2006/main" xmlns:r="http://schemas.openxmlformats.org/officeDocument/2006/relationships" xmlns:p="http://schemas.openxmlformats.org/presentationml/2006/main">
-  <p:cSld>
-    <p:spTree>
-      <p:nvGrpSpPr>
-        <p:cNvPr id="1" name=""/>
-        <p:cNvGrpSpPr/>
-        <p:nvPr/>
-      </p:nvGrpSpPr>
-      <p:grpSpPr>
-        <a:xfrm>
-          <a:off x="0" y="0"/>
-          <a:ext cx="0" cy="0"/>
-          <a:chOff x="0" y="0"/>
-          <a:chExt cx="0" cy="0"/>
-        </a:xfrm>
-      </p:grpSpPr>
-      <p:sp>
-        <p:nvSpPr>
-          <p:cNvPr id="4" name="Прямоугольник 3">
-            <a:extLst>
-              <a:ext uri="{FF2B5EF4-FFF2-40B4-BE49-F238E27FC236}">
-                <a16:creationId xmlns:a16="http://schemas.microsoft.com/office/drawing/2014/main" id="{BED8B304-AD86-43F9-A4D1-3527F07B62D0}"/>
-              </a:ext>
-            </a:extLst>
-          </p:cNvPr>
-          <p:cNvSpPr/>
-          <p:nvPr/>
-        </p:nvSpPr>
-        <p:spPr>
-          <a:xfrm>
-            <a:off x="838200" y="0"/>
-            <a:ext cx="10515600" cy="646331"/>
-          </a:xfrm>
-          <a:prstGeom prst="rect">
-            <a:avLst/>
-          </a:prstGeom>
-        </p:spPr>
-        <p:txBody>
-          <a:bodyPr wrap="square">
-            <a:spAutoFit/>
-          </a:bodyPr>
-          <a:lstStyle/>
-          <a:p>
-            <a:pPr algn="ctr"/>
-            <a:r>
-              <a:rPr lang="ru-RU" altLang="ru-RU" b="1" dirty="0">
-                <a:solidFill>
-                  <a:schemeClr val="tx2"/>
-                </a:solidFill>
-                <a:latin typeface="Times New Roman" panose="02020603050405020304" pitchFamily="18" charset="0"/>
-              </a:rPr>
-              <a:t>РАЗРАБОТКА ПРОГРАММНОЙ СИСТЕМЫ ВСТРАИВАНИЯ ЦИФРОВОГО ВОДЯНОГО ЗНАКА В ЦИФРОВОЕ ИЗОБРАЖЕНИЕ </a:t>
-            </a:r>
-            <a:endParaRPr lang="ru-RU" dirty="0"/>
-          </a:p>
-        </p:txBody>
-      </p:sp>
-      <p:sp>
-        <p:nvSpPr>
-          <p:cNvPr id="12" name="Прямоугольник: скругленные углы 11">
-            <a:extLst>
-              <a:ext uri="{FF2B5EF4-FFF2-40B4-BE49-F238E27FC236}">
-                <a16:creationId xmlns:a16="http://schemas.microsoft.com/office/drawing/2014/main" id="{E76220F9-2CC9-41B1-8C68-107C2C46A7AA}"/>
-              </a:ext>
-            </a:extLst>
-          </p:cNvPr>
-          <p:cNvSpPr/>
-          <p:nvPr/>
-        </p:nvSpPr>
-        <p:spPr>
-          <a:xfrm>
-            <a:off x="3762375" y="1143000"/>
-            <a:ext cx="5248275" cy="1362075"/>
-          </a:xfrm>
-          <a:prstGeom prst="roundRect">
-            <a:avLst/>
-          </a:prstGeom>
-        </p:spPr>
-        <p:style>
-          <a:lnRef idx="2">
-            <a:schemeClr val="accent1">
-              <a:shade val="50000"/>
-            </a:schemeClr>
-          </a:lnRef>
-          <a:fillRef idx="1">
-            <a:schemeClr val="accent1"/>
-          </a:fillRef>
-          <a:effectRef idx="0">
-            <a:schemeClr val="accent1"/>
-          </a:effectRef>
-          <a:fontRef idx="minor">
-            <a:schemeClr val="lt1"/>
-          </a:fontRef>
-        </p:style>
-        <p:txBody>
-          <a:bodyPr rtlCol="0" anchor="ctr"/>
-          <a:lstStyle/>
-          <a:p>
-            <a:pPr algn="ctr"/>
-            <a:r>
-              <a:rPr lang="ru-RU" sz="2400" dirty="0"/>
-              <a:t>Основные функции программы</a:t>
-            </a:r>
-          </a:p>
-        </p:txBody>
-      </p:sp>
-      <p:sp>
-        <p:nvSpPr>
-          <p:cNvPr id="13" name="Прямоугольник: скругленные углы 12">
-            <a:extLst>
-              <a:ext uri="{FF2B5EF4-FFF2-40B4-BE49-F238E27FC236}">
-                <a16:creationId xmlns:a16="http://schemas.microsoft.com/office/drawing/2014/main" id="{BA182CAF-EB84-4AFF-A22F-599BEB554903}"/>
-              </a:ext>
-            </a:extLst>
-          </p:cNvPr>
-          <p:cNvSpPr/>
-          <p:nvPr/>
-        </p:nvSpPr>
-        <p:spPr>
-          <a:xfrm>
-            <a:off x="1057275" y="3429000"/>
-            <a:ext cx="3133725" cy="1362075"/>
-          </a:xfrm>
-          <a:prstGeom prst="roundRect">
-            <a:avLst/>
-          </a:prstGeom>
-        </p:spPr>
-        <p:style>
-          <a:lnRef idx="2">
-            <a:schemeClr val="accent1">
-              <a:shade val="50000"/>
-            </a:schemeClr>
-          </a:lnRef>
-          <a:fillRef idx="1">
-            <a:schemeClr val="accent1"/>
-          </a:fillRef>
-          <a:effectRef idx="0">
-            <a:schemeClr val="accent1"/>
-          </a:effectRef>
-          <a:fontRef idx="minor">
-            <a:schemeClr val="lt1"/>
-          </a:fontRef>
-        </p:style>
-        <p:txBody>
-          <a:bodyPr rtlCol="0" anchor="ctr"/>
-          <a:lstStyle/>
-          <a:p>
-            <a:pPr algn="ctr"/>
-            <a:r>
-              <a:rPr lang="ru-RU" dirty="0"/>
-              <a:t>Создание отчета по продажам</a:t>
-            </a:r>
-          </a:p>
-        </p:txBody>
-      </p:sp>
-      <p:sp>
-        <p:nvSpPr>
-          <p:cNvPr id="18" name="Прямоугольник: скругленные углы 17">
-            <a:extLst>
-              <a:ext uri="{FF2B5EF4-FFF2-40B4-BE49-F238E27FC236}">
-                <a16:creationId xmlns:a16="http://schemas.microsoft.com/office/drawing/2014/main" id="{B5D64C14-0FB5-4BD4-9683-8394A3201D2A}"/>
-              </a:ext>
-            </a:extLst>
-          </p:cNvPr>
-          <p:cNvSpPr/>
-          <p:nvPr/>
-        </p:nvSpPr>
-        <p:spPr>
-          <a:xfrm>
-            <a:off x="1057274" y="5033962"/>
-            <a:ext cx="3133725" cy="1362075"/>
-          </a:xfrm>
-          <a:prstGeom prst="roundRect">
-            <a:avLst/>
-          </a:prstGeom>
-        </p:spPr>
-        <p:style>
-          <a:lnRef idx="2">
-            <a:schemeClr val="accent1">
-              <a:shade val="50000"/>
-            </a:schemeClr>
-          </a:lnRef>
-          <a:fillRef idx="1">
-            <a:schemeClr val="accent1"/>
-          </a:fillRef>
-          <a:effectRef idx="0">
-            <a:schemeClr val="accent1"/>
-          </a:effectRef>
-          <a:fontRef idx="minor">
-            <a:schemeClr val="lt1"/>
-          </a:fontRef>
-        </p:style>
-        <p:txBody>
-          <a:bodyPr rtlCol="0" anchor="ctr"/>
-          <a:lstStyle/>
-          <a:p>
-            <a:pPr algn="ctr"/>
-            <a:r>
-              <a:rPr lang="ru-RU" dirty="0"/>
-              <a:t>Сохранение отчета по продажам в </a:t>
-            </a:r>
-            <a:r>
-              <a:rPr lang="en-US" dirty="0"/>
-              <a:t>PDF </a:t>
-            </a:r>
-            <a:r>
-              <a:rPr lang="ru-RU" dirty="0"/>
-              <a:t>файл</a:t>
-            </a:r>
-          </a:p>
-        </p:txBody>
-      </p:sp>
-      <p:sp>
-        <p:nvSpPr>
-          <p:cNvPr id="19" name="Прямоугольник: скругленные углы 18">
-            <a:extLst>
-              <a:ext uri="{FF2B5EF4-FFF2-40B4-BE49-F238E27FC236}">
-                <a16:creationId xmlns:a16="http://schemas.microsoft.com/office/drawing/2014/main" id="{D10033C7-7E3F-48C6-B70F-A1110DA1F300}"/>
-              </a:ext>
-            </a:extLst>
-          </p:cNvPr>
-          <p:cNvSpPr/>
-          <p:nvPr/>
-        </p:nvSpPr>
-        <p:spPr>
-          <a:xfrm>
-            <a:off x="4819649" y="3429000"/>
-            <a:ext cx="3133725" cy="1362075"/>
-          </a:xfrm>
-          <a:prstGeom prst="roundRect">
-            <a:avLst/>
-          </a:prstGeom>
-        </p:spPr>
-        <p:style>
-          <a:lnRef idx="2">
-            <a:schemeClr val="accent1">
-              <a:shade val="50000"/>
-            </a:schemeClr>
-          </a:lnRef>
-          <a:fillRef idx="1">
-            <a:schemeClr val="accent1"/>
-          </a:fillRef>
-          <a:effectRef idx="0">
-            <a:schemeClr val="accent1"/>
-          </a:effectRef>
-          <a:fontRef idx="minor">
-            <a:schemeClr val="lt1"/>
-          </a:fontRef>
-        </p:style>
-        <p:txBody>
-          <a:bodyPr rtlCol="0" anchor="ctr"/>
-          <a:lstStyle/>
-          <a:p>
-            <a:pPr algn="ctr"/>
-            <a:r>
-              <a:rPr lang="ru-RU" dirty="0"/>
-              <a:t>Продажа билетов на выбранный фильм</a:t>
-            </a:r>
-          </a:p>
-        </p:txBody>
-      </p:sp>
-      <p:sp>
-        <p:nvSpPr>
-          <p:cNvPr id="20" name="Прямоугольник: скругленные углы 19">
-            <a:extLst>
-              <a:ext uri="{FF2B5EF4-FFF2-40B4-BE49-F238E27FC236}">
-                <a16:creationId xmlns:a16="http://schemas.microsoft.com/office/drawing/2014/main" id="{91A30112-922E-45AC-9E6A-0BD7535B78AF}"/>
-              </a:ext>
-            </a:extLst>
-          </p:cNvPr>
-          <p:cNvSpPr/>
-          <p:nvPr/>
-        </p:nvSpPr>
-        <p:spPr>
-          <a:xfrm>
-            <a:off x="4819648" y="5033962"/>
-            <a:ext cx="3133725" cy="1362075"/>
-          </a:xfrm>
-          <a:prstGeom prst="roundRect">
-            <a:avLst/>
-          </a:prstGeom>
-        </p:spPr>
-        <p:style>
-          <a:lnRef idx="2">
-            <a:schemeClr val="accent1">
-              <a:shade val="50000"/>
-            </a:schemeClr>
-          </a:lnRef>
-          <a:fillRef idx="1">
-            <a:schemeClr val="accent1"/>
-          </a:fillRef>
-          <a:effectRef idx="0">
-            <a:schemeClr val="accent1"/>
-          </a:effectRef>
-          <a:fontRef idx="minor">
-            <a:schemeClr val="lt1"/>
-          </a:fontRef>
-        </p:style>
-        <p:txBody>
-          <a:bodyPr rtlCol="0" anchor="ctr"/>
-          <a:lstStyle/>
-          <a:p>
-            <a:pPr algn="ctr"/>
-            <a:r>
-              <a:rPr lang="ru-RU" dirty="0"/>
-              <a:t>Печать билета после бронирования места в зале</a:t>
-            </a:r>
-          </a:p>
-        </p:txBody>
-      </p:sp>
-      <p:sp>
-        <p:nvSpPr>
-          <p:cNvPr id="21" name="Прямоугольник: скругленные углы 20">
-            <a:extLst>
-              <a:ext uri="{FF2B5EF4-FFF2-40B4-BE49-F238E27FC236}">
-                <a16:creationId xmlns:a16="http://schemas.microsoft.com/office/drawing/2014/main" id="{359A250F-745A-43AC-A12D-BC86097B6069}"/>
-              </a:ext>
-            </a:extLst>
-          </p:cNvPr>
-          <p:cNvSpPr/>
-          <p:nvPr/>
-        </p:nvSpPr>
-        <p:spPr>
-          <a:xfrm>
-            <a:off x="8582022" y="3428999"/>
-            <a:ext cx="3133725" cy="495301"/>
-          </a:xfrm>
-          <a:prstGeom prst="roundRect">
-            <a:avLst/>
-          </a:prstGeom>
-        </p:spPr>
-        <p:style>
-          <a:lnRef idx="2">
-            <a:schemeClr val="accent1">
-              <a:shade val="50000"/>
-            </a:schemeClr>
-          </a:lnRef>
-          <a:fillRef idx="1">
-            <a:schemeClr val="accent1"/>
-          </a:fillRef>
-          <a:effectRef idx="0">
-            <a:schemeClr val="accent1"/>
-          </a:effectRef>
-          <a:fontRef idx="minor">
-            <a:schemeClr val="lt1"/>
-          </a:fontRef>
-        </p:style>
-        <p:txBody>
-          <a:bodyPr rtlCol="0" anchor="ctr"/>
-          <a:lstStyle/>
-          <a:p>
-            <a:pPr algn="ctr"/>
-            <a:r>
-              <a:rPr lang="ru-RU" dirty="0"/>
-              <a:t>Работа с фильмами</a:t>
-            </a:r>
-          </a:p>
-        </p:txBody>
-      </p:sp>
-      <p:sp>
-        <p:nvSpPr>
-          <p:cNvPr id="22" name="Прямоугольник: скругленные углы 21">
-            <a:extLst>
-              <a:ext uri="{FF2B5EF4-FFF2-40B4-BE49-F238E27FC236}">
-                <a16:creationId xmlns:a16="http://schemas.microsoft.com/office/drawing/2014/main" id="{19CF68FD-B6ED-4E4F-8EDD-3DBFEE3FF6AF}"/>
-              </a:ext>
-            </a:extLst>
-          </p:cNvPr>
-          <p:cNvSpPr/>
-          <p:nvPr/>
-        </p:nvSpPr>
-        <p:spPr>
-          <a:xfrm>
-            <a:off x="8582022" y="4261245"/>
-            <a:ext cx="3133725" cy="495301"/>
-          </a:xfrm>
-          <a:prstGeom prst="roundRect">
-            <a:avLst/>
-          </a:prstGeom>
-        </p:spPr>
-        <p:style>
-          <a:lnRef idx="2">
-            <a:schemeClr val="accent1">
-              <a:shade val="50000"/>
-            </a:schemeClr>
-          </a:lnRef>
-          <a:fillRef idx="1">
-            <a:schemeClr val="accent1"/>
-          </a:fillRef>
-          <a:effectRef idx="0">
-            <a:schemeClr val="accent1"/>
-          </a:effectRef>
-          <a:fontRef idx="minor">
-            <a:schemeClr val="lt1"/>
-          </a:fontRef>
-        </p:style>
-        <p:txBody>
-          <a:bodyPr rtlCol="0" anchor="ctr"/>
-          <a:lstStyle/>
-          <a:p>
-            <a:pPr algn="ctr"/>
-            <a:r>
-              <a:rPr lang="ru-RU" dirty="0"/>
-              <a:t>Работа с сеансами фильмов</a:t>
-            </a:r>
-          </a:p>
-        </p:txBody>
-      </p:sp>
-      <p:sp>
-        <p:nvSpPr>
-          <p:cNvPr id="23" name="Прямоугольник: скругленные углы 22">
-            <a:extLst>
-              <a:ext uri="{FF2B5EF4-FFF2-40B4-BE49-F238E27FC236}">
-                <a16:creationId xmlns:a16="http://schemas.microsoft.com/office/drawing/2014/main" id="{E67FDD8D-ADAD-4C3B-9FD0-0BC82FB9D0AC}"/>
-              </a:ext>
-            </a:extLst>
-          </p:cNvPr>
-          <p:cNvSpPr/>
-          <p:nvPr/>
-        </p:nvSpPr>
-        <p:spPr>
-          <a:xfrm>
-            <a:off x="8582022" y="5093491"/>
-            <a:ext cx="3133725" cy="495301"/>
-          </a:xfrm>
-          <a:prstGeom prst="roundRect">
-            <a:avLst/>
-          </a:prstGeom>
-        </p:spPr>
-        <p:style>
-          <a:lnRef idx="2">
-            <a:schemeClr val="accent1">
-              <a:shade val="50000"/>
-            </a:schemeClr>
-          </a:lnRef>
-          <a:fillRef idx="1">
-            <a:schemeClr val="accent1"/>
-          </a:fillRef>
-          <a:effectRef idx="0">
-            <a:schemeClr val="accent1"/>
-          </a:effectRef>
-          <a:fontRef idx="minor">
-            <a:schemeClr val="lt1"/>
-          </a:fontRef>
-        </p:style>
-        <p:txBody>
-          <a:bodyPr rtlCol="0" anchor="ctr"/>
-          <a:lstStyle/>
-          <a:p>
-            <a:pPr algn="ctr"/>
-            <a:r>
-              <a:rPr lang="ru-RU" dirty="0"/>
-              <a:t>Работа с сотрудниками</a:t>
-            </a:r>
-          </a:p>
-        </p:txBody>
-      </p:sp>
-      <p:sp>
-        <p:nvSpPr>
-          <p:cNvPr id="24" name="Прямоугольник: скругленные углы 23">
-            <a:extLst>
-              <a:ext uri="{FF2B5EF4-FFF2-40B4-BE49-F238E27FC236}">
-                <a16:creationId xmlns:a16="http://schemas.microsoft.com/office/drawing/2014/main" id="{E4AC8D1B-A436-46EB-9B6B-603C8BEA6E41}"/>
-              </a:ext>
-            </a:extLst>
-          </p:cNvPr>
-          <p:cNvSpPr/>
-          <p:nvPr/>
-        </p:nvSpPr>
-        <p:spPr>
-          <a:xfrm>
-            <a:off x="8582022" y="5925737"/>
-            <a:ext cx="3133725" cy="495301"/>
-          </a:xfrm>
-          <a:prstGeom prst="roundRect">
-            <a:avLst/>
-          </a:prstGeom>
-        </p:spPr>
-        <p:style>
-          <a:lnRef idx="2">
-            <a:schemeClr val="accent1">
-              <a:shade val="50000"/>
-            </a:schemeClr>
-          </a:lnRef>
-          <a:fillRef idx="1">
-            <a:schemeClr val="accent1"/>
-          </a:fillRef>
-          <a:effectRef idx="0">
-            <a:schemeClr val="accent1"/>
-          </a:effectRef>
-          <a:fontRef idx="minor">
-            <a:schemeClr val="lt1"/>
-          </a:fontRef>
-        </p:style>
-        <p:txBody>
-          <a:bodyPr rtlCol="0" anchor="ctr"/>
-          <a:lstStyle/>
-          <a:p>
-            <a:pPr algn="ctr"/>
-            <a:r>
-              <a:rPr lang="ru-RU" dirty="0"/>
-              <a:t>Настройка зала</a:t>
-            </a:r>
-          </a:p>
-        </p:txBody>
-      </p:sp>
-      <p:cxnSp>
-        <p:nvCxnSpPr>
-          <p:cNvPr id="15" name="Соединитель: уступ 14">
-            <a:extLst>
-              <a:ext uri="{FF2B5EF4-FFF2-40B4-BE49-F238E27FC236}">
-                <a16:creationId xmlns:a16="http://schemas.microsoft.com/office/drawing/2014/main" id="{E588BA9C-E0BA-4187-AB4F-A244EF530324}"/>
-              </a:ext>
-            </a:extLst>
-          </p:cNvPr>
-          <p:cNvCxnSpPr>
-            <a:cxnSpLocks/>
-            <a:stCxn id="12" idx="2"/>
-            <a:endCxn id="13" idx="0"/>
-          </p:cNvCxnSpPr>
-          <p:nvPr/>
-        </p:nvCxnSpPr>
-        <p:spPr>
-          <a:xfrm rot="5400000">
-            <a:off x="4043364" y="1085850"/>
-            <a:ext cx="923925" cy="3762375"/>
-          </a:xfrm>
-          <a:prstGeom prst="bentConnector3">
-            <a:avLst>
-              <a:gd name="adj1" fmla="val 50000"/>
-            </a:avLst>
-          </a:prstGeom>
-          <a:ln>
-            <a:tailEnd type="triangle"/>
-          </a:ln>
-        </p:spPr>
-        <p:style>
-          <a:lnRef idx="1">
-            <a:schemeClr val="accent1"/>
-          </a:lnRef>
-          <a:fillRef idx="0">
-            <a:schemeClr val="accent1"/>
-          </a:fillRef>
-          <a:effectRef idx="0">
-            <a:schemeClr val="accent1"/>
-          </a:effectRef>
-          <a:fontRef idx="minor">
-            <a:schemeClr val="tx1"/>
-          </a:fontRef>
-        </p:style>
-      </p:cxnSp>
-      <p:cxnSp>
-        <p:nvCxnSpPr>
-          <p:cNvPr id="25" name="Соединитель: уступ 24">
-            <a:extLst>
-              <a:ext uri="{FF2B5EF4-FFF2-40B4-BE49-F238E27FC236}">
-                <a16:creationId xmlns:a16="http://schemas.microsoft.com/office/drawing/2014/main" id="{2B2F8445-3592-4298-96A4-0754C9D82998}"/>
-              </a:ext>
-            </a:extLst>
-          </p:cNvPr>
-          <p:cNvCxnSpPr>
-            <a:stCxn id="12" idx="2"/>
-            <a:endCxn id="19" idx="0"/>
-          </p:cNvCxnSpPr>
-          <p:nvPr/>
-        </p:nvCxnSpPr>
-        <p:spPr>
-          <a:xfrm rot="5400000">
-            <a:off x="5924551" y="2967037"/>
-            <a:ext cx="923925" cy="1"/>
-          </a:xfrm>
-          <a:prstGeom prst="bentConnector3">
-            <a:avLst/>
-          </a:prstGeom>
-          <a:ln>
-            <a:tailEnd type="triangle"/>
-          </a:ln>
-        </p:spPr>
-        <p:style>
-          <a:lnRef idx="1">
-            <a:schemeClr val="accent1"/>
-          </a:lnRef>
-          <a:fillRef idx="0">
-            <a:schemeClr val="accent1"/>
-          </a:fillRef>
-          <a:effectRef idx="0">
-            <a:schemeClr val="accent1"/>
-          </a:effectRef>
-          <a:fontRef idx="minor">
-            <a:schemeClr val="tx1"/>
-          </a:fontRef>
-        </p:style>
-      </p:cxnSp>
-      <p:cxnSp>
-        <p:nvCxnSpPr>
-          <p:cNvPr id="27" name="Соединитель: уступ 26">
-            <a:extLst>
-              <a:ext uri="{FF2B5EF4-FFF2-40B4-BE49-F238E27FC236}">
-                <a16:creationId xmlns:a16="http://schemas.microsoft.com/office/drawing/2014/main" id="{6BCAD8AE-4627-4124-83E1-46345EAA2ABC}"/>
-              </a:ext>
-            </a:extLst>
-          </p:cNvPr>
-          <p:cNvCxnSpPr>
-            <a:stCxn id="12" idx="2"/>
-            <a:endCxn id="21" idx="0"/>
-          </p:cNvCxnSpPr>
-          <p:nvPr/>
-        </p:nvCxnSpPr>
-        <p:spPr>
-          <a:xfrm rot="16200000" flipH="1">
-            <a:off x="7805737" y="1085851"/>
-            <a:ext cx="923924" cy="3762372"/>
-          </a:xfrm>
-          <a:prstGeom prst="bentConnector3">
-            <a:avLst/>
-          </a:prstGeom>
-          <a:ln>
-            <a:tailEnd type="triangle"/>
-          </a:ln>
-        </p:spPr>
-        <p:style>
-          <a:lnRef idx="1">
-            <a:schemeClr val="accent1"/>
-          </a:lnRef>
-          <a:fillRef idx="0">
-            <a:schemeClr val="accent1"/>
-          </a:fillRef>
-          <a:effectRef idx="0">
-            <a:schemeClr val="accent1"/>
-          </a:effectRef>
-          <a:fontRef idx="minor">
-            <a:schemeClr val="tx1"/>
-          </a:fontRef>
-        </p:style>
-      </p:cxnSp>
-      <p:cxnSp>
-        <p:nvCxnSpPr>
-          <p:cNvPr id="29" name="Соединитель: уступ 28">
-            <a:extLst>
-              <a:ext uri="{FF2B5EF4-FFF2-40B4-BE49-F238E27FC236}">
-                <a16:creationId xmlns:a16="http://schemas.microsoft.com/office/drawing/2014/main" id="{244470C7-C316-415D-96A7-2F1BDBE2A959}"/>
-              </a:ext>
-            </a:extLst>
-          </p:cNvPr>
-          <p:cNvCxnSpPr>
-            <a:stCxn id="13" idx="2"/>
-            <a:endCxn id="18" idx="0"/>
-          </p:cNvCxnSpPr>
-          <p:nvPr/>
-        </p:nvCxnSpPr>
-        <p:spPr>
-          <a:xfrm rot="5400000">
-            <a:off x="2502695" y="4912518"/>
-            <a:ext cx="242887" cy="1"/>
-          </a:xfrm>
-          <a:prstGeom prst="bentConnector3">
-            <a:avLst/>
-          </a:prstGeom>
-          <a:ln>
-            <a:tailEnd type="triangle"/>
-          </a:ln>
-        </p:spPr>
-        <p:style>
-          <a:lnRef idx="1">
-            <a:schemeClr val="accent1"/>
-          </a:lnRef>
-          <a:fillRef idx="0">
-            <a:schemeClr val="accent1"/>
-          </a:fillRef>
-          <a:effectRef idx="0">
-            <a:schemeClr val="accent1"/>
-          </a:effectRef>
-          <a:fontRef idx="minor">
-            <a:schemeClr val="tx1"/>
-          </a:fontRef>
-        </p:style>
-      </p:cxnSp>
-      <p:cxnSp>
-        <p:nvCxnSpPr>
-          <p:cNvPr id="31" name="Соединитель: уступ 30">
-            <a:extLst>
-              <a:ext uri="{FF2B5EF4-FFF2-40B4-BE49-F238E27FC236}">
-                <a16:creationId xmlns:a16="http://schemas.microsoft.com/office/drawing/2014/main" id="{C1967DBD-D66C-4CD3-BB86-099C5987985A}"/>
-              </a:ext>
-            </a:extLst>
-          </p:cNvPr>
-          <p:cNvCxnSpPr>
-            <a:stCxn id="19" idx="2"/>
-            <a:endCxn id="20" idx="0"/>
-          </p:cNvCxnSpPr>
-          <p:nvPr/>
-        </p:nvCxnSpPr>
-        <p:spPr>
-          <a:xfrm rot="5400000">
-            <a:off x="6265069" y="4912518"/>
-            <a:ext cx="242887" cy="1"/>
-          </a:xfrm>
-          <a:prstGeom prst="bentConnector3">
-            <a:avLst/>
-          </a:prstGeom>
-          <a:ln>
-            <a:tailEnd type="triangle"/>
-          </a:ln>
-        </p:spPr>
-        <p:style>
-          <a:lnRef idx="1">
-            <a:schemeClr val="accent1"/>
-          </a:lnRef>
-          <a:fillRef idx="0">
-            <a:schemeClr val="accent1"/>
-          </a:fillRef>
-          <a:effectRef idx="0">
-            <a:schemeClr val="accent1"/>
-          </a:effectRef>
-          <a:fontRef idx="minor">
-            <a:schemeClr val="tx1"/>
-          </a:fontRef>
-        </p:style>
-      </p:cxnSp>
-      <p:cxnSp>
-        <p:nvCxnSpPr>
-          <p:cNvPr id="36" name="Соединитель: уступ 35">
-            <a:extLst>
-              <a:ext uri="{FF2B5EF4-FFF2-40B4-BE49-F238E27FC236}">
-                <a16:creationId xmlns:a16="http://schemas.microsoft.com/office/drawing/2014/main" id="{79EFE112-D3EE-4048-AF75-3BCC6062BB6B}"/>
-              </a:ext>
-            </a:extLst>
-          </p:cNvPr>
-          <p:cNvCxnSpPr>
-            <a:cxnSpLocks/>
-            <a:endCxn id="22" idx="0"/>
-          </p:cNvCxnSpPr>
-          <p:nvPr/>
-        </p:nvCxnSpPr>
-        <p:spPr>
-          <a:xfrm rot="5400000">
-            <a:off x="9983710" y="4089477"/>
-            <a:ext cx="336943" cy="6592"/>
-          </a:xfrm>
-          <a:prstGeom prst="bentConnector3">
-            <a:avLst/>
-          </a:prstGeom>
-          <a:ln>
-            <a:tailEnd type="triangle"/>
-          </a:ln>
-        </p:spPr>
-        <p:style>
-          <a:lnRef idx="1">
-            <a:schemeClr val="accent1"/>
-          </a:lnRef>
-          <a:fillRef idx="0">
-            <a:schemeClr val="accent1"/>
-          </a:fillRef>
-          <a:effectRef idx="0">
-            <a:schemeClr val="accent1"/>
-          </a:effectRef>
-          <a:fontRef idx="minor">
-            <a:schemeClr val="tx1"/>
-          </a:fontRef>
-        </p:style>
-      </p:cxnSp>
-      <p:cxnSp>
-        <p:nvCxnSpPr>
-          <p:cNvPr id="43" name="Соединитель: уступ 42">
-            <a:extLst>
-              <a:ext uri="{FF2B5EF4-FFF2-40B4-BE49-F238E27FC236}">
-                <a16:creationId xmlns:a16="http://schemas.microsoft.com/office/drawing/2014/main" id="{135462CB-3FB7-47BA-BAF1-F7D2F6A0A07B}"/>
-              </a:ext>
-            </a:extLst>
-          </p:cNvPr>
-          <p:cNvCxnSpPr>
-            <a:cxnSpLocks/>
-            <a:stCxn id="22" idx="2"/>
-            <a:endCxn id="23" idx="0"/>
-          </p:cNvCxnSpPr>
-          <p:nvPr/>
-        </p:nvCxnSpPr>
-        <p:spPr>
-          <a:xfrm rot="5400000">
-            <a:off x="9980413" y="4925018"/>
-            <a:ext cx="336945" cy="12700"/>
-          </a:xfrm>
-          <a:prstGeom prst="bentConnector3">
-            <a:avLst>
-              <a:gd name="adj1" fmla="val 50000"/>
-            </a:avLst>
-          </a:prstGeom>
-          <a:ln>
-            <a:tailEnd type="triangle"/>
-          </a:ln>
-        </p:spPr>
-        <p:style>
-          <a:lnRef idx="1">
-            <a:schemeClr val="accent1"/>
-          </a:lnRef>
-          <a:fillRef idx="0">
-            <a:schemeClr val="accent1"/>
-          </a:fillRef>
-          <a:effectRef idx="0">
-            <a:schemeClr val="accent1"/>
-          </a:effectRef>
-          <a:fontRef idx="minor">
-            <a:schemeClr val="tx1"/>
-          </a:fontRef>
-        </p:style>
-      </p:cxnSp>
-      <p:cxnSp>
-        <p:nvCxnSpPr>
-          <p:cNvPr id="45" name="Соединитель: уступ 44">
-            <a:extLst>
-              <a:ext uri="{FF2B5EF4-FFF2-40B4-BE49-F238E27FC236}">
-                <a16:creationId xmlns:a16="http://schemas.microsoft.com/office/drawing/2014/main" id="{871E0CFF-E0B7-4117-91DB-985A53697B75}"/>
-              </a:ext>
-            </a:extLst>
-          </p:cNvPr>
-          <p:cNvCxnSpPr>
-            <a:cxnSpLocks/>
-            <a:stCxn id="23" idx="2"/>
-            <a:endCxn id="24" idx="0"/>
-          </p:cNvCxnSpPr>
-          <p:nvPr/>
-        </p:nvCxnSpPr>
-        <p:spPr>
-          <a:xfrm rot="5400000">
-            <a:off x="9980413" y="5757264"/>
-            <a:ext cx="336945" cy="12700"/>
-          </a:xfrm>
-          <a:prstGeom prst="bentConnector3">
-            <a:avLst/>
-          </a:prstGeom>
-          <a:ln>
-            <a:tailEnd type="triangle"/>
-          </a:ln>
-        </p:spPr>
-        <p:style>
-          <a:lnRef idx="1">
-            <a:schemeClr val="accent1"/>
-          </a:lnRef>
-          <a:fillRef idx="0">
-            <a:schemeClr val="accent1"/>
-          </a:fillRef>
-          <a:effectRef idx="0">
-            <a:schemeClr val="accent1"/>
-          </a:effectRef>
-          <a:fontRef idx="minor">
-            <a:schemeClr val="tx1"/>
-          </a:fontRef>
-        </p:style>
-      </p:cxnSp>
-    </p:spTree>
-    <p:extLst>
-      <p:ext uri="{BB962C8B-B14F-4D97-AF65-F5344CB8AC3E}">
-        <p14:creationId xmlns:p14="http://schemas.microsoft.com/office/powerpoint/2010/main" val="3903735253"/>
-      </p:ext>
-    </p:extLst>
-  </p:cSld>
-  <p:clrMapOvr>
-    <a:masterClrMapping/>
-  </p:clrMapOvr>
-  <p:transition spd="slow">
-    <p:wipe/>
-  </p:transition>
-</p:sld>
-</file>
-
 <file path=ppt/slides/slide8.xml><?xml version="1.0" encoding="utf-8"?>
 <p:sld xmlns:a="http://schemas.openxmlformats.org/drawingml/2006/main" xmlns:r="http://schemas.openxmlformats.org/officeDocument/2006/relationships" xmlns:p="http://schemas.openxmlformats.org/presentationml/2006/main">
   <p:cSld>
@@ -6250,7 +10054,7 @@
         </p:nvSpPr>
         <p:spPr>
           <a:xfrm>
-            <a:off x="838200" y="3105835"/>
+            <a:off x="838200" y="745724"/>
             <a:ext cx="10515600" cy="646331"/>
           </a:xfrm>
         </p:spPr>
@@ -6269,7 +10073,7 @@
               <a:rPr lang="ru-RU" altLang="ru-RU" sz="3200" b="1" dirty="0">
                 <a:latin typeface="Times New Roman" panose="02020603050405020304" pitchFamily="18" charset="0"/>
               </a:rPr>
-              <a:t>Демонстрация программы</a:t>
+              <a:t>Основные функции программы</a:t>
             </a:r>
           </a:p>
         </p:txBody>
@@ -6309,16 +10113,44 @@
                 </a:solidFill>
                 <a:latin typeface="Times New Roman" panose="02020603050405020304" pitchFamily="18" charset="0"/>
               </a:rPr>
-              <a:t>РАЗРАБОТКА ПРОГРАММНОЙ СИСТЕМЫ ВСТРАИВАНИЯ ЦИФРОВОГО ВОДЯНОГО ЗНАКА В ЦИФРОВОЕ ИЗОБРАЖЕНИЕ </a:t>
+              <a:t>РАЗРАБОТКА ПРОГРАММНОГО МОДУЛЯ ДЛЯ АВТОМАТИЗАЦИИ ПРОДАЖИ БИЛЕТОВ В КИНОТЕАТРЕ</a:t>
             </a:r>
             <a:endParaRPr lang="ru-RU" dirty="0"/>
           </a:p>
         </p:txBody>
       </p:sp>
+      <p:graphicFrame>
+        <p:nvGraphicFramePr>
+          <p:cNvPr id="5" name="Схема 4">
+            <a:extLst>
+              <a:ext uri="{FF2B5EF4-FFF2-40B4-BE49-F238E27FC236}">
+                <a16:creationId xmlns:a16="http://schemas.microsoft.com/office/drawing/2014/main" id="{376F5219-FADE-41CA-9CCB-0516C6321223}"/>
+              </a:ext>
+            </a:extLst>
+          </p:cNvPr>
+          <p:cNvGraphicFramePr/>
+          <p:nvPr>
+            <p:extLst>
+              <p:ext uri="{D42A27DB-BD31-4B8C-83A1-F6EECF244321}">
+                <p14:modId xmlns:p14="http://schemas.microsoft.com/office/powerpoint/2010/main" val="2399196220"/>
+              </p:ext>
+            </p:extLst>
+          </p:nvPr>
+        </p:nvGraphicFramePr>
+        <p:xfrm>
+          <a:off x="838200" y="1491448"/>
+          <a:ext cx="10515600" cy="5061752"/>
+        </p:xfrm>
+        <a:graphic>
+          <a:graphicData uri="http://schemas.openxmlformats.org/drawingml/2006/diagram">
+            <dgm:relIds xmlns:dgm="http://schemas.openxmlformats.org/drawingml/2006/diagram" xmlns:r="http://schemas.openxmlformats.org/officeDocument/2006/relationships" r:dm="rId2" r:lo="rId3" r:qs="rId4" r:cs="rId5"/>
+          </a:graphicData>
+        </a:graphic>
+      </p:graphicFrame>
     </p:spTree>
     <p:extLst>
       <p:ext uri="{BB962C8B-B14F-4D97-AF65-F5344CB8AC3E}">
-        <p14:creationId xmlns:p14="http://schemas.microsoft.com/office/powerpoint/2010/main" val="3128226134"/>
+        <p14:creationId xmlns:p14="http://schemas.microsoft.com/office/powerpoint/2010/main" val="3950994046"/>
       </p:ext>
     </p:extLst>
   </p:cSld>
@@ -6366,7 +10198,7 @@
         </p:nvSpPr>
         <p:spPr>
           <a:xfrm>
-            <a:off x="838200" y="745724"/>
+            <a:off x="838200" y="3105835"/>
             <a:ext cx="10515600" cy="646331"/>
           </a:xfrm>
         </p:spPr>
@@ -6385,19 +10217,7 @@
               <a:rPr lang="ru-RU" altLang="ru-RU" sz="3200" b="1" dirty="0">
                 <a:latin typeface="Times New Roman" panose="02020603050405020304" pitchFamily="18" charset="0"/>
               </a:rPr>
-              <a:t>Основное окно</a:t>
-            </a:r>
-            <a:r>
-              <a:rPr lang="en-US" altLang="ru-RU" sz="3200" b="1" dirty="0">
-                <a:latin typeface="Times New Roman" panose="02020603050405020304" pitchFamily="18" charset="0"/>
-              </a:rPr>
-              <a:t> </a:t>
-            </a:r>
-            <a:r>
-              <a:rPr lang="ru-RU" altLang="ru-RU" sz="3200" b="1" dirty="0">
-                <a:latin typeface="Times New Roman" panose="02020603050405020304" pitchFamily="18" charset="0"/>
-              </a:rPr>
-              <a:t>кассира</a:t>
+              <a:t>Демонстрация программы</a:t>
             </a:r>
           </a:p>
         </p:txBody>
@@ -6437,46 +10257,16 @@
                 </a:solidFill>
                 <a:latin typeface="Times New Roman" panose="02020603050405020304" pitchFamily="18" charset="0"/>
               </a:rPr>
-              <a:t>РАЗРАБОТКА ПРОГРАММНОЙ СИСТЕМЫ ВСТРАИВАНИЯ ЦИФРОВОГО ВОДЯНОГО ЗНАКА В ЦИФРОВОЕ ИЗОБРАЖЕНИЕ </a:t>
+              <a:t>РАЗРАБОТКА ПРОГРАММНОГО МОДУЛЯ ДЛЯ АВТОМАТИЗАЦИИ ПРОДАЖИ БИЛЕТОВ В КИНОТЕАТРЕ</a:t>
             </a:r>
             <a:endParaRPr lang="ru-RU" dirty="0"/>
           </a:p>
         </p:txBody>
       </p:sp>
-      <p:pic>
-        <p:nvPicPr>
-          <p:cNvPr id="7" name="Рисунок 6">
-            <a:extLst>
-              <a:ext uri="{FF2B5EF4-FFF2-40B4-BE49-F238E27FC236}">
-                <a16:creationId xmlns:a16="http://schemas.microsoft.com/office/drawing/2014/main" id="{9F204BDF-0B76-4CD8-ADD6-E34435850DE5}"/>
-              </a:ext>
-            </a:extLst>
-          </p:cNvPr>
-          <p:cNvPicPr>
-            <a:picLocks noChangeAspect="1"/>
-          </p:cNvPicPr>
-          <p:nvPr/>
-        </p:nvPicPr>
-        <p:blipFill>
-          <a:blip r:embed="rId2"/>
-          <a:stretch>
-            <a:fillRect/>
-          </a:stretch>
-        </p:blipFill>
-        <p:spPr>
-          <a:xfrm>
-            <a:off x="2206773" y="2035345"/>
-            <a:ext cx="7778453" cy="4076931"/>
-          </a:xfrm>
-          <a:prstGeom prst="rect">
-            <a:avLst/>
-          </a:prstGeom>
-        </p:spPr>
-      </p:pic>
     </p:spTree>
     <p:extLst>
       <p:ext uri="{BB962C8B-B14F-4D97-AF65-F5344CB8AC3E}">
-        <p14:creationId xmlns:p14="http://schemas.microsoft.com/office/powerpoint/2010/main" val="1393351762"/>
+        <p14:creationId xmlns:p14="http://schemas.microsoft.com/office/powerpoint/2010/main" val="3128226134"/>
       </p:ext>
     </p:extLst>
   </p:cSld>
@@ -6782,4 +10572,299 @@
     </a:ext>
   </a:extLst>
 </a:theme>
+</file>
+
+<file path=ppt/theme/theme2.xml><?xml version="1.0" encoding="utf-8"?>
+<a:theme xmlns:a="http://schemas.openxmlformats.org/drawingml/2006/main" name="Тема Office">
+  <a:themeElements>
+    <a:clrScheme name="Стандартная">
+      <a:dk1>
+        <a:sysClr val="windowText" lastClr="000000"/>
+      </a:dk1>
+      <a:lt1>
+        <a:sysClr val="window" lastClr="FFFFFF"/>
+      </a:lt1>
+      <a:dk2>
+        <a:srgbClr val="44546A"/>
+      </a:dk2>
+      <a:lt2>
+        <a:srgbClr val="E7E6E6"/>
+      </a:lt2>
+      <a:accent1>
+        <a:srgbClr val="4472C4"/>
+      </a:accent1>
+      <a:accent2>
+        <a:srgbClr val="ED7D31"/>
+      </a:accent2>
+      <a:accent3>
+        <a:srgbClr val="A5A5A5"/>
+      </a:accent3>
+      <a:accent4>
+        <a:srgbClr val="FFC000"/>
+      </a:accent4>
+      <a:accent5>
+        <a:srgbClr val="5B9BD5"/>
+      </a:accent5>
+      <a:accent6>
+        <a:srgbClr val="70AD47"/>
+      </a:accent6>
+      <a:hlink>
+        <a:srgbClr val="0563C1"/>
+      </a:hlink>
+      <a:folHlink>
+        <a:srgbClr val="954F72"/>
+      </a:folHlink>
+    </a:clrScheme>
+    <a:fontScheme name="Стандартная">
+      <a:majorFont>
+        <a:latin typeface="Calibri Light" panose="020F0302020204030204"/>
+        <a:ea typeface=""/>
+        <a:cs typeface=""/>
+        <a:font script="Jpan" typeface="游ゴシック Light"/>
+        <a:font script="Hang" typeface="맑은 고딕"/>
+        <a:font script="Hans" typeface="等线 Light"/>
+        <a:font script="Hant" typeface="新細明體"/>
+        <a:font script="Arab" typeface="Times New Roman"/>
+        <a:font script="Hebr" typeface="Times New Roman"/>
+        <a:font script="Thai" typeface="Angsana New"/>
+        <a:font script="Ethi" typeface="Nyala"/>
+        <a:font script="Beng" typeface="Vrinda"/>
+        <a:font script="Gujr" typeface="Shruti"/>
+        <a:font script="Khmr" typeface="MoolBoran"/>
+        <a:font script="Knda" typeface="Tunga"/>
+        <a:font script="Guru" typeface="Raavi"/>
+        <a:font script="Cans" typeface="Euphemia"/>
+        <a:font script="Cher" typeface="Plantagenet Cherokee"/>
+        <a:font script="Yiii" typeface="Microsoft Yi Baiti"/>
+        <a:font script="Tibt" typeface="Microsoft Himalaya"/>
+        <a:font script="Thaa" typeface="MV Boli"/>
+        <a:font script="Deva" typeface="Mangal"/>
+        <a:font script="Telu" typeface="Gautami"/>
+        <a:font script="Taml" typeface="Latha"/>
+        <a:font script="Syrc" typeface="Estrangelo Edessa"/>
+        <a:font script="Orya" typeface="Kalinga"/>
+        <a:font script="Mlym" typeface="Kartika"/>
+        <a:font script="Laoo" typeface="DokChampa"/>
+        <a:font script="Sinh" typeface="Iskoola Pota"/>
+        <a:font script="Mong" typeface="Mongolian Baiti"/>
+        <a:font script="Viet" typeface="Times New Roman"/>
+        <a:font script="Uigh" typeface="Microsoft Uighur"/>
+        <a:font script="Geor" typeface="Sylfaen"/>
+        <a:font script="Armn" typeface="Arial"/>
+        <a:font script="Bugi" typeface="Leelawadee UI"/>
+        <a:font script="Bopo" typeface="Microsoft JhengHei"/>
+        <a:font script="Java" typeface="Javanese Text"/>
+        <a:font script="Lisu" typeface="Segoe UI"/>
+        <a:font script="Mymr" typeface="Myanmar Text"/>
+        <a:font script="Nkoo" typeface="Ebrima"/>
+        <a:font script="Olck" typeface="Nirmala UI"/>
+        <a:font script="Osma" typeface="Ebrima"/>
+        <a:font script="Phag" typeface="Phagspa"/>
+        <a:font script="Syrn" typeface="Estrangelo Edessa"/>
+        <a:font script="Syrj" typeface="Estrangelo Edessa"/>
+        <a:font script="Syre" typeface="Estrangelo Edessa"/>
+        <a:font script="Sora" typeface="Nirmala UI"/>
+        <a:font script="Tale" typeface="Microsoft Tai Le"/>
+        <a:font script="Talu" typeface="Microsoft New Tai Lue"/>
+        <a:font script="Tfng" typeface="Ebrima"/>
+      </a:majorFont>
+      <a:minorFont>
+        <a:latin typeface="Calibri" panose="020F0502020204030204"/>
+        <a:ea typeface=""/>
+        <a:cs typeface=""/>
+        <a:font script="Jpan" typeface="游ゴシック"/>
+        <a:font script="Hang" typeface="맑은 고딕"/>
+        <a:font script="Hans" typeface="等线"/>
+        <a:font script="Hant" typeface="新細明體"/>
+        <a:font script="Arab" typeface="Arial"/>
+        <a:font script="Hebr" typeface="Arial"/>
+        <a:font script="Thai" typeface="Cordia New"/>
+        <a:font script="Ethi" typeface="Nyala"/>
+        <a:font script="Beng" typeface="Vrinda"/>
+        <a:font script="Gujr" typeface="Shruti"/>
+        <a:font script="Khmr" typeface="DaunPenh"/>
+        <a:font script="Knda" typeface="Tunga"/>
+        <a:font script="Guru" typeface="Raavi"/>
+        <a:font script="Cans" typeface="Euphemia"/>
+        <a:font script="Cher" typeface="Plantagenet Cherokee"/>
+        <a:font script="Yiii" typeface="Microsoft Yi Baiti"/>
+        <a:font script="Tibt" typeface="Microsoft Himalaya"/>
+        <a:font script="Thaa" typeface="MV Boli"/>
+        <a:font script="Deva" typeface="Mangal"/>
+        <a:font script="Telu" typeface="Gautami"/>
+        <a:font script="Taml" typeface="Latha"/>
+        <a:font script="Syrc" typeface="Estrangelo Edessa"/>
+        <a:font script="Orya" typeface="Kalinga"/>
+        <a:font script="Mlym" typeface="Kartika"/>
+        <a:font script="Laoo" typeface="DokChampa"/>
+        <a:font script="Sinh" typeface="Iskoola Pota"/>
+        <a:font script="Mong" typeface="Mongolian Baiti"/>
+        <a:font script="Viet" typeface="Arial"/>
+        <a:font script="Uigh" typeface="Microsoft Uighur"/>
+        <a:font script="Geor" typeface="Sylfaen"/>
+        <a:font script="Armn" typeface="Arial"/>
+        <a:font script="Bugi" typeface="Leelawadee UI"/>
+        <a:font script="Bopo" typeface="Microsoft JhengHei"/>
+        <a:font script="Java" typeface="Javanese Text"/>
+        <a:font script="Lisu" typeface="Segoe UI"/>
+        <a:font script="Mymr" typeface="Myanmar Text"/>
+        <a:font script="Nkoo" typeface="Ebrima"/>
+        <a:font script="Olck" typeface="Nirmala UI"/>
+        <a:font script="Osma" typeface="Ebrima"/>
+        <a:font script="Phag" typeface="Phagspa"/>
+        <a:font script="Syrn" typeface="Estrangelo Edessa"/>
+        <a:font script="Syrj" typeface="Estrangelo Edessa"/>
+        <a:font script="Syre" typeface="Estrangelo Edessa"/>
+        <a:font script="Sora" typeface="Nirmala UI"/>
+        <a:font script="Tale" typeface="Microsoft Tai Le"/>
+        <a:font script="Talu" typeface="Microsoft New Tai Lue"/>
+        <a:font script="Tfng" typeface="Ebrima"/>
+      </a:minorFont>
+    </a:fontScheme>
+    <a:fmtScheme name="Стандартная">
+      <a:fillStyleLst>
+        <a:solidFill>
+          <a:schemeClr val="phClr"/>
+        </a:solidFill>
+        <a:gradFill rotWithShape="1">
+          <a:gsLst>
+            <a:gs pos="0">
+              <a:schemeClr val="phClr">
+                <a:lumMod val="110000"/>
+                <a:satMod val="105000"/>
+                <a:tint val="67000"/>
+              </a:schemeClr>
+            </a:gs>
+            <a:gs pos="50000">
+              <a:schemeClr val="phClr">
+                <a:lumMod val="105000"/>
+                <a:satMod val="103000"/>
+                <a:tint val="73000"/>
+              </a:schemeClr>
+            </a:gs>
+            <a:gs pos="100000">
+              <a:schemeClr val="phClr">
+                <a:lumMod val="105000"/>
+                <a:satMod val="109000"/>
+                <a:tint val="81000"/>
+              </a:schemeClr>
+            </a:gs>
+          </a:gsLst>
+          <a:lin ang="5400000" scaled="0"/>
+        </a:gradFill>
+        <a:gradFill rotWithShape="1">
+          <a:gsLst>
+            <a:gs pos="0">
+              <a:schemeClr val="phClr">
+                <a:satMod val="103000"/>
+                <a:lumMod val="102000"/>
+                <a:tint val="94000"/>
+              </a:schemeClr>
+            </a:gs>
+            <a:gs pos="50000">
+              <a:schemeClr val="phClr">
+                <a:satMod val="110000"/>
+                <a:lumMod val="100000"/>
+                <a:shade val="100000"/>
+              </a:schemeClr>
+            </a:gs>
+            <a:gs pos="100000">
+              <a:schemeClr val="phClr">
+                <a:lumMod val="99000"/>
+                <a:satMod val="120000"/>
+                <a:shade val="78000"/>
+              </a:schemeClr>
+            </a:gs>
+          </a:gsLst>
+          <a:lin ang="5400000" scaled="0"/>
+        </a:gradFill>
+      </a:fillStyleLst>
+      <a:lnStyleLst>
+        <a:ln w="6350" cap="flat" cmpd="sng" algn="ctr">
+          <a:solidFill>
+            <a:schemeClr val="phClr"/>
+          </a:solidFill>
+          <a:prstDash val="solid"/>
+          <a:miter lim="800000"/>
+        </a:ln>
+        <a:ln w="12700" cap="flat" cmpd="sng" algn="ctr">
+          <a:solidFill>
+            <a:schemeClr val="phClr"/>
+          </a:solidFill>
+          <a:prstDash val="solid"/>
+          <a:miter lim="800000"/>
+        </a:ln>
+        <a:ln w="19050" cap="flat" cmpd="sng" algn="ctr">
+          <a:solidFill>
+            <a:schemeClr val="phClr"/>
+          </a:solidFill>
+          <a:prstDash val="solid"/>
+          <a:miter lim="800000"/>
+        </a:ln>
+      </a:lnStyleLst>
+      <a:effectStyleLst>
+        <a:effectStyle>
+          <a:effectLst/>
+        </a:effectStyle>
+        <a:effectStyle>
+          <a:effectLst/>
+        </a:effectStyle>
+        <a:effectStyle>
+          <a:effectLst>
+            <a:outerShdw blurRad="57150" dist="19050" dir="5400000" algn="ctr" rotWithShape="0">
+              <a:srgbClr val="000000">
+                <a:alpha val="63000"/>
+              </a:srgbClr>
+            </a:outerShdw>
+          </a:effectLst>
+        </a:effectStyle>
+      </a:effectStyleLst>
+      <a:bgFillStyleLst>
+        <a:solidFill>
+          <a:schemeClr val="phClr"/>
+        </a:solidFill>
+        <a:solidFill>
+          <a:schemeClr val="phClr">
+            <a:tint val="95000"/>
+            <a:satMod val="170000"/>
+          </a:schemeClr>
+        </a:solidFill>
+        <a:gradFill rotWithShape="1">
+          <a:gsLst>
+            <a:gs pos="0">
+              <a:schemeClr val="phClr">
+                <a:tint val="93000"/>
+                <a:satMod val="150000"/>
+                <a:shade val="98000"/>
+                <a:lumMod val="102000"/>
+              </a:schemeClr>
+            </a:gs>
+            <a:gs pos="50000">
+              <a:schemeClr val="phClr">
+                <a:tint val="98000"/>
+                <a:satMod val="130000"/>
+                <a:shade val="90000"/>
+                <a:lumMod val="103000"/>
+              </a:schemeClr>
+            </a:gs>
+            <a:gs pos="100000">
+              <a:schemeClr val="phClr">
+                <a:shade val="63000"/>
+                <a:satMod val="120000"/>
+              </a:schemeClr>
+            </a:gs>
+          </a:gsLst>
+          <a:lin ang="5400000" scaled="0"/>
+        </a:gradFill>
+      </a:bgFillStyleLst>
+    </a:fmtScheme>
+  </a:themeElements>
+  <a:objectDefaults/>
+  <a:extraClrSchemeLst/>
+  <a:extLst>
+    <a:ext uri="{05A4C25C-085E-4340-85A3-A5531E510DB2}">
+      <thm15:themeFamily xmlns:thm15="http://schemas.microsoft.com/office/thememl/2012/main" name="Office Theme" id="{62F939B6-93AF-4DB8-9C6B-D6C7DFDC589F}" vid="{4A3C46E8-61CC-4603-A589-7422A47A8E4A}"/>
+    </a:ext>
+  </a:extLst>
+</a:theme>
 </file>